--- a/docs/BNU- BCC-1.pptx
+++ b/docs/BNU- BCC-1.pptx
@@ -4,6 +4,9 @@
   <p:sldMasterIdLst>
     <p:sldMasterId id="2147483690" r:id="rId1"/>
   </p:sldMasterIdLst>
+  <p:notesMasterIdLst>
+    <p:notesMasterId r:id="rId37"/>
+  </p:notesMasterIdLst>
   <p:sldIdLst>
     <p:sldId id="256" r:id="rId2"/>
     <p:sldId id="257" r:id="rId3"/>
@@ -16,31 +19,30 @@
     <p:sldId id="264" r:id="rId10"/>
     <p:sldId id="265" r:id="rId11"/>
     <p:sldId id="258" r:id="rId12"/>
-    <p:sldId id="269" r:id="rId13"/>
-    <p:sldId id="283" r:id="rId14"/>
-    <p:sldId id="270" r:id="rId15"/>
-    <p:sldId id="272" r:id="rId16"/>
-    <p:sldId id="273" r:id="rId17"/>
-    <p:sldId id="274" r:id="rId18"/>
-    <p:sldId id="275" r:id="rId19"/>
-    <p:sldId id="276" r:id="rId20"/>
-    <p:sldId id="277" r:id="rId21"/>
-    <p:sldId id="278" r:id="rId22"/>
-    <p:sldId id="279" r:id="rId23"/>
-    <p:sldId id="280" r:id="rId24"/>
-    <p:sldId id="281" r:id="rId25"/>
-    <p:sldId id="271" r:id="rId26"/>
-    <p:sldId id="282" r:id="rId27"/>
-    <p:sldId id="284" r:id="rId28"/>
-    <p:sldId id="294" r:id="rId29"/>
-    <p:sldId id="290" r:id="rId30"/>
-    <p:sldId id="291" r:id="rId31"/>
-    <p:sldId id="292" r:id="rId32"/>
-    <p:sldId id="293" r:id="rId33"/>
-    <p:sldId id="286" r:id="rId34"/>
-    <p:sldId id="287" r:id="rId35"/>
+    <p:sldId id="287" r:id="rId13"/>
+    <p:sldId id="269" r:id="rId14"/>
+    <p:sldId id="294" r:id="rId15"/>
+    <p:sldId id="290" r:id="rId16"/>
+    <p:sldId id="291" r:id="rId17"/>
+    <p:sldId id="292" r:id="rId18"/>
+    <p:sldId id="293" r:id="rId19"/>
+    <p:sldId id="283" r:id="rId20"/>
+    <p:sldId id="286" r:id="rId21"/>
+    <p:sldId id="270" r:id="rId22"/>
+    <p:sldId id="272" r:id="rId23"/>
+    <p:sldId id="273" r:id="rId24"/>
+    <p:sldId id="274" r:id="rId25"/>
+    <p:sldId id="275" r:id="rId26"/>
+    <p:sldId id="276" r:id="rId27"/>
+    <p:sldId id="277" r:id="rId28"/>
+    <p:sldId id="278" r:id="rId29"/>
+    <p:sldId id="279" r:id="rId30"/>
+    <p:sldId id="280" r:id="rId31"/>
+    <p:sldId id="281" r:id="rId32"/>
+    <p:sldId id="271" r:id="rId33"/>
+    <p:sldId id="282" r:id="rId34"/>
+    <p:sldId id="284" r:id="rId35"/>
     <p:sldId id="285" r:id="rId36"/>
-    <p:sldId id="295" r:id="rId37"/>
   </p:sldIdLst>
   <p:sldSz cx="12192000" cy="6858000"/>
   <p:notesSz cx="6400800" cy="8686800"/>
@@ -147,6 +149,355 @@
 </p:presentation>
 </file>
 
+<file path=ppt/notesMasters/notesMaster1.xml><?xml version="1.0" encoding="utf-8"?>
+<p:notesMaster xmlns:a="http://schemas.openxmlformats.org/drawingml/2006/main" xmlns:r="http://schemas.openxmlformats.org/officeDocument/2006/relationships" xmlns:p="http://schemas.openxmlformats.org/presentationml/2006/main">
+  <p:cSld>
+    <p:bg>
+      <p:bgRef idx="1001">
+        <a:schemeClr val="bg1"/>
+      </p:bgRef>
+    </p:bg>
+    <p:spTree>
+      <p:nvGrpSpPr>
+        <p:cNvPr id="1" name=""/>
+        <p:cNvGrpSpPr/>
+        <p:nvPr/>
+      </p:nvGrpSpPr>
+      <p:grpSpPr>
+        <a:xfrm>
+          <a:off x="0" y="0"/>
+          <a:ext cx="0" cy="0"/>
+          <a:chOff x="0" y="0"/>
+          <a:chExt cx="0" cy="0"/>
+        </a:xfrm>
+      </p:grpSpPr>
+      <p:sp>
+        <p:nvSpPr>
+          <p:cNvPr id="2" name="Header Placeholder 1"/>
+          <p:cNvSpPr>
+            <a:spLocks noGrp="1"/>
+          </p:cNvSpPr>
+          <p:nvPr>
+            <p:ph type="hdr" sz="quarter"/>
+          </p:nvPr>
+        </p:nvSpPr>
+        <p:spPr>
+          <a:xfrm>
+            <a:off x="0" y="0"/>
+            <a:ext cx="2773363" cy="434975"/>
+          </a:xfrm>
+          <a:prstGeom prst="rect">
+            <a:avLst/>
+          </a:prstGeom>
+        </p:spPr>
+        <p:txBody>
+          <a:bodyPr vert="horz" lIns="91440" tIns="45720" rIns="91440" bIns="45720" rtlCol="0"/>
+          <a:lstStyle>
+            <a:lvl1pPr algn="l">
+              <a:defRPr sz="1200"/>
+            </a:lvl1pPr>
+          </a:lstStyle>
+          <a:p>
+            <a:endParaRPr lang="en-US"/>
+          </a:p>
+        </p:txBody>
+      </p:sp>
+      <p:sp>
+        <p:nvSpPr>
+          <p:cNvPr id="3" name="Date Placeholder 2"/>
+          <p:cNvSpPr>
+            <a:spLocks noGrp="1"/>
+          </p:cNvSpPr>
+          <p:nvPr>
+            <p:ph type="dt" idx="1"/>
+          </p:nvPr>
+        </p:nvSpPr>
+        <p:spPr>
+          <a:xfrm>
+            <a:off x="3625850" y="0"/>
+            <a:ext cx="2773363" cy="434975"/>
+          </a:xfrm>
+          <a:prstGeom prst="rect">
+            <a:avLst/>
+          </a:prstGeom>
+        </p:spPr>
+        <p:txBody>
+          <a:bodyPr vert="horz" lIns="91440" tIns="45720" rIns="91440" bIns="45720" rtlCol="0"/>
+          <a:lstStyle>
+            <a:lvl1pPr algn="r">
+              <a:defRPr sz="1200"/>
+            </a:lvl1pPr>
+          </a:lstStyle>
+          <a:p>
+            <a:fld id="{9F5B7F43-D709-4156-92DE-FDD93A3D4DD8}" type="datetimeFigureOut">
+              <a:rPr lang="en-US" smtClean="0"/>
+              <a:t>9/25/2019</a:t>
+            </a:fld>
+            <a:endParaRPr lang="en-US"/>
+          </a:p>
+        </p:txBody>
+      </p:sp>
+      <p:sp>
+        <p:nvSpPr>
+          <p:cNvPr id="4" name="Slide Image Placeholder 3"/>
+          <p:cNvSpPr>
+            <a:spLocks noGrp="1" noRot="1" noChangeAspect="1"/>
+          </p:cNvSpPr>
+          <p:nvPr>
+            <p:ph type="sldImg" idx="2"/>
+          </p:nvPr>
+        </p:nvSpPr>
+        <p:spPr>
+          <a:xfrm>
+            <a:off x="595313" y="1085850"/>
+            <a:ext cx="5210175" cy="2932113"/>
+          </a:xfrm>
+          <a:prstGeom prst="rect">
+            <a:avLst/>
+          </a:prstGeom>
+          <a:noFill/>
+          <a:ln w="12700">
+            <a:solidFill>
+              <a:prstClr val="black"/>
+            </a:solidFill>
+          </a:ln>
+        </p:spPr>
+        <p:txBody>
+          <a:bodyPr vert="horz" lIns="91440" tIns="45720" rIns="91440" bIns="45720" rtlCol="0" anchor="ctr"/>
+          <a:lstStyle/>
+          <a:p>
+            <a:endParaRPr lang="en-US"/>
+          </a:p>
+        </p:txBody>
+      </p:sp>
+      <p:sp>
+        <p:nvSpPr>
+          <p:cNvPr id="5" name="Notes Placeholder 4"/>
+          <p:cNvSpPr>
+            <a:spLocks noGrp="1"/>
+          </p:cNvSpPr>
+          <p:nvPr>
+            <p:ph type="body" sz="quarter" idx="3"/>
+          </p:nvPr>
+        </p:nvSpPr>
+        <p:spPr>
+          <a:xfrm>
+            <a:off x="639763" y="4179888"/>
+            <a:ext cx="5121275" cy="3421062"/>
+          </a:xfrm>
+          <a:prstGeom prst="rect">
+            <a:avLst/>
+          </a:prstGeom>
+        </p:spPr>
+        <p:txBody>
+          <a:bodyPr vert="horz" lIns="91440" tIns="45720" rIns="91440" bIns="45720" rtlCol="0"/>
+          <a:lstStyle/>
+          <a:p>
+            <a:pPr lvl="0"/>
+            <a:r>
+              <a:rPr lang="en-US"/>
+              <a:t>Click to edit Master text styles</a:t>
+            </a:r>
+          </a:p>
+          <a:p>
+            <a:pPr lvl="1"/>
+            <a:r>
+              <a:rPr lang="en-US"/>
+              <a:t>Second level</a:t>
+            </a:r>
+          </a:p>
+          <a:p>
+            <a:pPr lvl="2"/>
+            <a:r>
+              <a:rPr lang="en-US"/>
+              <a:t>Third level</a:t>
+            </a:r>
+          </a:p>
+          <a:p>
+            <a:pPr lvl="3"/>
+            <a:r>
+              <a:rPr lang="en-US"/>
+              <a:t>Fourth level</a:t>
+            </a:r>
+          </a:p>
+          <a:p>
+            <a:pPr lvl="4"/>
+            <a:r>
+              <a:rPr lang="en-US"/>
+              <a:t>Fifth level</a:t>
+            </a:r>
+          </a:p>
+        </p:txBody>
+      </p:sp>
+      <p:sp>
+        <p:nvSpPr>
+          <p:cNvPr id="6" name="Footer Placeholder 5"/>
+          <p:cNvSpPr>
+            <a:spLocks noGrp="1"/>
+          </p:cNvSpPr>
+          <p:nvPr>
+            <p:ph type="ftr" sz="quarter" idx="4"/>
+          </p:nvPr>
+        </p:nvSpPr>
+        <p:spPr>
+          <a:xfrm>
+            <a:off x="0" y="8251825"/>
+            <a:ext cx="2773363" cy="434975"/>
+          </a:xfrm>
+          <a:prstGeom prst="rect">
+            <a:avLst/>
+          </a:prstGeom>
+        </p:spPr>
+        <p:txBody>
+          <a:bodyPr vert="horz" lIns="91440" tIns="45720" rIns="91440" bIns="45720" rtlCol="0" anchor="b"/>
+          <a:lstStyle>
+            <a:lvl1pPr algn="l">
+              <a:defRPr sz="1200"/>
+            </a:lvl1pPr>
+          </a:lstStyle>
+          <a:p>
+            <a:endParaRPr lang="en-US"/>
+          </a:p>
+        </p:txBody>
+      </p:sp>
+      <p:sp>
+        <p:nvSpPr>
+          <p:cNvPr id="7" name="Slide Number Placeholder 6"/>
+          <p:cNvSpPr>
+            <a:spLocks noGrp="1"/>
+          </p:cNvSpPr>
+          <p:nvPr>
+            <p:ph type="sldNum" sz="quarter" idx="5"/>
+          </p:nvPr>
+        </p:nvSpPr>
+        <p:spPr>
+          <a:xfrm>
+            <a:off x="3625850" y="8251825"/>
+            <a:ext cx="2773363" cy="434975"/>
+          </a:xfrm>
+          <a:prstGeom prst="rect">
+            <a:avLst/>
+          </a:prstGeom>
+        </p:spPr>
+        <p:txBody>
+          <a:bodyPr vert="horz" lIns="91440" tIns="45720" rIns="91440" bIns="45720" rtlCol="0" anchor="b"/>
+          <a:lstStyle>
+            <a:lvl1pPr algn="r">
+              <a:defRPr sz="1200"/>
+            </a:lvl1pPr>
+          </a:lstStyle>
+          <a:p>
+            <a:fld id="{0442B619-BED3-407F-A74A-B00C4873F905}" type="slidenum">
+              <a:rPr lang="en-US" smtClean="0"/>
+              <a:t>‹#›</a:t>
+            </a:fld>
+            <a:endParaRPr lang="en-US"/>
+          </a:p>
+        </p:txBody>
+      </p:sp>
+    </p:spTree>
+    <p:extLst>
+      <p:ext uri="{BB962C8B-B14F-4D97-AF65-F5344CB8AC3E}">
+        <p14:creationId xmlns:p14="http://schemas.microsoft.com/office/powerpoint/2010/main" val="1552864377"/>
+      </p:ext>
+    </p:extLst>
+  </p:cSld>
+  <p:clrMap bg1="lt1" tx1="dk1" bg2="lt2" tx2="dk2" accent1="accent1" accent2="accent2" accent3="accent3" accent4="accent4" accent5="accent5" accent6="accent6" hlink="hlink" folHlink="folHlink"/>
+  <p:notesStyle>
+    <a:lvl1pPr marL="0" algn="l" defTabSz="914400" rtl="0" eaLnBrk="1" latinLnBrk="0" hangingPunct="1">
+      <a:defRPr sz="1200" kern="1200">
+        <a:solidFill>
+          <a:schemeClr val="tx1"/>
+        </a:solidFill>
+        <a:latin typeface="+mn-lt"/>
+        <a:ea typeface="+mn-ea"/>
+        <a:cs typeface="+mn-cs"/>
+      </a:defRPr>
+    </a:lvl1pPr>
+    <a:lvl2pPr marL="457200" algn="l" defTabSz="914400" rtl="0" eaLnBrk="1" latinLnBrk="0" hangingPunct="1">
+      <a:defRPr sz="1200" kern="1200">
+        <a:solidFill>
+          <a:schemeClr val="tx1"/>
+        </a:solidFill>
+        <a:latin typeface="+mn-lt"/>
+        <a:ea typeface="+mn-ea"/>
+        <a:cs typeface="+mn-cs"/>
+      </a:defRPr>
+    </a:lvl2pPr>
+    <a:lvl3pPr marL="914400" algn="l" defTabSz="914400" rtl="0" eaLnBrk="1" latinLnBrk="0" hangingPunct="1">
+      <a:defRPr sz="1200" kern="1200">
+        <a:solidFill>
+          <a:schemeClr val="tx1"/>
+        </a:solidFill>
+        <a:latin typeface="+mn-lt"/>
+        <a:ea typeface="+mn-ea"/>
+        <a:cs typeface="+mn-cs"/>
+      </a:defRPr>
+    </a:lvl3pPr>
+    <a:lvl4pPr marL="1371600" algn="l" defTabSz="914400" rtl="0" eaLnBrk="1" latinLnBrk="0" hangingPunct="1">
+      <a:defRPr sz="1200" kern="1200">
+        <a:solidFill>
+          <a:schemeClr val="tx1"/>
+        </a:solidFill>
+        <a:latin typeface="+mn-lt"/>
+        <a:ea typeface="+mn-ea"/>
+        <a:cs typeface="+mn-cs"/>
+      </a:defRPr>
+    </a:lvl4pPr>
+    <a:lvl5pPr marL="1828800" algn="l" defTabSz="914400" rtl="0" eaLnBrk="1" latinLnBrk="0" hangingPunct="1">
+      <a:defRPr sz="1200" kern="1200">
+        <a:solidFill>
+          <a:schemeClr val="tx1"/>
+        </a:solidFill>
+        <a:latin typeface="+mn-lt"/>
+        <a:ea typeface="+mn-ea"/>
+        <a:cs typeface="+mn-cs"/>
+      </a:defRPr>
+    </a:lvl5pPr>
+    <a:lvl6pPr marL="2286000" algn="l" defTabSz="914400" rtl="0" eaLnBrk="1" latinLnBrk="0" hangingPunct="1">
+      <a:defRPr sz="1200" kern="1200">
+        <a:solidFill>
+          <a:schemeClr val="tx1"/>
+        </a:solidFill>
+        <a:latin typeface="+mn-lt"/>
+        <a:ea typeface="+mn-ea"/>
+        <a:cs typeface="+mn-cs"/>
+      </a:defRPr>
+    </a:lvl6pPr>
+    <a:lvl7pPr marL="2743200" algn="l" defTabSz="914400" rtl="0" eaLnBrk="1" latinLnBrk="0" hangingPunct="1">
+      <a:defRPr sz="1200" kern="1200">
+        <a:solidFill>
+          <a:schemeClr val="tx1"/>
+        </a:solidFill>
+        <a:latin typeface="+mn-lt"/>
+        <a:ea typeface="+mn-ea"/>
+        <a:cs typeface="+mn-cs"/>
+      </a:defRPr>
+    </a:lvl7pPr>
+    <a:lvl8pPr marL="3200400" algn="l" defTabSz="914400" rtl="0" eaLnBrk="1" latinLnBrk="0" hangingPunct="1">
+      <a:defRPr sz="1200" kern="1200">
+        <a:solidFill>
+          <a:schemeClr val="tx1"/>
+        </a:solidFill>
+        <a:latin typeface="+mn-lt"/>
+        <a:ea typeface="+mn-ea"/>
+        <a:cs typeface="+mn-cs"/>
+      </a:defRPr>
+    </a:lvl8pPr>
+    <a:lvl9pPr marL="3657600" algn="l" defTabSz="914400" rtl="0" eaLnBrk="1" latinLnBrk="0" hangingPunct="1">
+      <a:defRPr sz="1200" kern="1200">
+        <a:solidFill>
+          <a:schemeClr val="tx1"/>
+        </a:solidFill>
+        <a:latin typeface="+mn-lt"/>
+        <a:ea typeface="+mn-ea"/>
+        <a:cs typeface="+mn-cs"/>
+      </a:defRPr>
+    </a:lvl9pPr>
+  </p:notesStyle>
+</p:notesMaster>
+</file>
+
 <file path=ppt/slideLayouts/slideLayout1.xml><?xml version="1.0" encoding="utf-8"?>
 <p:sldLayout xmlns:a="http://schemas.openxmlformats.org/drawingml/2006/main" xmlns:r="http://schemas.openxmlformats.org/officeDocument/2006/relationships" xmlns:p="http://schemas.openxmlformats.org/presentationml/2006/main" showMasterSp="0" type="title" preserve="1">
   <p:cSld name="Title Slide">
@@ -1356,9 +1707,9 @@
             </a:lvl1pPr>
           </a:lstStyle>
           <a:p>
-            <a:fld id="{C8F9ABB6-8EAB-4F2A-AED7-9D3F744E26CB}" type="datetimeFigureOut">
+            <a:fld id="{D6B2C176-364D-45CF-B051-87E4CCEA3977}" type="datetime1">
               <a:rPr lang="en-US" smtClean="0"/>
-              <a:t>9/24/2019</a:t>
+              <a:t>9/25/2019</a:t>
             </a:fld>
             <a:endParaRPr lang="en-US"/>
           </a:p>
@@ -1394,7 +1745,10 @@
             </a:lvl1pPr>
           </a:lstStyle>
           <a:p>
-            <a:endParaRPr lang="en-US"/>
+            <a:r>
+              <a:rPr lang="en-US"/>
+              <a:t>Mark Fuller, Kevin Kulda, Connor Woodahl --- https://github.com/markfuller/BNU</a:t>
+            </a:r>
           </a:p>
         </p:txBody>
       </p:sp>
@@ -1594,9 +1948,9 @@
           <a:bodyPr/>
           <a:lstStyle/>
           <a:p>
-            <a:fld id="{C8F9ABB6-8EAB-4F2A-AED7-9D3F744E26CB}" type="datetimeFigureOut">
+            <a:fld id="{09818545-2C2E-4D7F-9402-E36B82A7F1A8}" type="datetime1">
               <a:rPr lang="en-US" smtClean="0"/>
-              <a:t>9/24/2019</a:t>
+              <a:t>9/25/2019</a:t>
             </a:fld>
             <a:endParaRPr lang="en-US"/>
           </a:p>
@@ -1617,7 +1971,10 @@
           <a:bodyPr/>
           <a:lstStyle/>
           <a:p>
-            <a:endParaRPr lang="en-US"/>
+            <a:r>
+              <a:rPr lang="en-US"/>
+              <a:t>Mark Fuller, Kevin Kulda, Connor Woodahl --- https://github.com/markfuller/BNU</a:t>
+            </a:r>
           </a:p>
         </p:txBody>
       </p:sp>
@@ -1774,9 +2131,9 @@
           <a:bodyPr/>
           <a:lstStyle/>
           <a:p>
-            <a:fld id="{C8F9ABB6-8EAB-4F2A-AED7-9D3F744E26CB}" type="datetimeFigureOut">
+            <a:fld id="{EBC15077-952D-4215-B24B-22F295445043}" type="datetime1">
               <a:rPr lang="en-US" smtClean="0"/>
-              <a:t>9/24/2019</a:t>
+              <a:t>9/25/2019</a:t>
             </a:fld>
             <a:endParaRPr lang="en-US"/>
           </a:p>
@@ -1797,7 +2154,10 @@
           <a:bodyPr/>
           <a:lstStyle/>
           <a:p>
-            <a:endParaRPr lang="en-US"/>
+            <a:r>
+              <a:rPr lang="en-US"/>
+              <a:t>Mark Fuller, Kevin Kulda, Connor Woodahl --- https://github.com/markfuller/BNU</a:t>
+            </a:r>
           </a:p>
         </p:txBody>
       </p:sp>
@@ -1944,9 +2304,9 @@
           <a:bodyPr/>
           <a:lstStyle/>
           <a:p>
-            <a:fld id="{C8F9ABB6-8EAB-4F2A-AED7-9D3F744E26CB}" type="datetimeFigureOut">
+            <a:fld id="{A5E9A226-4227-462D-AA31-D5502D6BC73F}" type="datetime1">
               <a:rPr lang="en-US" smtClean="0"/>
-              <a:t>9/24/2019</a:t>
+              <a:t>9/25/2019</a:t>
             </a:fld>
             <a:endParaRPr lang="en-US"/>
           </a:p>
@@ -1967,7 +2327,10 @@
           <a:bodyPr/>
           <a:lstStyle/>
           <a:p>
-            <a:endParaRPr lang="en-US"/>
+            <a:r>
+              <a:rPr lang="en-US"/>
+              <a:t>Mark Fuller, Kevin Kulda, Connor Woodahl --- https://github.com/markfuller/BNU</a:t>
+            </a:r>
           </a:p>
         </p:txBody>
       </p:sp>
@@ -2220,9 +2583,9 @@
             </a:lvl1pPr>
           </a:lstStyle>
           <a:p>
-            <a:fld id="{C8F9ABB6-8EAB-4F2A-AED7-9D3F744E26CB}" type="datetimeFigureOut">
+            <a:fld id="{A8125E2B-75A6-490D-BAAC-25A411516A6B}" type="datetime1">
               <a:rPr lang="en-US" smtClean="0"/>
-              <a:t>9/24/2019</a:t>
+              <a:t>9/25/2019</a:t>
             </a:fld>
             <a:endParaRPr lang="en-US"/>
           </a:p>
@@ -2256,7 +2619,10 @@
             </a:lvl1pPr>
           </a:lstStyle>
           <a:p>
-            <a:endParaRPr lang="en-US"/>
+            <a:r>
+              <a:rPr lang="en-US"/>
+              <a:t>Mark Fuller, Kevin Kulda, Connor Woodahl --- https://github.com/markfuller/BNU</a:t>
+            </a:r>
           </a:p>
         </p:txBody>
       </p:sp>
@@ -3421,9 +3787,9 @@
           <a:bodyPr/>
           <a:lstStyle/>
           <a:p>
-            <a:fld id="{C8F9ABB6-8EAB-4F2A-AED7-9D3F744E26CB}" type="datetimeFigureOut">
+            <a:fld id="{60ACFCB6-2A51-4C8B-AB67-6366FE46D3DF}" type="datetime1">
               <a:rPr lang="en-US" smtClean="0"/>
-              <a:t>9/24/2019</a:t>
+              <a:t>9/25/2019</a:t>
             </a:fld>
             <a:endParaRPr lang="en-US"/>
           </a:p>
@@ -3444,7 +3810,10 @@
           <a:bodyPr/>
           <a:lstStyle/>
           <a:p>
-            <a:endParaRPr lang="en-US"/>
+            <a:r>
+              <a:rPr lang="en-US"/>
+              <a:t>Mark Fuller, Kevin Kulda, Connor Woodahl --- https://github.com/markfuller/BNU</a:t>
+            </a:r>
           </a:p>
         </p:txBody>
       </p:sp>
@@ -3481,7 +3850,7 @@
   <p:clrMapOvr>
     <a:masterClrMapping/>
   </p:clrMapOvr>
-  <p:extLst>
+  <p:extLst mod="1">
     <p:ext uri="{DCECCB84-F9BA-43D5-87BE-67443E8EF086}">
       <p15:sldGuideLst xmlns:p15="http://schemas.microsoft.com/office/powerpoint/2012/main"/>
     </p:ext>
@@ -3811,9 +4180,9 @@
           <a:bodyPr/>
           <a:lstStyle/>
           <a:p>
-            <a:fld id="{C8F9ABB6-8EAB-4F2A-AED7-9D3F744E26CB}" type="datetimeFigureOut">
+            <a:fld id="{A425D10D-6444-481C-BEB5-1FCE3F210512}" type="datetime1">
               <a:rPr lang="en-US" smtClean="0"/>
-              <a:t>9/24/2019</a:t>
+              <a:t>9/25/2019</a:t>
             </a:fld>
             <a:endParaRPr lang="en-US"/>
           </a:p>
@@ -3834,7 +4203,10 @@
           <a:bodyPr/>
           <a:lstStyle/>
           <a:p>
-            <a:endParaRPr lang="en-US"/>
+            <a:r>
+              <a:rPr lang="en-US"/>
+              <a:t>Mark Fuller, Kevin Kulda, Connor Woodahl --- https://github.com/markfuller/BNU</a:t>
+            </a:r>
           </a:p>
         </p:txBody>
       </p:sp>
@@ -3871,7 +4243,7 @@
   <p:clrMapOvr>
     <a:masterClrMapping/>
   </p:clrMapOvr>
-  <p:extLst>
+  <p:extLst mod="1">
     <p:ext uri="{DCECCB84-F9BA-43D5-87BE-67443E8EF086}">
       <p15:sldGuideLst xmlns:p15="http://schemas.microsoft.com/office/powerpoint/2012/main"/>
     </p:ext>
@@ -3934,9 +4306,9 @@
           <a:bodyPr/>
           <a:lstStyle/>
           <a:p>
-            <a:fld id="{C8F9ABB6-8EAB-4F2A-AED7-9D3F744E26CB}" type="datetimeFigureOut">
+            <a:fld id="{18E5ECC7-51BC-4A84-8B9E-A01F31DB71EB}" type="datetime1">
               <a:rPr lang="en-US" smtClean="0"/>
-              <a:t>9/24/2019</a:t>
+              <a:t>9/25/2019</a:t>
             </a:fld>
             <a:endParaRPr lang="en-US"/>
           </a:p>
@@ -3957,7 +4329,10 @@
           <a:bodyPr/>
           <a:lstStyle/>
           <a:p>
-            <a:endParaRPr lang="en-US"/>
+            <a:r>
+              <a:rPr lang="en-US"/>
+              <a:t>Mark Fuller, Kevin Kulda, Connor Woodahl --- https://github.com/markfuller/BNU</a:t>
+            </a:r>
           </a:p>
         </p:txBody>
       </p:sp>
@@ -4029,9 +4404,9 @@
           <a:bodyPr/>
           <a:lstStyle/>
           <a:p>
-            <a:fld id="{C8F9ABB6-8EAB-4F2A-AED7-9D3F744E26CB}" type="datetimeFigureOut">
+            <a:fld id="{DFAF760B-E7F1-400C-802C-EC7A7DD5D9A6}" type="datetime1">
               <a:rPr lang="en-US" smtClean="0"/>
-              <a:t>9/24/2019</a:t>
+              <a:t>9/25/2019</a:t>
             </a:fld>
             <a:endParaRPr lang="en-US"/>
           </a:p>
@@ -4052,7 +4427,10 @@
           <a:bodyPr/>
           <a:lstStyle/>
           <a:p>
-            <a:endParaRPr lang="en-US"/>
+            <a:r>
+              <a:rPr lang="en-US"/>
+              <a:t>Mark Fuller, Kevin Kulda, Connor Woodahl --- https://github.com/markfuller/BNU</a:t>
+            </a:r>
           </a:p>
         </p:txBody>
       </p:sp>
@@ -4792,9 +5170,9 @@
           <a:bodyPr/>
           <a:lstStyle/>
           <a:p>
-            <a:fld id="{C8F9ABB6-8EAB-4F2A-AED7-9D3F744E26CB}" type="datetimeFigureOut">
+            <a:fld id="{FA03CDC5-0A20-4D07-98A8-5A8198655193}" type="datetime1">
               <a:rPr lang="en-US" smtClean="0"/>
-              <a:t>9/24/2019</a:t>
+              <a:t>9/25/2019</a:t>
             </a:fld>
             <a:endParaRPr lang="en-US"/>
           </a:p>
@@ -4820,7 +5198,10 @@
           <a:bodyPr/>
           <a:lstStyle/>
           <a:p>
-            <a:endParaRPr lang="en-US"/>
+            <a:r>
+              <a:rPr lang="en-US"/>
+              <a:t>Mark Fuller, Kevin Kulda, Connor Woodahl --- https://github.com/markfuller/BNU</a:t>
+            </a:r>
           </a:p>
         </p:txBody>
       </p:sp>
@@ -4900,7 +5281,7 @@
   <p:clrMapOvr>
     <a:masterClrMapping/>
   </p:clrMapOvr>
-  <p:extLst>
+  <p:extLst mod="1">
     <p:ext uri="{DCECCB84-F9BA-43D5-87BE-67443E8EF086}">
       <p15:sldGuideLst xmlns:p15="http://schemas.microsoft.com/office/powerpoint/2012/main">
         <p15:guide id="1" orient="horz" pos="696">
@@ -5632,9 +6013,9 @@
           <a:bodyPr/>
           <a:lstStyle/>
           <a:p>
-            <a:fld id="{C8F9ABB6-8EAB-4F2A-AED7-9D3F744E26CB}" type="datetimeFigureOut">
+            <a:fld id="{BB14EE42-ADC5-494F-A5A4-79C962F81066}" type="datetime1">
               <a:rPr lang="en-US" smtClean="0"/>
-              <a:t>9/24/2019</a:t>
+              <a:t>9/25/2019</a:t>
             </a:fld>
             <a:endParaRPr lang="en-US"/>
           </a:p>
@@ -5660,7 +6041,10 @@
           <a:bodyPr/>
           <a:lstStyle/>
           <a:p>
-            <a:endParaRPr lang="en-US"/>
+            <a:r>
+              <a:rPr lang="en-US"/>
+              <a:t>Mark Fuller, Kevin Kulda, Connor Woodahl --- https://github.com/markfuller/BNU</a:t>
+            </a:r>
           </a:p>
         </p:txBody>
       </p:sp>
@@ -5859,9 +6243,9 @@
             </a:lvl1pPr>
           </a:lstStyle>
           <a:p>
-            <a:fld id="{C8F9ABB6-8EAB-4F2A-AED7-9D3F744E26CB}" type="datetimeFigureOut">
+            <a:fld id="{AD736A4C-E143-40CE-9F0F-B2B82425E010}" type="datetime1">
               <a:rPr lang="en-US" smtClean="0"/>
-              <a:t>9/24/2019</a:t>
+              <a:t>9/25/2019</a:t>
             </a:fld>
             <a:endParaRPr lang="en-US"/>
           </a:p>
@@ -5901,7 +6285,10 @@
             </a:lvl1pPr>
           </a:lstStyle>
           <a:p>
-            <a:endParaRPr lang="en-US"/>
+            <a:r>
+              <a:rPr lang="en-US"/>
+              <a:t>Mark Fuller, Kevin Kulda, Connor Woodahl --- https://github.com/markfuller/BNU</a:t>
+            </a:r>
           </a:p>
         </p:txBody>
       </p:sp>
@@ -6470,6 +6857,7 @@
     <p:sldLayoutId id="2147483700" r:id="rId10"/>
     <p:sldLayoutId id="2147483701" r:id="rId11"/>
   </p:sldLayoutIdLst>
+  <p:hf hdr="0" dt="0"/>
   <p:txStyles>
     <p:titleStyle>
       <a:lvl1pPr algn="l" defTabSz="914400" rtl="0" eaLnBrk="1" latinLnBrk="0" hangingPunct="1">
@@ -6804,7 +7192,7 @@
       </a:lvl9pPr>
     </p:otherStyle>
   </p:txStyles>
-  <p:extLst>
+  <p:extLst mod="1">
     <p:ext uri="{27BBF7A9-308A-43DC-89C8-2F10F3537804}">
       <p15:sldGuideLst xmlns:p15="http://schemas.microsoft.com/office/powerpoint/2012/main">
         <p15:guide id="1" pos="792">
@@ -6906,8 +7294,8 @@
         </p:nvSpPr>
         <p:spPr>
           <a:xfrm>
-            <a:off x="1748589" y="5863390"/>
-            <a:ext cx="9109911" cy="858086"/>
+            <a:off x="321997" y="625642"/>
+            <a:ext cx="3921139" cy="5935578"/>
           </a:xfrm>
         </p:spPr>
         <p:txBody>
@@ -6916,25 +7304,29 @@
           </a:bodyPr>
           <a:lstStyle/>
           <a:p>
+            <a:pPr algn="l"/>
             <a:r>
               <a:rPr lang="en-US" dirty="0"/>
-              <a:t>Mark </a:t>
-            </a:r>
-            <a:r>
-              <a:rPr lang="en-US" dirty="0" err="1"/>
-              <a:t>FUller</a:t>
-            </a:r>
+              <a:t>Mark Fuller</a:t>
+            </a:r>
+          </a:p>
+          <a:p>
+            <a:pPr algn="l"/>
             <a:r>
               <a:rPr lang="en-US" dirty="0"/>
-              <a:t>, Kevin </a:t>
+              <a:t>Kevin </a:t>
             </a:r>
             <a:r>
               <a:rPr lang="en-US" dirty="0" err="1"/>
               <a:t>Kulda</a:t>
             </a:r>
+            <a:endParaRPr lang="en-US" dirty="0"/>
+          </a:p>
+          <a:p>
+            <a:pPr algn="l"/>
             <a:r>
               <a:rPr lang="en-US" dirty="0"/>
-              <a:t>, Connor </a:t>
+              <a:t>Connor </a:t>
             </a:r>
             <a:r>
               <a:rPr lang="en-US" dirty="0" err="1"/>
@@ -6942,13 +7334,25 @@
             </a:r>
             <a:r>
               <a:rPr lang="en-US" dirty="0"/>
-              <a:t>, </a:t>
-            </a:r>
-          </a:p>
-          <a:p>
+              <a:t> </a:t>
+            </a:r>
+          </a:p>
+          <a:p>
+            <a:pPr algn="l"/>
+            <a:endParaRPr lang="en-US" dirty="0"/>
+          </a:p>
+          <a:p>
+            <a:pPr algn="l"/>
             <a:r>
               <a:rPr lang="en-US" dirty="0"/>
-              <a:t>Professor: Dr. Cerny</a:t>
+              <a:t>Professor: </a:t>
+            </a:r>
+          </a:p>
+          <a:p>
+            <a:pPr algn="l"/>
+            <a:r>
+              <a:rPr lang="en-US" dirty="0"/>
+              <a:t>	Dr. Cerny</a:t>
             </a:r>
           </a:p>
         </p:txBody>
@@ -7232,6 +7636,320 @@
               <a:rPr lang="en-US" dirty="0"/>
               <a:t>24-Sept-2019</a:t>
             </a:r>
+          </a:p>
+        </p:txBody>
+      </p:sp>
+      <p:sp>
+        <p:nvSpPr>
+          <p:cNvPr id="6" name="Subtitle 2">
+            <a:extLst>
+              <a:ext uri="{FF2B5EF4-FFF2-40B4-BE49-F238E27FC236}">
+                <a16:creationId xmlns:a16="http://schemas.microsoft.com/office/drawing/2014/main" id="{B7735BB5-C852-4593-BB87-29183BBE1815}"/>
+              </a:ext>
+            </a:extLst>
+          </p:cNvPr>
+          <p:cNvSpPr txBox="1">
+            <a:spLocks/>
+          </p:cNvSpPr>
+          <p:nvPr/>
+        </p:nvSpPr>
+        <p:spPr>
+          <a:xfrm>
+            <a:off x="-120010" y="55295"/>
+            <a:ext cx="9993926" cy="858086"/>
+          </a:xfrm>
+          <a:prstGeom prst="rect">
+            <a:avLst/>
+          </a:prstGeom>
+        </p:spPr>
+        <p:txBody>
+          <a:bodyPr vert="horz" lIns="91440" tIns="45720" rIns="91440" bIns="45720" rtlCol="0" anchor="t">
+            <a:normAutofit/>
+          </a:bodyPr>
+          <a:lstStyle>
+            <a:lvl1pPr marL="0" indent="0" algn="ctr" defTabSz="914400" rtl="0" eaLnBrk="1" latinLnBrk="0" hangingPunct="1">
+              <a:lnSpc>
+                <a:spcPct val="100000"/>
+              </a:lnSpc>
+              <a:spcBef>
+                <a:spcPts val="700"/>
+              </a:spcBef>
+              <a:buClr>
+                <a:schemeClr val="tx2"/>
+              </a:buClr>
+              <a:buFont typeface="Arial" panose="020B0604020202020204" pitchFamily="34" charset="0"/>
+              <a:buNone/>
+              <a:defRPr sz="2000" b="1" i="0" kern="1200" cap="all" spc="400" baseline="0">
+                <a:solidFill>
+                  <a:schemeClr val="tx2"/>
+                </a:solidFill>
+                <a:latin typeface="+mn-lt"/>
+                <a:ea typeface="+mn-ea"/>
+                <a:cs typeface="+mn-cs"/>
+              </a:defRPr>
+            </a:lvl1pPr>
+            <a:lvl2pPr marL="457200" indent="0" algn="ctr" defTabSz="914400" rtl="0" eaLnBrk="1" latinLnBrk="0" hangingPunct="1">
+              <a:lnSpc>
+                <a:spcPct val="110000"/>
+              </a:lnSpc>
+              <a:spcBef>
+                <a:spcPts val="700"/>
+              </a:spcBef>
+              <a:buClr>
+                <a:schemeClr val="tx2"/>
+              </a:buClr>
+              <a:buFont typeface="Gill Sans MT" panose="020B0502020104020203" pitchFamily="34" charset="0"/>
+              <a:buNone/>
+              <a:defRPr sz="2000" kern="1200">
+                <a:solidFill>
+                  <a:schemeClr val="tx1">
+                    <a:lumMod val="65000"/>
+                    <a:lumOff val="35000"/>
+                  </a:schemeClr>
+                </a:solidFill>
+                <a:latin typeface="+mn-lt"/>
+                <a:ea typeface="+mn-ea"/>
+                <a:cs typeface="+mn-cs"/>
+              </a:defRPr>
+            </a:lvl2pPr>
+            <a:lvl3pPr marL="914400" indent="0" algn="ctr" defTabSz="914400" rtl="0" eaLnBrk="1" latinLnBrk="0" hangingPunct="1">
+              <a:lnSpc>
+                <a:spcPct val="110000"/>
+              </a:lnSpc>
+              <a:spcBef>
+                <a:spcPts val="700"/>
+              </a:spcBef>
+              <a:buClr>
+                <a:schemeClr val="tx2"/>
+              </a:buClr>
+              <a:buFont typeface="Arial" panose="020B0604020202020204" pitchFamily="34" charset="0"/>
+              <a:buNone/>
+              <a:defRPr sz="1800" kern="1200">
+                <a:solidFill>
+                  <a:schemeClr val="tx1">
+                    <a:lumMod val="65000"/>
+                    <a:lumOff val="35000"/>
+                  </a:schemeClr>
+                </a:solidFill>
+                <a:latin typeface="+mn-lt"/>
+                <a:ea typeface="+mn-ea"/>
+                <a:cs typeface="+mn-cs"/>
+              </a:defRPr>
+            </a:lvl3pPr>
+            <a:lvl4pPr marL="1371600" indent="0" algn="ctr" defTabSz="914400" rtl="0" eaLnBrk="1" latinLnBrk="0" hangingPunct="1">
+              <a:lnSpc>
+                <a:spcPct val="110000"/>
+              </a:lnSpc>
+              <a:spcBef>
+                <a:spcPts val="700"/>
+              </a:spcBef>
+              <a:buClr>
+                <a:schemeClr val="tx2"/>
+              </a:buClr>
+              <a:buFont typeface="Gill Sans MT" panose="020B0502020104020203" pitchFamily="34" charset="0"/>
+              <a:buNone/>
+              <a:defRPr sz="1600" kern="1200">
+                <a:solidFill>
+                  <a:schemeClr val="tx1">
+                    <a:lumMod val="65000"/>
+                    <a:lumOff val="35000"/>
+                  </a:schemeClr>
+                </a:solidFill>
+                <a:latin typeface="+mn-lt"/>
+                <a:ea typeface="+mn-ea"/>
+                <a:cs typeface="+mn-cs"/>
+              </a:defRPr>
+            </a:lvl4pPr>
+            <a:lvl5pPr marL="1828800" indent="0" algn="ctr" defTabSz="914400" rtl="0" eaLnBrk="1" latinLnBrk="0" hangingPunct="1">
+              <a:lnSpc>
+                <a:spcPct val="110000"/>
+              </a:lnSpc>
+              <a:spcBef>
+                <a:spcPts val="700"/>
+              </a:spcBef>
+              <a:buClr>
+                <a:schemeClr val="tx2"/>
+              </a:buClr>
+              <a:buFont typeface="Arial" panose="020B0604020202020204" pitchFamily="34" charset="0"/>
+              <a:buNone/>
+              <a:defRPr sz="1600" kern="1200">
+                <a:solidFill>
+                  <a:schemeClr val="tx1">
+                    <a:lumMod val="65000"/>
+                    <a:lumOff val="35000"/>
+                  </a:schemeClr>
+                </a:solidFill>
+                <a:latin typeface="+mn-lt"/>
+                <a:ea typeface="+mn-ea"/>
+                <a:cs typeface="+mn-cs"/>
+              </a:defRPr>
+            </a:lvl5pPr>
+            <a:lvl6pPr marL="2286000" indent="0" algn="ctr" defTabSz="914400" rtl="0" eaLnBrk="1" latinLnBrk="0" hangingPunct="1">
+              <a:lnSpc>
+                <a:spcPct val="110000"/>
+              </a:lnSpc>
+              <a:spcBef>
+                <a:spcPts val="700"/>
+              </a:spcBef>
+              <a:buClr>
+                <a:schemeClr val="tx2"/>
+              </a:buClr>
+              <a:buFont typeface="Gill Sans MT" panose="020B0502020104020203" pitchFamily="34" charset="0"/>
+              <a:buNone/>
+              <a:defRPr sz="1600" kern="1200">
+                <a:solidFill>
+                  <a:schemeClr val="tx1">
+                    <a:lumMod val="65000"/>
+                    <a:lumOff val="35000"/>
+                  </a:schemeClr>
+                </a:solidFill>
+                <a:latin typeface="+mn-lt"/>
+                <a:ea typeface="+mn-ea"/>
+                <a:cs typeface="+mn-cs"/>
+              </a:defRPr>
+            </a:lvl6pPr>
+            <a:lvl7pPr marL="2743200" indent="0" algn="ctr" defTabSz="914400" rtl="0" eaLnBrk="1" latinLnBrk="0" hangingPunct="1">
+              <a:lnSpc>
+                <a:spcPct val="110000"/>
+              </a:lnSpc>
+              <a:spcBef>
+                <a:spcPts val="700"/>
+              </a:spcBef>
+              <a:buClr>
+                <a:schemeClr val="tx2"/>
+              </a:buClr>
+              <a:buFont typeface="Arial" panose="020B0604020202020204" pitchFamily="34" charset="0"/>
+              <a:buNone/>
+              <a:defRPr sz="1600" kern="1200">
+                <a:solidFill>
+                  <a:schemeClr val="tx1">
+                    <a:lumMod val="65000"/>
+                    <a:lumOff val="35000"/>
+                  </a:schemeClr>
+                </a:solidFill>
+                <a:latin typeface="+mn-lt"/>
+                <a:ea typeface="+mn-ea"/>
+                <a:cs typeface="+mn-cs"/>
+              </a:defRPr>
+            </a:lvl7pPr>
+            <a:lvl8pPr marL="3200400" indent="0" algn="ctr" defTabSz="914400" rtl="0" eaLnBrk="1" latinLnBrk="0" hangingPunct="1">
+              <a:lnSpc>
+                <a:spcPct val="110000"/>
+              </a:lnSpc>
+              <a:spcBef>
+                <a:spcPts val="700"/>
+              </a:spcBef>
+              <a:buClr>
+                <a:schemeClr val="tx2"/>
+              </a:buClr>
+              <a:buFont typeface="Gill Sans MT" panose="020B0502020104020203" pitchFamily="34" charset="0"/>
+              <a:buNone/>
+              <a:defRPr sz="1600" kern="1200" baseline="0">
+                <a:solidFill>
+                  <a:schemeClr val="tx1">
+                    <a:lumMod val="65000"/>
+                    <a:lumOff val="35000"/>
+                  </a:schemeClr>
+                </a:solidFill>
+                <a:latin typeface="+mn-lt"/>
+                <a:ea typeface="+mn-ea"/>
+                <a:cs typeface="+mn-cs"/>
+              </a:defRPr>
+            </a:lvl8pPr>
+            <a:lvl9pPr marL="3657600" indent="0" algn="ctr" defTabSz="914400" rtl="0" eaLnBrk="1" latinLnBrk="0" hangingPunct="1">
+              <a:lnSpc>
+                <a:spcPct val="110000"/>
+              </a:lnSpc>
+              <a:spcBef>
+                <a:spcPts val="700"/>
+              </a:spcBef>
+              <a:buClr>
+                <a:schemeClr val="tx2"/>
+              </a:buClr>
+              <a:buFont typeface="Arial" panose="020B0604020202020204" pitchFamily="34" charset="0"/>
+              <a:buNone/>
+              <a:defRPr sz="1600" kern="1200" baseline="0">
+                <a:solidFill>
+                  <a:schemeClr val="tx1">
+                    <a:lumMod val="65000"/>
+                    <a:lumOff val="35000"/>
+                  </a:schemeClr>
+                </a:solidFill>
+                <a:latin typeface="+mn-lt"/>
+                <a:ea typeface="+mn-ea"/>
+                <a:cs typeface="+mn-cs"/>
+              </a:defRPr>
+            </a:lvl9pPr>
+          </a:lstStyle>
+          <a:p>
+            <a:r>
+              <a:rPr lang="en-US" dirty="0"/>
+              <a:t>Project: </a:t>
+            </a:r>
+            <a:r>
+              <a:rPr lang="en-US" dirty="0">
+                <a:hlinkClick r:id="rId2"/>
+              </a:rPr>
+              <a:t>https://github.com/MarkFuller1/BNU</a:t>
+            </a:r>
+            <a:endParaRPr lang="en-US" dirty="0"/>
+          </a:p>
+        </p:txBody>
+      </p:sp>
+      <p:sp>
+        <p:nvSpPr>
+          <p:cNvPr id="7" name="Footer Placeholder 6">
+            <a:extLst>
+              <a:ext uri="{FF2B5EF4-FFF2-40B4-BE49-F238E27FC236}">
+                <a16:creationId xmlns:a16="http://schemas.microsoft.com/office/drawing/2014/main" id="{FE7D26A0-5C77-4942-95F4-ABB306A5B927}"/>
+              </a:ext>
+            </a:extLst>
+          </p:cNvPr>
+          <p:cNvSpPr>
+            <a:spLocks noGrp="1"/>
+          </p:cNvSpPr>
+          <p:nvPr>
+            <p:ph type="ftr" sz="quarter" idx="11"/>
+          </p:nvPr>
+        </p:nvSpPr>
+        <p:spPr/>
+        <p:txBody>
+          <a:bodyPr/>
+          <a:lstStyle/>
+          <a:p>
+            <a:r>
+              <a:rPr lang="en-US"/>
+              <a:t>Mark Fuller, Kevin Kulda, Connor Woodahl --- https://github.com/markfuller/BNU</a:t>
+            </a:r>
+          </a:p>
+        </p:txBody>
+      </p:sp>
+      <p:sp>
+        <p:nvSpPr>
+          <p:cNvPr id="8" name="Slide Number Placeholder 7">
+            <a:extLst>
+              <a:ext uri="{FF2B5EF4-FFF2-40B4-BE49-F238E27FC236}">
+                <a16:creationId xmlns:a16="http://schemas.microsoft.com/office/drawing/2014/main" id="{CD769E8D-F4BE-4606-9EB0-D622F4FE0C58}"/>
+              </a:ext>
+            </a:extLst>
+          </p:cNvPr>
+          <p:cNvSpPr>
+            <a:spLocks noGrp="1"/>
+          </p:cNvSpPr>
+          <p:nvPr>
+            <p:ph type="sldNum" sz="quarter" idx="12"/>
+          </p:nvPr>
+        </p:nvSpPr>
+        <p:spPr/>
+        <p:txBody>
+          <a:bodyPr/>
+          <a:lstStyle/>
+          <a:p>
+            <a:fld id="{40FC477F-3197-4E88-B387-83A53B82C48D}" type="slidenum">
+              <a:rPr lang="en-US" smtClean="0"/>
+              <a:t>1</a:t>
+            </a:fld>
+            <a:endParaRPr lang="en-US"/>
           </a:p>
         </p:txBody>
       </p:sp>
@@ -7329,6 +8047,63 @@
           </a:prstGeom>
         </p:spPr>
       </p:pic>
+      <p:sp>
+        <p:nvSpPr>
+          <p:cNvPr id="3" name="Footer Placeholder 2">
+            <a:extLst>
+              <a:ext uri="{FF2B5EF4-FFF2-40B4-BE49-F238E27FC236}">
+                <a16:creationId xmlns:a16="http://schemas.microsoft.com/office/drawing/2014/main" id="{97D66C31-5B24-49BB-B14F-EC0A4F51B08D}"/>
+              </a:ext>
+            </a:extLst>
+          </p:cNvPr>
+          <p:cNvSpPr>
+            <a:spLocks noGrp="1"/>
+          </p:cNvSpPr>
+          <p:nvPr>
+            <p:ph type="ftr" sz="quarter" idx="11"/>
+          </p:nvPr>
+        </p:nvSpPr>
+        <p:spPr/>
+        <p:txBody>
+          <a:bodyPr/>
+          <a:lstStyle/>
+          <a:p>
+            <a:r>
+              <a:rPr lang="en-US"/>
+              <a:t>Mark Fuller, Kevin Kulda, Connor Woodahl --- https://github.com/markfuller/BNU</a:t>
+            </a:r>
+          </a:p>
+        </p:txBody>
+      </p:sp>
+      <p:sp>
+        <p:nvSpPr>
+          <p:cNvPr id="4" name="Slide Number Placeholder 3">
+            <a:extLst>
+              <a:ext uri="{FF2B5EF4-FFF2-40B4-BE49-F238E27FC236}">
+                <a16:creationId xmlns:a16="http://schemas.microsoft.com/office/drawing/2014/main" id="{A949BB57-4FE8-4E6C-B7EE-A22347FA2547}"/>
+              </a:ext>
+            </a:extLst>
+          </p:cNvPr>
+          <p:cNvSpPr>
+            <a:spLocks noGrp="1"/>
+          </p:cNvSpPr>
+          <p:nvPr>
+            <p:ph type="sldNum" sz="quarter" idx="12"/>
+          </p:nvPr>
+        </p:nvSpPr>
+        <p:spPr/>
+        <p:txBody>
+          <a:bodyPr/>
+          <a:lstStyle/>
+          <a:p>
+            <a:fld id="{40FC477F-3197-4E88-B387-83A53B82C48D}" type="slidenum">
+              <a:rPr lang="en-US" smtClean="0"/>
+              <a:t>10</a:t>
+            </a:fld>
+            <a:endParaRPr lang="en-US"/>
+          </a:p>
+        </p:txBody>
+      </p:sp>
     </p:spTree>
     <p:extLst>
       <p:ext uri="{BB962C8B-B14F-4D97-AF65-F5344CB8AC3E}">
@@ -7801,6 +8576,63 @@
           </a:p>
         </p:txBody>
       </p:sp>
+      <p:sp>
+        <p:nvSpPr>
+          <p:cNvPr id="5" name="Footer Placeholder 4">
+            <a:extLst>
+              <a:ext uri="{FF2B5EF4-FFF2-40B4-BE49-F238E27FC236}">
+                <a16:creationId xmlns:a16="http://schemas.microsoft.com/office/drawing/2014/main" id="{8E9EBE5F-29F1-4562-86E2-4D5C5AD24E4B}"/>
+              </a:ext>
+            </a:extLst>
+          </p:cNvPr>
+          <p:cNvSpPr>
+            <a:spLocks noGrp="1"/>
+          </p:cNvSpPr>
+          <p:nvPr>
+            <p:ph type="ftr" sz="quarter" idx="11"/>
+          </p:nvPr>
+        </p:nvSpPr>
+        <p:spPr/>
+        <p:txBody>
+          <a:bodyPr/>
+          <a:lstStyle/>
+          <a:p>
+            <a:r>
+              <a:rPr lang="en-US"/>
+              <a:t>Mark Fuller, Kevin Kulda, Connor Woodahl --- https://github.com/markfuller/BNU</a:t>
+            </a:r>
+          </a:p>
+        </p:txBody>
+      </p:sp>
+      <p:sp>
+        <p:nvSpPr>
+          <p:cNvPr id="6" name="Slide Number Placeholder 5">
+            <a:extLst>
+              <a:ext uri="{FF2B5EF4-FFF2-40B4-BE49-F238E27FC236}">
+                <a16:creationId xmlns:a16="http://schemas.microsoft.com/office/drawing/2014/main" id="{66499D2D-6A89-4D17-9A88-3A5A85070A43}"/>
+              </a:ext>
+            </a:extLst>
+          </p:cNvPr>
+          <p:cNvSpPr>
+            <a:spLocks noGrp="1"/>
+          </p:cNvSpPr>
+          <p:nvPr>
+            <p:ph type="sldNum" sz="quarter" idx="12"/>
+          </p:nvPr>
+        </p:nvSpPr>
+        <p:spPr/>
+        <p:txBody>
+          <a:bodyPr/>
+          <a:lstStyle/>
+          <a:p>
+            <a:fld id="{40FC477F-3197-4E88-B387-83A53B82C48D}" type="slidenum">
+              <a:rPr lang="en-US" smtClean="0"/>
+              <a:t>11</a:t>
+            </a:fld>
+            <a:endParaRPr lang="en-US"/>
+          </a:p>
+        </p:txBody>
+      </p:sp>
     </p:spTree>
     <p:extLst>
       <p:ext uri="{BB962C8B-B14F-4D97-AF65-F5344CB8AC3E}">
@@ -7836,7 +8668,7 @@
           <p:cNvPr id="2" name="Title 1">
             <a:extLst>
               <a:ext uri="{FF2B5EF4-FFF2-40B4-BE49-F238E27FC236}">
-                <a16:creationId xmlns:a16="http://schemas.microsoft.com/office/drawing/2014/main" id="{AAE86C0E-A634-408D-BC14-34D305CC0D8A}"/>
+                <a16:creationId xmlns:a16="http://schemas.microsoft.com/office/drawing/2014/main" id="{DC864003-A107-49F1-A1E3-B46819C4804D}"/>
               </a:ext>
             </a:extLst>
           </p:cNvPr>
@@ -7854,17 +8686,142 @@
           <a:p>
             <a:r>
               <a:rPr lang="en-US" dirty="0"/>
-              <a:t>Use Case Diagram</a:t>
+              <a:t>Actors</a:t>
+            </a:r>
+          </a:p>
+        </p:txBody>
+      </p:sp>
+      <p:sp>
+        <p:nvSpPr>
+          <p:cNvPr id="3" name="Content Placeholder 2">
+            <a:extLst>
+              <a:ext uri="{FF2B5EF4-FFF2-40B4-BE49-F238E27FC236}">
+                <a16:creationId xmlns:a16="http://schemas.microsoft.com/office/drawing/2014/main" id="{F040E405-B3A0-421B-8E5A-313E9ABBE35B}"/>
+              </a:ext>
+            </a:extLst>
+          </p:cNvPr>
+          <p:cNvSpPr>
+            <a:spLocks noGrp="1"/>
+          </p:cNvSpPr>
+          <p:nvPr>
+            <p:ph idx="1"/>
+          </p:nvPr>
+        </p:nvSpPr>
+        <p:spPr/>
+        <p:txBody>
+          <a:bodyPr/>
+          <a:lstStyle/>
+          <a:p>
+            <a:pPr marL="0" indent="0" algn="ctr">
+              <a:buNone/>
+            </a:pPr>
+            <a:r>
+              <a:rPr lang="en-US" dirty="0"/>
+              <a:t>    User                                           Admin                                            System</a:t>
             </a:r>
           </a:p>
         </p:txBody>
       </p:sp>
       <p:pic>
         <p:nvPicPr>
-          <p:cNvPr id="6" name="Picture 5" descr="A close up of a map&#10;&#10;Description automatically generated">
+          <p:cNvPr id="1026" name="Picture 2" descr="Image result for admin">
             <a:extLst>
               <a:ext uri="{FF2B5EF4-FFF2-40B4-BE49-F238E27FC236}">
-                <a16:creationId xmlns:a16="http://schemas.microsoft.com/office/drawing/2014/main" id="{F2E46C92-ECB5-445C-A3A3-0877C497480A}"/>
+                <a16:creationId xmlns:a16="http://schemas.microsoft.com/office/drawing/2014/main" id="{529342E6-0FD3-4216-9197-5E8B544FE99C}"/>
+              </a:ext>
+            </a:extLst>
+          </p:cNvPr>
+          <p:cNvPicPr>
+            <a:picLocks noChangeAspect="1" noChangeArrowheads="1"/>
+          </p:cNvPicPr>
+          <p:nvPr/>
+        </p:nvPicPr>
+        <p:blipFill>
+          <a:blip r:embed="rId2">
+            <a:extLst>
+              <a:ext uri="{28A0092B-C50C-407E-A947-70E740481C1C}">
+                <a14:useLocalDpi xmlns:a14="http://schemas.microsoft.com/office/drawing/2010/main" val="0"/>
+              </a:ext>
+            </a:extLst>
+          </a:blip>
+          <a:srcRect/>
+          <a:stretch>
+            <a:fillRect/>
+          </a:stretch>
+        </p:blipFill>
+        <p:spPr bwMode="auto">
+          <a:xfrm>
+            <a:off x="5054693" y="3287924"/>
+            <a:ext cx="2701925" cy="2701925"/>
+          </a:xfrm>
+          <a:prstGeom prst="rect">
+            <a:avLst/>
+          </a:prstGeom>
+          <a:noFill/>
+          <a:extLst>
+            <a:ext uri="{909E8E84-426E-40DD-AFC4-6F175D3DCCD1}">
+              <a14:hiddenFill xmlns:a14="http://schemas.microsoft.com/office/drawing/2010/main">
+                <a:solidFill>
+                  <a:srgbClr val="FFFFFF"/>
+                </a:solidFill>
+              </a14:hiddenFill>
+            </a:ext>
+          </a:extLst>
+        </p:spPr>
+      </p:pic>
+      <p:pic>
+        <p:nvPicPr>
+          <p:cNvPr id="1028" name="Picture 4" descr="Image result for admin">
+            <a:extLst>
+              <a:ext uri="{FF2B5EF4-FFF2-40B4-BE49-F238E27FC236}">
+                <a16:creationId xmlns:a16="http://schemas.microsoft.com/office/drawing/2014/main" id="{641129A4-F93C-47B9-A9AB-EE898E0EC6B5}"/>
+              </a:ext>
+            </a:extLst>
+          </p:cNvPr>
+          <p:cNvPicPr>
+            <a:picLocks noChangeAspect="1" noChangeArrowheads="1"/>
+          </p:cNvPicPr>
+          <p:nvPr/>
+        </p:nvPicPr>
+        <p:blipFill>
+          <a:blip r:embed="rId3">
+            <a:extLst>
+              <a:ext uri="{28A0092B-C50C-407E-A947-70E740481C1C}">
+                <a14:useLocalDpi xmlns:a14="http://schemas.microsoft.com/office/drawing/2010/main" val="0"/>
+              </a:ext>
+            </a:extLst>
+          </a:blip>
+          <a:srcRect/>
+          <a:stretch>
+            <a:fillRect/>
+          </a:stretch>
+        </p:blipFill>
+        <p:spPr bwMode="auto">
+          <a:xfrm>
+            <a:off x="1381311" y="3287924"/>
+            <a:ext cx="2701925" cy="2701925"/>
+          </a:xfrm>
+          <a:prstGeom prst="rect">
+            <a:avLst/>
+          </a:prstGeom>
+          <a:noFill/>
+          <a:extLst>
+            <a:ext uri="{909E8E84-426E-40DD-AFC4-6F175D3DCCD1}">
+              <a14:hiddenFill xmlns:a14="http://schemas.microsoft.com/office/drawing/2010/main">
+                <a:solidFill>
+                  <a:srgbClr val="FFFFFF"/>
+                </a:solidFill>
+              </a14:hiddenFill>
+            </a:ext>
+          </a:extLst>
+        </p:spPr>
+      </p:pic>
+      <p:pic>
+        <p:nvPicPr>
+          <p:cNvPr id="7" name="Picture 6">
+            <a:extLst>
+              <a:ext uri="{FF2B5EF4-FFF2-40B4-BE49-F238E27FC236}">
+                <a16:creationId xmlns:a16="http://schemas.microsoft.com/office/drawing/2014/main" id="{EEB5C03E-7AFA-4892-ABA1-DE9BD5B33B35}"/>
               </a:ext>
             </a:extLst>
           </p:cNvPr>
@@ -7874,7 +8831,7 @@
           <p:nvPr/>
         </p:nvPicPr>
         <p:blipFill>
-          <a:blip r:embed="rId2">
+          <a:blip r:embed="rId4">
             <a:extLst>
               <a:ext uri="{28A0092B-C50C-407E-A947-70E740481C1C}">
                 <a14:useLocalDpi xmlns:a14="http://schemas.microsoft.com/office/drawing/2010/main" val="0"/>
@@ -7887,18 +8844,75 @@
         </p:blipFill>
         <p:spPr>
           <a:xfrm>
-            <a:off x="2444644" y="1595117"/>
-            <a:ext cx="7302711" cy="4985287"/>
+            <a:off x="8728075" y="3287924"/>
+            <a:ext cx="2701925" cy="2627622"/>
           </a:xfrm>
           <a:prstGeom prst="rect">
             <a:avLst/>
           </a:prstGeom>
         </p:spPr>
       </p:pic>
+      <p:sp>
+        <p:nvSpPr>
+          <p:cNvPr id="4" name="Footer Placeholder 3">
+            <a:extLst>
+              <a:ext uri="{FF2B5EF4-FFF2-40B4-BE49-F238E27FC236}">
+                <a16:creationId xmlns:a16="http://schemas.microsoft.com/office/drawing/2014/main" id="{9C9930C6-4AFA-42FD-A84A-ECE4D88B53A7}"/>
+              </a:ext>
+            </a:extLst>
+          </p:cNvPr>
+          <p:cNvSpPr>
+            <a:spLocks noGrp="1"/>
+          </p:cNvSpPr>
+          <p:nvPr>
+            <p:ph type="ftr" sz="quarter" idx="11"/>
+          </p:nvPr>
+        </p:nvSpPr>
+        <p:spPr/>
+        <p:txBody>
+          <a:bodyPr/>
+          <a:lstStyle/>
+          <a:p>
+            <a:r>
+              <a:rPr lang="en-US"/>
+              <a:t>Mark Fuller, Kevin Kulda, Connor Woodahl --- https://github.com/markfuller/BNU</a:t>
+            </a:r>
+          </a:p>
+        </p:txBody>
+      </p:sp>
+      <p:sp>
+        <p:nvSpPr>
+          <p:cNvPr id="5" name="Slide Number Placeholder 4">
+            <a:extLst>
+              <a:ext uri="{FF2B5EF4-FFF2-40B4-BE49-F238E27FC236}">
+                <a16:creationId xmlns:a16="http://schemas.microsoft.com/office/drawing/2014/main" id="{D15587D6-EEAD-4CD7-ACFF-D735E4220985}"/>
+              </a:ext>
+            </a:extLst>
+          </p:cNvPr>
+          <p:cNvSpPr>
+            <a:spLocks noGrp="1"/>
+          </p:cNvSpPr>
+          <p:nvPr>
+            <p:ph type="sldNum" sz="quarter" idx="12"/>
+          </p:nvPr>
+        </p:nvSpPr>
+        <p:spPr/>
+        <p:txBody>
+          <a:bodyPr/>
+          <a:lstStyle/>
+          <a:p>
+            <a:fld id="{40FC477F-3197-4E88-B387-83A53B82C48D}" type="slidenum">
+              <a:rPr lang="en-US" smtClean="0"/>
+              <a:t>12</a:t>
+            </a:fld>
+            <a:endParaRPr lang="en-US"/>
+          </a:p>
+        </p:txBody>
+      </p:sp>
     </p:spTree>
     <p:extLst>
       <p:ext uri="{BB962C8B-B14F-4D97-AF65-F5344CB8AC3E}">
-        <p14:creationId xmlns:p14="http://schemas.microsoft.com/office/powerpoint/2010/main" val="3583174784"/>
+        <p14:creationId xmlns:p14="http://schemas.microsoft.com/office/powerpoint/2010/main" val="77585557"/>
       </p:ext>
     </p:extLst>
   </p:cSld>
@@ -7941,108 +8955,115 @@
             <p:ph type="title"/>
           </p:nvPr>
         </p:nvSpPr>
+        <p:spPr/>
+        <p:txBody>
+          <a:bodyPr/>
+          <a:lstStyle/>
+          <a:p>
+            <a:r>
+              <a:rPr lang="en-US" dirty="0"/>
+              <a:t>Use Case Diagram</a:t>
+            </a:r>
+          </a:p>
+        </p:txBody>
+      </p:sp>
+      <p:pic>
+        <p:nvPicPr>
+          <p:cNvPr id="6" name="Picture 5" descr="A close up of a map&#10;&#10;Description automatically generated">
+            <a:extLst>
+              <a:ext uri="{FF2B5EF4-FFF2-40B4-BE49-F238E27FC236}">
+                <a16:creationId xmlns:a16="http://schemas.microsoft.com/office/drawing/2014/main" id="{F2E46C92-ECB5-445C-A3A3-0877C497480A}"/>
+              </a:ext>
+            </a:extLst>
+          </p:cNvPr>
+          <p:cNvPicPr>
+            <a:picLocks noChangeAspect="1"/>
+          </p:cNvPicPr>
+          <p:nvPr/>
+        </p:nvPicPr>
+        <p:blipFill>
+          <a:blip r:embed="rId2">
+            <a:extLst>
+              <a:ext uri="{28A0092B-C50C-407E-A947-70E740481C1C}">
+                <a14:useLocalDpi xmlns:a14="http://schemas.microsoft.com/office/drawing/2010/main" val="0"/>
+              </a:ext>
+            </a:extLst>
+          </a:blip>
+          <a:stretch>
+            <a:fillRect/>
+          </a:stretch>
+        </p:blipFill>
         <p:spPr>
           <a:xfrm>
-            <a:off x="1251678" y="382385"/>
-            <a:ext cx="10178322" cy="1492132"/>
-          </a:xfrm>
-        </p:spPr>
-        <p:txBody>
-          <a:bodyPr/>
-          <a:lstStyle/>
-          <a:p>
-            <a:r>
-              <a:rPr lang="en-US" dirty="0"/>
-              <a:t>Git Hub page</a:t>
-            </a:r>
-          </a:p>
-        </p:txBody>
-      </p:sp>
-      <p:sp>
-        <p:nvSpPr>
-          <p:cNvPr id="3" name="TextBox 2">
-            <a:extLst>
-              <a:ext uri="{FF2B5EF4-FFF2-40B4-BE49-F238E27FC236}">
-                <a16:creationId xmlns:a16="http://schemas.microsoft.com/office/drawing/2014/main" id="{1F81B41F-F55D-43FD-9539-70B85D300693}"/>
-              </a:ext>
-            </a:extLst>
-          </p:cNvPr>
-          <p:cNvSpPr txBox="1"/>
-          <p:nvPr/>
-        </p:nvSpPr>
-        <p:spPr>
-          <a:xfrm>
-            <a:off x="3153139" y="3244334"/>
-            <a:ext cx="6375400" cy="369332"/>
+            <a:off x="2444644" y="1595117"/>
+            <a:ext cx="7302711" cy="4985287"/>
           </a:xfrm>
           <a:prstGeom prst="rect">
             <a:avLst/>
           </a:prstGeom>
-          <a:noFill/>
         </p:spPr>
-        <p:txBody>
-          <a:bodyPr wrap="square" rtlCol="0">
-            <a:spAutoFit/>
-          </a:bodyPr>
+      </p:pic>
+      <p:sp>
+        <p:nvSpPr>
+          <p:cNvPr id="3" name="Footer Placeholder 2">
+            <a:extLst>
+              <a:ext uri="{FF2B5EF4-FFF2-40B4-BE49-F238E27FC236}">
+                <a16:creationId xmlns:a16="http://schemas.microsoft.com/office/drawing/2014/main" id="{0B728EAC-15E0-4C61-BF94-2D52255844EA}"/>
+              </a:ext>
+            </a:extLst>
+          </p:cNvPr>
+          <p:cNvSpPr>
+            <a:spLocks noGrp="1"/>
+          </p:cNvSpPr>
+          <p:nvPr>
+            <p:ph type="ftr" sz="quarter" idx="11"/>
+          </p:nvPr>
+        </p:nvSpPr>
+        <p:spPr/>
+        <p:txBody>
+          <a:bodyPr/>
           <a:lstStyle/>
           <a:p>
             <a:r>
-              <a:rPr lang="en-US" dirty="0">
-                <a:hlinkClick r:id="rId2"/>
-              </a:rPr>
-              <a:t>https://github.com/MarkFuller1/BNU/</a:t>
-            </a:r>
-            <a:endParaRPr lang="en-US" dirty="0"/>
-          </a:p>
-        </p:txBody>
-      </p:sp>
-      <p:sp>
-        <p:nvSpPr>
-          <p:cNvPr id="4" name="TextBox 3">
+              <a:rPr lang="en-US"/>
+              <a:t>Mark Fuller, Kevin Kulda, Connor Woodahl --- https://github.com/markfuller/BNU</a:t>
+            </a:r>
+          </a:p>
+        </p:txBody>
+      </p:sp>
+      <p:sp>
+        <p:nvSpPr>
+          <p:cNvPr id="4" name="Slide Number Placeholder 3">
             <a:extLst>
               <a:ext uri="{FF2B5EF4-FFF2-40B4-BE49-F238E27FC236}">
-                <a16:creationId xmlns:a16="http://schemas.microsoft.com/office/drawing/2014/main" id="{F960391E-A0E3-4D04-9B0C-A9D5F1340C6D}"/>
+                <a16:creationId xmlns:a16="http://schemas.microsoft.com/office/drawing/2014/main" id="{C8911D62-3B8F-42AF-901F-8880C31FC2A6}"/>
               </a:ext>
             </a:extLst>
           </p:cNvPr>
-          <p:cNvSpPr txBox="1"/>
-          <p:nvPr/>
-        </p:nvSpPr>
-        <p:spPr>
-          <a:xfrm>
-            <a:off x="2005262" y="1874517"/>
-            <a:ext cx="6705601" cy="646331"/>
-          </a:xfrm>
-          <a:prstGeom prst="rect">
-            <a:avLst/>
-          </a:prstGeom>
-          <a:noFill/>
-        </p:spPr>
-        <p:txBody>
-          <a:bodyPr wrap="square" rtlCol="0">
-            <a:spAutoFit/>
-          </a:bodyPr>
+          <p:cNvSpPr>
+            <a:spLocks noGrp="1"/>
+          </p:cNvSpPr>
+          <p:nvPr>
+            <p:ph type="sldNum" sz="quarter" idx="12"/>
+          </p:nvPr>
+        </p:nvSpPr>
+        <p:spPr/>
+        <p:txBody>
+          <a:bodyPr/>
           <a:lstStyle/>
           <a:p>
-            <a:r>
-              <a:rPr lang="en-US" dirty="0"/>
-              <a:t>Please see our </a:t>
-            </a:r>
-            <a:r>
-              <a:rPr lang="en-US" dirty="0" err="1"/>
-              <a:t>Github</a:t>
-            </a:r>
-            <a:r>
-              <a:rPr lang="en-US" dirty="0"/>
-              <a:t> page for the current versions of our development materials and the full repository of our project artifacts.</a:t>
-            </a:r>
+            <a:fld id="{40FC477F-3197-4E88-B387-83A53B82C48D}" type="slidenum">
+              <a:rPr lang="en-US" smtClean="0"/>
+              <a:t>13</a:t>
+            </a:fld>
+            <a:endParaRPr lang="en-US"/>
           </a:p>
         </p:txBody>
       </p:sp>
     </p:spTree>
     <p:extLst>
       <p:ext uri="{BB962C8B-B14F-4D97-AF65-F5344CB8AC3E}">
-        <p14:creationId xmlns:p14="http://schemas.microsoft.com/office/powerpoint/2010/main" val="2392272886"/>
+        <p14:creationId xmlns:p14="http://schemas.microsoft.com/office/powerpoint/2010/main" val="3583174784"/>
       </p:ext>
     </p:extLst>
   </p:cSld>
@@ -8071,13 +9092,7 @@
       </p:grpSpPr>
       <p:sp>
         <p:nvSpPr>
-          <p:cNvPr id="2" name="Title 1">
-            <a:extLst>
-              <a:ext uri="{FF2B5EF4-FFF2-40B4-BE49-F238E27FC236}">
-                <a16:creationId xmlns:a16="http://schemas.microsoft.com/office/drawing/2014/main" id="{AAE86C0E-A634-408D-BC14-34D305CC0D8A}"/>
-              </a:ext>
-            </a:extLst>
-          </p:cNvPr>
+          <p:cNvPr id="2" name="Title 1"/>
           <p:cNvSpPr>
             <a:spLocks noGrp="1"/>
           </p:cNvSpPr>
@@ -8092,51 +9107,148 @@
           <a:p>
             <a:r>
               <a:rPr lang="en-US" dirty="0"/>
-              <a:t>Traceability Matrix</a:t>
-            </a:r>
-          </a:p>
-        </p:txBody>
-      </p:sp>
-      <p:pic>
-        <p:nvPicPr>
-          <p:cNvPr id="4" name="Picture 3" descr="A screenshot of a cell phone&#10;&#10;Description automatically generated">
+              <a:t>Use Case Division</a:t>
+            </a:r>
+          </a:p>
+        </p:txBody>
+      </p:sp>
+      <p:sp>
+        <p:nvSpPr>
+          <p:cNvPr id="3" name="Content Placeholder 2"/>
+          <p:cNvSpPr>
+            <a:spLocks noGrp="1"/>
+          </p:cNvSpPr>
+          <p:nvPr>
+            <p:ph idx="1"/>
+          </p:nvPr>
+        </p:nvSpPr>
+        <p:spPr/>
+        <p:txBody>
+          <a:bodyPr/>
+          <a:lstStyle/>
+          <a:p>
+            <a:pPr>
+              <a:lnSpc>
+                <a:spcPct val="200000"/>
+              </a:lnSpc>
+            </a:pPr>
+            <a:r>
+              <a:rPr lang="en-US" dirty="0"/>
+              <a:t>Use Cases handled by Kevin</a:t>
+            </a:r>
+            <a:r>
+              <a:rPr lang="mr-IN" dirty="0"/>
+              <a:t>–</a:t>
+            </a:r>
+            <a:r>
+              <a:rPr lang="en-US" dirty="0"/>
+              <a:t> Make Account, Respond to a Message, Flag Comment</a:t>
+            </a:r>
+          </a:p>
+          <a:p>
+            <a:pPr>
+              <a:lnSpc>
+                <a:spcPct val="200000"/>
+              </a:lnSpc>
+            </a:pPr>
+            <a:r>
+              <a:rPr lang="en-US" dirty="0"/>
+              <a:t>Use Cases handled by Mark </a:t>
+            </a:r>
+            <a:r>
+              <a:rPr lang="mr-IN" dirty="0"/>
+              <a:t>–</a:t>
+            </a:r>
+            <a:r>
+              <a:rPr lang="en-US" dirty="0"/>
+              <a:t> Leave Review, Rate Review, Read Review</a:t>
+            </a:r>
+          </a:p>
+          <a:p>
+            <a:pPr>
+              <a:lnSpc>
+                <a:spcPct val="200000"/>
+              </a:lnSpc>
+            </a:pPr>
+            <a:r>
+              <a:rPr lang="en-US" dirty="0"/>
+              <a:t>Use Cases handled by Connor </a:t>
+            </a:r>
+            <a:r>
+              <a:rPr lang="mr-IN" dirty="0"/>
+              <a:t>–</a:t>
+            </a:r>
+            <a:r>
+              <a:rPr lang="en-US" dirty="0"/>
+              <a:t> Contact Student, Edit Review, Delete Account, Log Out </a:t>
+            </a:r>
+          </a:p>
+          <a:p>
+            <a:endParaRPr lang="en-US" dirty="0"/>
+          </a:p>
+        </p:txBody>
+      </p:sp>
+      <p:sp>
+        <p:nvSpPr>
+          <p:cNvPr id="4" name="Footer Placeholder 3">
             <a:extLst>
               <a:ext uri="{FF2B5EF4-FFF2-40B4-BE49-F238E27FC236}">
-                <a16:creationId xmlns:a16="http://schemas.microsoft.com/office/drawing/2014/main" id="{1B54931D-3FDA-4C2D-8D30-E3DEC9876B1F}"/>
+                <a16:creationId xmlns:a16="http://schemas.microsoft.com/office/drawing/2014/main" id="{8FBE4404-5EB8-4F80-A97C-7F92123622C2}"/>
               </a:ext>
             </a:extLst>
           </p:cNvPr>
-          <p:cNvPicPr>
-            <a:picLocks noChangeAspect="1"/>
-          </p:cNvPicPr>
-          <p:nvPr/>
-        </p:nvPicPr>
-        <p:blipFill>
-          <a:blip r:embed="rId2">
-            <a:extLst>
-              <a:ext uri="{28A0092B-C50C-407E-A947-70E740481C1C}">
-                <a14:useLocalDpi xmlns:a14="http://schemas.microsoft.com/office/drawing/2010/main" val="0"/>
-              </a:ext>
-            </a:extLst>
-          </a:blip>
-          <a:stretch>
-            <a:fillRect/>
-          </a:stretch>
-        </p:blipFill>
-        <p:spPr>
-          <a:xfrm>
-            <a:off x="3073244" y="1420755"/>
-            <a:ext cx="6045511" cy="5054860"/>
-          </a:xfrm>
-          <a:prstGeom prst="rect">
-            <a:avLst/>
-          </a:prstGeom>
-        </p:spPr>
-      </p:pic>
+          <p:cNvSpPr>
+            <a:spLocks noGrp="1"/>
+          </p:cNvSpPr>
+          <p:nvPr>
+            <p:ph type="ftr" sz="quarter" idx="11"/>
+          </p:nvPr>
+        </p:nvSpPr>
+        <p:spPr/>
+        <p:txBody>
+          <a:bodyPr/>
+          <a:lstStyle/>
+          <a:p>
+            <a:r>
+              <a:rPr lang="en-US"/>
+              <a:t>Mark Fuller, Kevin Kulda, Connor Woodahl --- https://github.com/markfuller/BNU</a:t>
+            </a:r>
+          </a:p>
+        </p:txBody>
+      </p:sp>
+      <p:sp>
+        <p:nvSpPr>
+          <p:cNvPr id="5" name="Slide Number Placeholder 4">
+            <a:extLst>
+              <a:ext uri="{FF2B5EF4-FFF2-40B4-BE49-F238E27FC236}">
+                <a16:creationId xmlns:a16="http://schemas.microsoft.com/office/drawing/2014/main" id="{1567C316-4930-432E-A767-546F1E07655E}"/>
+              </a:ext>
+            </a:extLst>
+          </p:cNvPr>
+          <p:cNvSpPr>
+            <a:spLocks noGrp="1"/>
+          </p:cNvSpPr>
+          <p:nvPr>
+            <p:ph type="sldNum" sz="quarter" idx="12"/>
+          </p:nvPr>
+        </p:nvSpPr>
+        <p:spPr/>
+        <p:txBody>
+          <a:bodyPr/>
+          <a:lstStyle/>
+          <a:p>
+            <a:fld id="{40FC477F-3197-4E88-B387-83A53B82C48D}" type="slidenum">
+              <a:rPr lang="en-US" smtClean="0"/>
+              <a:t>14</a:t>
+            </a:fld>
+            <a:endParaRPr lang="en-US"/>
+          </a:p>
+        </p:txBody>
+      </p:sp>
     </p:spTree>
     <p:extLst>
       <p:ext uri="{BB962C8B-B14F-4D97-AF65-F5344CB8AC3E}">
-        <p14:creationId xmlns:p14="http://schemas.microsoft.com/office/powerpoint/2010/main" val="3545696103"/>
+        <p14:creationId xmlns:p14="http://schemas.microsoft.com/office/powerpoint/2010/main" val="1680896951"/>
       </p:ext>
     </p:extLst>
   </p:cSld>
@@ -8168,7 +9280,7 @@
           <p:cNvPr id="2" name="Title 1">
             <a:extLst>
               <a:ext uri="{FF2B5EF4-FFF2-40B4-BE49-F238E27FC236}">
-                <a16:creationId xmlns:a16="http://schemas.microsoft.com/office/drawing/2014/main" id="{AAE86C0E-A634-408D-BC14-34D305CC0D8A}"/>
+                <a16:creationId xmlns:a16="http://schemas.microsoft.com/office/drawing/2014/main" id="{5323A336-6660-4341-BB47-0D713E4C2011}"/>
               </a:ext>
             </a:extLst>
           </p:cNvPr>
@@ -8186,51 +9298,344 @@
           <a:p>
             <a:r>
               <a:rPr lang="en-US" dirty="0"/>
-              <a:t>SSD</a:t>
-            </a:r>
-          </a:p>
-        </p:txBody>
-      </p:sp>
-      <p:pic>
-        <p:nvPicPr>
-          <p:cNvPr id="25" name="Picture 24" descr="A screenshot of a social media post&#10;&#10;Description automatically generated">
+              <a:t>Make an account</a:t>
+            </a:r>
+          </a:p>
+        </p:txBody>
+      </p:sp>
+      <p:sp>
+        <p:nvSpPr>
+          <p:cNvPr id="3" name="Content Placeholder 2">
             <a:extLst>
               <a:ext uri="{FF2B5EF4-FFF2-40B4-BE49-F238E27FC236}">
-                <a16:creationId xmlns:a16="http://schemas.microsoft.com/office/drawing/2014/main" id="{A336ECE5-FB4C-49C5-8B89-1EBA2A47D4F0}"/>
+                <a16:creationId xmlns:a16="http://schemas.microsoft.com/office/drawing/2014/main" id="{C8309BAB-B4D9-4274-BAFF-C418BD84D7E7}"/>
               </a:ext>
             </a:extLst>
           </p:cNvPr>
-          <p:cNvPicPr>
-            <a:picLocks noChangeAspect="1"/>
-          </p:cNvPicPr>
-          <p:nvPr/>
-        </p:nvPicPr>
-        <p:blipFill>
-          <a:blip r:embed="rId2">
-            <a:extLst>
-              <a:ext uri="{28A0092B-C50C-407E-A947-70E740481C1C}">
-                <a14:useLocalDpi xmlns:a14="http://schemas.microsoft.com/office/drawing/2010/main" val="0"/>
-              </a:ext>
-            </a:extLst>
-          </a:blip>
-          <a:stretch>
-            <a:fillRect/>
-          </a:stretch>
-        </p:blipFill>
+          <p:cNvSpPr>
+            <a:spLocks noGrp="1"/>
+          </p:cNvSpPr>
+          <p:nvPr>
+            <p:ph idx="1"/>
+          </p:nvPr>
+        </p:nvSpPr>
         <p:spPr>
           <a:xfrm>
-            <a:off x="1702855" y="1406394"/>
-            <a:ext cx="8786289" cy="5451606"/>
+            <a:off x="1251678" y="1395662"/>
+            <a:ext cx="10178322" cy="5462337"/>
           </a:xfrm>
-          <a:prstGeom prst="rect">
-            <a:avLst/>
-          </a:prstGeom>
         </p:spPr>
-      </p:pic>
+        <p:txBody>
+          <a:bodyPr>
+            <a:normAutofit fontScale="40000" lnSpcReduction="20000"/>
+          </a:bodyPr>
+          <a:lstStyle/>
+          <a:p>
+            <a:pPr marL="0" indent="0">
+              <a:buNone/>
+            </a:pPr>
+            <a:r>
+              <a:rPr lang="en-US" dirty="0"/>
+              <a:t>Make an Account</a:t>
+            </a:r>
+          </a:p>
+          <a:p>
+            <a:pPr marL="0" indent="0">
+              <a:buNone/>
+            </a:pPr>
+            <a:r>
+              <a:rPr lang="en-US" dirty="0"/>
+              <a:t>Scope: GCC Application</a:t>
+            </a:r>
+          </a:p>
+          <a:p>
+            <a:pPr marL="0" indent="0">
+              <a:buNone/>
+            </a:pPr>
+            <a:r>
+              <a:rPr lang="en-US" dirty="0"/>
+              <a:t>Level: User Goal</a:t>
+            </a:r>
+          </a:p>
+          <a:p>
+            <a:pPr marL="0" indent="0">
+              <a:buNone/>
+            </a:pPr>
+            <a:r>
+              <a:rPr lang="en-US" dirty="0"/>
+              <a:t>Primary Actor: Student</a:t>
+            </a:r>
+          </a:p>
+          <a:p>
+            <a:pPr marL="0" indent="0">
+              <a:buNone/>
+            </a:pPr>
+            <a:r>
+              <a:rPr lang="en-US" dirty="0"/>
+              <a:t>Stakeholders and Interests:</a:t>
+            </a:r>
+          </a:p>
+          <a:p>
+            <a:pPr marL="0" indent="0">
+              <a:buNone/>
+            </a:pPr>
+            <a:r>
+              <a:rPr lang="en-US" dirty="0"/>
+              <a:t>    Student User: Wants username and password stored and hashed for security.</a:t>
+            </a:r>
+          </a:p>
+          <a:p>
+            <a:pPr marL="0" indent="0">
+              <a:buNone/>
+            </a:pPr>
+            <a:r>
+              <a:rPr lang="en-US" dirty="0"/>
+              <a:t>Preconditions: Student has loaded the site</a:t>
+            </a:r>
+          </a:p>
+          <a:p>
+            <a:pPr marL="0" indent="0">
+              <a:buNone/>
+            </a:pPr>
+            <a:r>
+              <a:rPr lang="en-US" dirty="0"/>
+              <a:t>Success Guarantee: Students data is hashed and saved into database. Immediate access to the application is granted.</a:t>
+            </a:r>
+          </a:p>
+          <a:p>
+            <a:pPr marL="0" indent="0">
+              <a:buNone/>
+            </a:pPr>
+            <a:r>
+              <a:rPr lang="en-US" dirty="0"/>
+              <a:t>Main Success Scenario:</a:t>
+            </a:r>
+          </a:p>
+          <a:p>
+            <a:pPr marL="0" indent="0">
+              <a:buNone/>
+            </a:pPr>
+            <a:r>
+              <a:rPr lang="en-US" dirty="0"/>
+              <a:t>    Student loads application.</a:t>
+            </a:r>
+          </a:p>
+          <a:p>
+            <a:pPr marL="0" indent="0">
+              <a:buNone/>
+            </a:pPr>
+            <a:r>
+              <a:rPr lang="en-US" dirty="0"/>
+              <a:t>    Student requests a new account.</a:t>
+            </a:r>
+          </a:p>
+          <a:p>
+            <a:pPr marL="0" indent="0">
+              <a:buNone/>
+            </a:pPr>
+            <a:r>
+              <a:rPr lang="en-US" dirty="0"/>
+              <a:t>    Student enters Username, Password and, email, etc.</a:t>
+            </a:r>
+          </a:p>
+          <a:p>
+            <a:pPr marL="0" indent="0">
+              <a:buNone/>
+            </a:pPr>
+            <a:r>
+              <a:rPr lang="en-US" dirty="0"/>
+              <a:t>    System updates valid students list with new student.</a:t>
+            </a:r>
+          </a:p>
+          <a:p>
+            <a:pPr marL="0" indent="0">
+              <a:buNone/>
+            </a:pPr>
+            <a:r>
+              <a:rPr lang="en-US" dirty="0"/>
+              <a:t>    Student Logs in.</a:t>
+            </a:r>
+          </a:p>
+          <a:p>
+            <a:pPr marL="0" indent="0">
+              <a:buNone/>
+            </a:pPr>
+            <a:r>
+              <a:rPr lang="en-US" dirty="0"/>
+              <a:t>Alternative Flows:</a:t>
+            </a:r>
+          </a:p>
+          <a:p>
+            <a:pPr marL="0" indent="0">
+              <a:buNone/>
+            </a:pPr>
+            <a:r>
+              <a:rPr lang="en-US" dirty="0"/>
+              <a:t>a. At any time the student closes the application.</a:t>
+            </a:r>
+          </a:p>
+          <a:p>
+            <a:pPr marL="0" indent="0">
+              <a:buNone/>
+            </a:pPr>
+            <a:r>
+              <a:rPr lang="en-US" dirty="0"/>
+              <a:t>    1. Interaction ends.</a:t>
+            </a:r>
+          </a:p>
+          <a:p>
+            <a:pPr marL="0" indent="0">
+              <a:buNone/>
+            </a:pPr>
+            <a:r>
+              <a:rPr lang="en-US" dirty="0"/>
+              <a:t>b. At any time system fails.</a:t>
+            </a:r>
+          </a:p>
+          <a:p>
+            <a:pPr marL="0" indent="0">
+              <a:buNone/>
+            </a:pPr>
+            <a:r>
+              <a:rPr lang="en-US" dirty="0"/>
+              <a:t>    1. Student will restart application.</a:t>
+            </a:r>
+          </a:p>
+          <a:p>
+            <a:pPr marL="0" indent="0">
+              <a:buNone/>
+            </a:pPr>
+            <a:r>
+              <a:rPr lang="en-US" dirty="0"/>
+              <a:t>c. While student is on register page, they would like to login with valid credentials(the realized they had an account already)</a:t>
+            </a:r>
+          </a:p>
+          <a:p>
+            <a:pPr marL="0" indent="0">
+              <a:buNone/>
+            </a:pPr>
+            <a:r>
+              <a:rPr lang="en-US" dirty="0"/>
+              <a:t>    1. Student clicks `return to login` and logs in with valid username and password.</a:t>
+            </a:r>
+          </a:p>
+          <a:p>
+            <a:pPr marL="0" indent="0">
+              <a:buNone/>
+            </a:pPr>
+            <a:r>
+              <a:rPr lang="en-US" dirty="0"/>
+              <a:t>d. Username and password from account creation do not work.</a:t>
+            </a:r>
+          </a:p>
+          <a:p>
+            <a:pPr marL="0" indent="0">
+              <a:buNone/>
+            </a:pPr>
+            <a:r>
+              <a:rPr lang="en-US" dirty="0"/>
+              <a:t>    1. Prompt student to reset password with security question.</a:t>
+            </a:r>
+          </a:p>
+          <a:p>
+            <a:pPr marL="0" indent="0">
+              <a:buNone/>
+            </a:pPr>
+            <a:r>
+              <a:rPr lang="en-US" dirty="0"/>
+              <a:t>        1.1. Student answers security question correctly</a:t>
+            </a:r>
+          </a:p>
+          <a:p>
+            <a:pPr marL="0" indent="0">
+              <a:buNone/>
+            </a:pPr>
+            <a:r>
+              <a:rPr lang="en-US" dirty="0"/>
+              <a:t>            1.1.1. Student resets password.</a:t>
+            </a:r>
+          </a:p>
+          <a:p>
+            <a:pPr marL="0" indent="0">
+              <a:buNone/>
+            </a:pPr>
+            <a:r>
+              <a:rPr lang="en-US" dirty="0"/>
+              <a:t>        1.2. Student does not answer security question correctly</a:t>
+            </a:r>
+          </a:p>
+          <a:p>
+            <a:pPr marL="0" indent="0">
+              <a:buNone/>
+            </a:pPr>
+            <a:r>
+              <a:rPr lang="en-US" dirty="0"/>
+              <a:t>            1.2.1 Student is returned to login page.</a:t>
+            </a:r>
+          </a:p>
+        </p:txBody>
+      </p:sp>
+      <p:sp>
+        <p:nvSpPr>
+          <p:cNvPr id="4" name="Footer Placeholder 3">
+            <a:extLst>
+              <a:ext uri="{FF2B5EF4-FFF2-40B4-BE49-F238E27FC236}">
+                <a16:creationId xmlns:a16="http://schemas.microsoft.com/office/drawing/2014/main" id="{4239879F-FE65-4FFB-A04A-F82077C7F094}"/>
+              </a:ext>
+            </a:extLst>
+          </p:cNvPr>
+          <p:cNvSpPr>
+            <a:spLocks noGrp="1"/>
+          </p:cNvSpPr>
+          <p:nvPr>
+            <p:ph type="ftr" sz="quarter" idx="11"/>
+          </p:nvPr>
+        </p:nvSpPr>
+        <p:spPr/>
+        <p:txBody>
+          <a:bodyPr/>
+          <a:lstStyle/>
+          <a:p>
+            <a:r>
+              <a:rPr lang="en-US"/>
+              <a:t>Mark Fuller, Kevin Kulda, Connor Woodahl --- https://github.com/markfuller/BNU</a:t>
+            </a:r>
+          </a:p>
+        </p:txBody>
+      </p:sp>
+      <p:sp>
+        <p:nvSpPr>
+          <p:cNvPr id="5" name="Slide Number Placeholder 4">
+            <a:extLst>
+              <a:ext uri="{FF2B5EF4-FFF2-40B4-BE49-F238E27FC236}">
+                <a16:creationId xmlns:a16="http://schemas.microsoft.com/office/drawing/2014/main" id="{A46F691E-AFD5-450E-A877-668312D3189B}"/>
+              </a:ext>
+            </a:extLst>
+          </p:cNvPr>
+          <p:cNvSpPr>
+            <a:spLocks noGrp="1"/>
+          </p:cNvSpPr>
+          <p:nvPr>
+            <p:ph type="sldNum" sz="quarter" idx="12"/>
+          </p:nvPr>
+        </p:nvSpPr>
+        <p:spPr/>
+        <p:txBody>
+          <a:bodyPr/>
+          <a:lstStyle/>
+          <a:p>
+            <a:fld id="{40FC477F-3197-4E88-B387-83A53B82C48D}" type="slidenum">
+              <a:rPr lang="en-US" smtClean="0"/>
+              <a:t>15</a:t>
+            </a:fld>
+            <a:endParaRPr lang="en-US"/>
+          </a:p>
+        </p:txBody>
+      </p:sp>
     </p:spTree>
     <p:extLst>
       <p:ext uri="{BB962C8B-B14F-4D97-AF65-F5344CB8AC3E}">
-        <p14:creationId xmlns:p14="http://schemas.microsoft.com/office/powerpoint/2010/main" val="2766911651"/>
+        <p14:creationId xmlns:p14="http://schemas.microsoft.com/office/powerpoint/2010/main" val="2902500379"/>
       </p:ext>
     </p:extLst>
   </p:cSld>
@@ -8241,1920 +9646,6 @@
 </file>
 
 <file path=ppt/slides/slide16.xml><?xml version="1.0" encoding="utf-8"?>
-<p:sld xmlns:a="http://schemas.openxmlformats.org/drawingml/2006/main" xmlns:r="http://schemas.openxmlformats.org/officeDocument/2006/relationships" xmlns:p="http://schemas.openxmlformats.org/presentationml/2006/main">
-  <p:cSld>
-    <p:spTree>
-      <p:nvGrpSpPr>
-        <p:cNvPr id="1" name=""/>
-        <p:cNvGrpSpPr/>
-        <p:nvPr/>
-      </p:nvGrpSpPr>
-      <p:grpSpPr>
-        <a:xfrm>
-          <a:off x="0" y="0"/>
-          <a:ext cx="0" cy="0"/>
-          <a:chOff x="0" y="0"/>
-          <a:chExt cx="0" cy="0"/>
-        </a:xfrm>
-      </p:grpSpPr>
-      <p:sp>
-        <p:nvSpPr>
-          <p:cNvPr id="2" name="Title 1">
-            <a:extLst>
-              <a:ext uri="{FF2B5EF4-FFF2-40B4-BE49-F238E27FC236}">
-                <a16:creationId xmlns:a16="http://schemas.microsoft.com/office/drawing/2014/main" id="{AAE86C0E-A634-408D-BC14-34D305CC0D8A}"/>
-              </a:ext>
-            </a:extLst>
-          </p:cNvPr>
-          <p:cNvSpPr>
-            <a:spLocks noGrp="1"/>
-          </p:cNvSpPr>
-          <p:nvPr>
-            <p:ph type="title"/>
-          </p:nvPr>
-        </p:nvSpPr>
-        <p:spPr/>
-        <p:txBody>
-          <a:bodyPr/>
-          <a:lstStyle/>
-          <a:p>
-            <a:r>
-              <a:rPr lang="en-US" dirty="0"/>
-              <a:t>SSD</a:t>
-            </a:r>
-          </a:p>
-        </p:txBody>
-      </p:sp>
-      <p:pic>
-        <p:nvPicPr>
-          <p:cNvPr id="4" name="Picture 3" descr="A screenshot of a cell phone&#10;&#10;Description automatically generated">
-            <a:extLst>
-              <a:ext uri="{FF2B5EF4-FFF2-40B4-BE49-F238E27FC236}">
-                <a16:creationId xmlns:a16="http://schemas.microsoft.com/office/drawing/2014/main" id="{4F52FE55-2235-477E-9FB7-037540EE21D6}"/>
-              </a:ext>
-            </a:extLst>
-          </p:cNvPr>
-          <p:cNvPicPr>
-            <a:picLocks noChangeAspect="1"/>
-          </p:cNvPicPr>
-          <p:nvPr/>
-        </p:nvPicPr>
-        <p:blipFill>
-          <a:blip r:embed="rId2">
-            <a:extLst>
-              <a:ext uri="{28A0092B-C50C-407E-A947-70E740481C1C}">
-                <a14:useLocalDpi xmlns:a14="http://schemas.microsoft.com/office/drawing/2010/main" val="0"/>
-              </a:ext>
-            </a:extLst>
-          </a:blip>
-          <a:stretch>
-            <a:fillRect/>
-          </a:stretch>
-        </p:blipFill>
-        <p:spPr>
-          <a:xfrm>
-            <a:off x="1795806" y="1211587"/>
-            <a:ext cx="9090065" cy="5646413"/>
-          </a:xfrm>
-          <a:prstGeom prst="rect">
-            <a:avLst/>
-          </a:prstGeom>
-        </p:spPr>
-      </p:pic>
-    </p:spTree>
-    <p:extLst>
-      <p:ext uri="{BB962C8B-B14F-4D97-AF65-F5344CB8AC3E}">
-        <p14:creationId xmlns:p14="http://schemas.microsoft.com/office/powerpoint/2010/main" val="1374364056"/>
-      </p:ext>
-    </p:extLst>
-  </p:cSld>
-  <p:clrMapOvr>
-    <a:masterClrMapping/>
-  </p:clrMapOvr>
-</p:sld>
-</file>
-
-<file path=ppt/slides/slide17.xml><?xml version="1.0" encoding="utf-8"?>
-<p:sld xmlns:a="http://schemas.openxmlformats.org/drawingml/2006/main" xmlns:r="http://schemas.openxmlformats.org/officeDocument/2006/relationships" xmlns:p="http://schemas.openxmlformats.org/presentationml/2006/main">
-  <p:cSld>
-    <p:spTree>
-      <p:nvGrpSpPr>
-        <p:cNvPr id="1" name=""/>
-        <p:cNvGrpSpPr/>
-        <p:nvPr/>
-      </p:nvGrpSpPr>
-      <p:grpSpPr>
-        <a:xfrm>
-          <a:off x="0" y="0"/>
-          <a:ext cx="0" cy="0"/>
-          <a:chOff x="0" y="0"/>
-          <a:chExt cx="0" cy="0"/>
-        </a:xfrm>
-      </p:grpSpPr>
-      <p:sp>
-        <p:nvSpPr>
-          <p:cNvPr id="2" name="Title 1">
-            <a:extLst>
-              <a:ext uri="{FF2B5EF4-FFF2-40B4-BE49-F238E27FC236}">
-                <a16:creationId xmlns:a16="http://schemas.microsoft.com/office/drawing/2014/main" id="{AAE86C0E-A634-408D-BC14-34D305CC0D8A}"/>
-              </a:ext>
-            </a:extLst>
-          </p:cNvPr>
-          <p:cNvSpPr>
-            <a:spLocks noGrp="1"/>
-          </p:cNvSpPr>
-          <p:nvPr>
-            <p:ph type="title"/>
-          </p:nvPr>
-        </p:nvSpPr>
-        <p:spPr/>
-        <p:txBody>
-          <a:bodyPr/>
-          <a:lstStyle/>
-          <a:p>
-            <a:r>
-              <a:rPr lang="en-US" dirty="0"/>
-              <a:t>SSD</a:t>
-            </a:r>
-          </a:p>
-        </p:txBody>
-      </p:sp>
-      <p:pic>
-        <p:nvPicPr>
-          <p:cNvPr id="4" name="Picture 3" descr="A picture containing screenshot&#10;&#10;Description automatically generated">
-            <a:extLst>
-              <a:ext uri="{FF2B5EF4-FFF2-40B4-BE49-F238E27FC236}">
-                <a16:creationId xmlns:a16="http://schemas.microsoft.com/office/drawing/2014/main" id="{97922C24-C477-44E0-8811-1F9A57CFF8CD}"/>
-              </a:ext>
-            </a:extLst>
-          </p:cNvPr>
-          <p:cNvPicPr>
-            <a:picLocks noChangeAspect="1"/>
-          </p:cNvPicPr>
-          <p:nvPr/>
-        </p:nvPicPr>
-        <p:blipFill>
-          <a:blip r:embed="rId2">
-            <a:extLst>
-              <a:ext uri="{28A0092B-C50C-407E-A947-70E740481C1C}">
-                <a14:useLocalDpi xmlns:a14="http://schemas.microsoft.com/office/drawing/2010/main" val="0"/>
-              </a:ext>
-            </a:extLst>
-          </a:blip>
-          <a:stretch>
-            <a:fillRect/>
-          </a:stretch>
-        </p:blipFill>
-        <p:spPr>
-          <a:xfrm>
-            <a:off x="1251678" y="1312869"/>
-            <a:ext cx="10178322" cy="5162746"/>
-          </a:xfrm>
-          <a:prstGeom prst="rect">
-            <a:avLst/>
-          </a:prstGeom>
-        </p:spPr>
-      </p:pic>
-    </p:spTree>
-    <p:extLst>
-      <p:ext uri="{BB962C8B-B14F-4D97-AF65-F5344CB8AC3E}">
-        <p14:creationId xmlns:p14="http://schemas.microsoft.com/office/powerpoint/2010/main" val="4097223435"/>
-      </p:ext>
-    </p:extLst>
-  </p:cSld>
-  <p:clrMapOvr>
-    <a:masterClrMapping/>
-  </p:clrMapOvr>
-</p:sld>
-</file>
-
-<file path=ppt/slides/slide18.xml><?xml version="1.0" encoding="utf-8"?>
-<p:sld xmlns:a="http://schemas.openxmlformats.org/drawingml/2006/main" xmlns:r="http://schemas.openxmlformats.org/officeDocument/2006/relationships" xmlns:p="http://schemas.openxmlformats.org/presentationml/2006/main">
-  <p:cSld>
-    <p:spTree>
-      <p:nvGrpSpPr>
-        <p:cNvPr id="1" name=""/>
-        <p:cNvGrpSpPr/>
-        <p:nvPr/>
-      </p:nvGrpSpPr>
-      <p:grpSpPr>
-        <a:xfrm>
-          <a:off x="0" y="0"/>
-          <a:ext cx="0" cy="0"/>
-          <a:chOff x="0" y="0"/>
-          <a:chExt cx="0" cy="0"/>
-        </a:xfrm>
-      </p:grpSpPr>
-      <p:sp>
-        <p:nvSpPr>
-          <p:cNvPr id="2" name="Title 1">
-            <a:extLst>
-              <a:ext uri="{FF2B5EF4-FFF2-40B4-BE49-F238E27FC236}">
-                <a16:creationId xmlns:a16="http://schemas.microsoft.com/office/drawing/2014/main" id="{AAE86C0E-A634-408D-BC14-34D305CC0D8A}"/>
-              </a:ext>
-            </a:extLst>
-          </p:cNvPr>
-          <p:cNvSpPr>
-            <a:spLocks noGrp="1"/>
-          </p:cNvSpPr>
-          <p:nvPr>
-            <p:ph type="title"/>
-          </p:nvPr>
-        </p:nvSpPr>
-        <p:spPr/>
-        <p:txBody>
-          <a:bodyPr/>
-          <a:lstStyle/>
-          <a:p>
-            <a:r>
-              <a:rPr lang="en-US" dirty="0"/>
-              <a:t>SSD</a:t>
-            </a:r>
-          </a:p>
-        </p:txBody>
-      </p:sp>
-      <p:pic>
-        <p:nvPicPr>
-          <p:cNvPr id="4" name="Picture 3" descr="A screenshot of a cell phone&#10;&#10;Description automatically generated">
-            <a:extLst>
-              <a:ext uri="{FF2B5EF4-FFF2-40B4-BE49-F238E27FC236}">
-                <a16:creationId xmlns:a16="http://schemas.microsoft.com/office/drawing/2014/main" id="{7532A1B9-88CC-4354-97EA-9916F822447E}"/>
-              </a:ext>
-            </a:extLst>
-          </p:cNvPr>
-          <p:cNvPicPr>
-            <a:picLocks noChangeAspect="1"/>
-          </p:cNvPicPr>
-          <p:nvPr/>
-        </p:nvPicPr>
-        <p:blipFill>
-          <a:blip r:embed="rId2">
-            <a:extLst>
-              <a:ext uri="{28A0092B-C50C-407E-A947-70E740481C1C}">
-                <a14:useLocalDpi xmlns:a14="http://schemas.microsoft.com/office/drawing/2010/main" val="0"/>
-              </a:ext>
-            </a:extLst>
-          </a:blip>
-          <a:stretch>
-            <a:fillRect/>
-          </a:stretch>
-        </p:blipFill>
-        <p:spPr>
-          <a:xfrm>
-            <a:off x="1964846" y="1194539"/>
-            <a:ext cx="8262308" cy="5663461"/>
-          </a:xfrm>
-          <a:prstGeom prst="rect">
-            <a:avLst/>
-          </a:prstGeom>
-        </p:spPr>
-      </p:pic>
-    </p:spTree>
-    <p:extLst>
-      <p:ext uri="{BB962C8B-B14F-4D97-AF65-F5344CB8AC3E}">
-        <p14:creationId xmlns:p14="http://schemas.microsoft.com/office/powerpoint/2010/main" val="4130932761"/>
-      </p:ext>
-    </p:extLst>
-  </p:cSld>
-  <p:clrMapOvr>
-    <a:masterClrMapping/>
-  </p:clrMapOvr>
-</p:sld>
-</file>
-
-<file path=ppt/slides/slide19.xml><?xml version="1.0" encoding="utf-8"?>
-<p:sld xmlns:a="http://schemas.openxmlformats.org/drawingml/2006/main" xmlns:r="http://schemas.openxmlformats.org/officeDocument/2006/relationships" xmlns:p="http://schemas.openxmlformats.org/presentationml/2006/main">
-  <p:cSld>
-    <p:spTree>
-      <p:nvGrpSpPr>
-        <p:cNvPr id="1" name=""/>
-        <p:cNvGrpSpPr/>
-        <p:nvPr/>
-      </p:nvGrpSpPr>
-      <p:grpSpPr>
-        <a:xfrm>
-          <a:off x="0" y="0"/>
-          <a:ext cx="0" cy="0"/>
-          <a:chOff x="0" y="0"/>
-          <a:chExt cx="0" cy="0"/>
-        </a:xfrm>
-      </p:grpSpPr>
-      <p:sp>
-        <p:nvSpPr>
-          <p:cNvPr id="2" name="Title 1">
-            <a:extLst>
-              <a:ext uri="{FF2B5EF4-FFF2-40B4-BE49-F238E27FC236}">
-                <a16:creationId xmlns:a16="http://schemas.microsoft.com/office/drawing/2014/main" id="{AAE86C0E-A634-408D-BC14-34D305CC0D8A}"/>
-              </a:ext>
-            </a:extLst>
-          </p:cNvPr>
-          <p:cNvSpPr>
-            <a:spLocks noGrp="1"/>
-          </p:cNvSpPr>
-          <p:nvPr>
-            <p:ph type="title"/>
-          </p:nvPr>
-        </p:nvSpPr>
-        <p:spPr/>
-        <p:txBody>
-          <a:bodyPr/>
-          <a:lstStyle/>
-          <a:p>
-            <a:r>
-              <a:rPr lang="en-US" dirty="0"/>
-              <a:t>SSD</a:t>
-            </a:r>
-          </a:p>
-        </p:txBody>
-      </p:sp>
-      <p:pic>
-        <p:nvPicPr>
-          <p:cNvPr id="4" name="Picture 3" descr="A screenshot of a social media post&#10;&#10;Description automatically generated">
-            <a:extLst>
-              <a:ext uri="{FF2B5EF4-FFF2-40B4-BE49-F238E27FC236}">
-                <a16:creationId xmlns:a16="http://schemas.microsoft.com/office/drawing/2014/main" id="{22E50683-8D20-4A8F-B8C0-A3A38E2F59D7}"/>
-              </a:ext>
-            </a:extLst>
-          </p:cNvPr>
-          <p:cNvPicPr>
-            <a:picLocks noChangeAspect="1"/>
-          </p:cNvPicPr>
-          <p:nvPr/>
-        </p:nvPicPr>
-        <p:blipFill>
-          <a:blip r:embed="rId2">
-            <a:extLst>
-              <a:ext uri="{28A0092B-C50C-407E-A947-70E740481C1C}">
-                <a14:useLocalDpi xmlns:a14="http://schemas.microsoft.com/office/drawing/2010/main" val="0"/>
-              </a:ext>
-            </a:extLst>
-          </a:blip>
-          <a:stretch>
-            <a:fillRect/>
-          </a:stretch>
-        </p:blipFill>
-        <p:spPr>
-          <a:xfrm>
-            <a:off x="1938775" y="1317835"/>
-            <a:ext cx="8314449" cy="5364411"/>
-          </a:xfrm>
-          <a:prstGeom prst="rect">
-            <a:avLst/>
-          </a:prstGeom>
-        </p:spPr>
-      </p:pic>
-    </p:spTree>
-    <p:extLst>
-      <p:ext uri="{BB962C8B-B14F-4D97-AF65-F5344CB8AC3E}">
-        <p14:creationId xmlns:p14="http://schemas.microsoft.com/office/powerpoint/2010/main" val="988633582"/>
-      </p:ext>
-    </p:extLst>
-  </p:cSld>
-  <p:clrMapOvr>
-    <a:masterClrMapping/>
-  </p:clrMapOvr>
-</p:sld>
-</file>
-
-<file path=ppt/slides/slide2.xml><?xml version="1.0" encoding="utf-8"?>
-<p:sld xmlns:a="http://schemas.openxmlformats.org/drawingml/2006/main" xmlns:r="http://schemas.openxmlformats.org/officeDocument/2006/relationships" xmlns:p="http://schemas.openxmlformats.org/presentationml/2006/main">
-  <p:cSld>
-    <p:spTree>
-      <p:nvGrpSpPr>
-        <p:cNvPr id="1" name=""/>
-        <p:cNvGrpSpPr/>
-        <p:nvPr/>
-      </p:nvGrpSpPr>
-      <p:grpSpPr>
-        <a:xfrm>
-          <a:off x="0" y="0"/>
-          <a:ext cx="0" cy="0"/>
-          <a:chOff x="0" y="0"/>
-          <a:chExt cx="0" cy="0"/>
-        </a:xfrm>
-      </p:grpSpPr>
-      <p:sp>
-        <p:nvSpPr>
-          <p:cNvPr id="2" name="Title 1">
-            <a:extLst>
-              <a:ext uri="{FF2B5EF4-FFF2-40B4-BE49-F238E27FC236}">
-                <a16:creationId xmlns:a16="http://schemas.microsoft.com/office/drawing/2014/main" id="{87428A48-AA04-4C96-9BAD-885764210535}"/>
-              </a:ext>
-            </a:extLst>
-          </p:cNvPr>
-          <p:cNvSpPr>
-            <a:spLocks noGrp="1"/>
-          </p:cNvSpPr>
-          <p:nvPr>
-            <p:ph type="title"/>
-          </p:nvPr>
-        </p:nvSpPr>
-        <p:spPr/>
-        <p:txBody>
-          <a:bodyPr/>
-          <a:lstStyle/>
-          <a:p>
-            <a:r>
-              <a:rPr lang="en-US" dirty="0"/>
-              <a:t>Product Vision</a:t>
-            </a:r>
-          </a:p>
-        </p:txBody>
-      </p:sp>
-      <p:sp>
-        <p:nvSpPr>
-          <p:cNvPr id="3" name="Content Placeholder 2">
-            <a:extLst>
-              <a:ext uri="{FF2B5EF4-FFF2-40B4-BE49-F238E27FC236}">
-                <a16:creationId xmlns:a16="http://schemas.microsoft.com/office/drawing/2014/main" id="{BB9C52C1-4AD0-4C63-AAC1-DE000881C6C4}"/>
-              </a:ext>
-            </a:extLst>
-          </p:cNvPr>
-          <p:cNvSpPr>
-            <a:spLocks noGrp="1"/>
-          </p:cNvSpPr>
-          <p:nvPr>
-            <p:ph idx="1"/>
-          </p:nvPr>
-        </p:nvSpPr>
-        <p:spPr>
-          <a:xfrm>
-            <a:off x="1251678" y="3264409"/>
-            <a:ext cx="10178322" cy="3593591"/>
-          </a:xfrm>
-        </p:spPr>
-        <p:txBody>
-          <a:bodyPr/>
-          <a:lstStyle/>
-          <a:p>
-            <a:r>
-              <a:rPr lang="en-US" dirty="0"/>
-              <a:t>BCC is a tool used by students to rate their current teachers, view reviews of future teachers and contact previous students who have had those teachers</a:t>
-            </a:r>
-          </a:p>
-        </p:txBody>
-      </p:sp>
-    </p:spTree>
-    <p:extLst>
-      <p:ext uri="{BB962C8B-B14F-4D97-AF65-F5344CB8AC3E}">
-        <p14:creationId xmlns:p14="http://schemas.microsoft.com/office/powerpoint/2010/main" val="1653052702"/>
-      </p:ext>
-    </p:extLst>
-  </p:cSld>
-  <p:clrMapOvr>
-    <a:masterClrMapping/>
-  </p:clrMapOvr>
-</p:sld>
-</file>
-
-<file path=ppt/slides/slide20.xml><?xml version="1.0" encoding="utf-8"?>
-<p:sld xmlns:a="http://schemas.openxmlformats.org/drawingml/2006/main" xmlns:r="http://schemas.openxmlformats.org/officeDocument/2006/relationships" xmlns:p="http://schemas.openxmlformats.org/presentationml/2006/main">
-  <p:cSld>
-    <p:spTree>
-      <p:nvGrpSpPr>
-        <p:cNvPr id="1" name=""/>
-        <p:cNvGrpSpPr/>
-        <p:nvPr/>
-      </p:nvGrpSpPr>
-      <p:grpSpPr>
-        <a:xfrm>
-          <a:off x="0" y="0"/>
-          <a:ext cx="0" cy="0"/>
-          <a:chOff x="0" y="0"/>
-          <a:chExt cx="0" cy="0"/>
-        </a:xfrm>
-      </p:grpSpPr>
-      <p:sp>
-        <p:nvSpPr>
-          <p:cNvPr id="2" name="Title 1">
-            <a:extLst>
-              <a:ext uri="{FF2B5EF4-FFF2-40B4-BE49-F238E27FC236}">
-                <a16:creationId xmlns:a16="http://schemas.microsoft.com/office/drawing/2014/main" id="{AAE86C0E-A634-408D-BC14-34D305CC0D8A}"/>
-              </a:ext>
-            </a:extLst>
-          </p:cNvPr>
-          <p:cNvSpPr>
-            <a:spLocks noGrp="1"/>
-          </p:cNvSpPr>
-          <p:nvPr>
-            <p:ph type="title"/>
-          </p:nvPr>
-        </p:nvSpPr>
-        <p:spPr/>
-        <p:txBody>
-          <a:bodyPr/>
-          <a:lstStyle/>
-          <a:p>
-            <a:r>
-              <a:rPr lang="en-US" dirty="0"/>
-              <a:t>SSD</a:t>
-            </a:r>
-          </a:p>
-        </p:txBody>
-      </p:sp>
-      <p:pic>
-        <p:nvPicPr>
-          <p:cNvPr id="4" name="Picture 3" descr="A screenshot of a social media post&#10;&#10;Description automatically generated">
-            <a:extLst>
-              <a:ext uri="{FF2B5EF4-FFF2-40B4-BE49-F238E27FC236}">
-                <a16:creationId xmlns:a16="http://schemas.microsoft.com/office/drawing/2014/main" id="{A20B7A15-FD22-43F9-B73C-2179118154BD}"/>
-              </a:ext>
-            </a:extLst>
-          </p:cNvPr>
-          <p:cNvPicPr>
-            <a:picLocks noChangeAspect="1"/>
-          </p:cNvPicPr>
-          <p:nvPr/>
-        </p:nvPicPr>
-        <p:blipFill>
-          <a:blip r:embed="rId2">
-            <a:extLst>
-              <a:ext uri="{28A0092B-C50C-407E-A947-70E740481C1C}">
-                <a14:useLocalDpi xmlns:a14="http://schemas.microsoft.com/office/drawing/2010/main" val="0"/>
-              </a:ext>
-            </a:extLst>
-          </a:blip>
-          <a:stretch>
-            <a:fillRect/>
-          </a:stretch>
-        </p:blipFill>
-        <p:spPr>
-          <a:xfrm>
-            <a:off x="1807745" y="1159191"/>
-            <a:ext cx="9788967" cy="5698809"/>
-          </a:xfrm>
-          <a:prstGeom prst="rect">
-            <a:avLst/>
-          </a:prstGeom>
-        </p:spPr>
-      </p:pic>
-    </p:spTree>
-    <p:extLst>
-      <p:ext uri="{BB962C8B-B14F-4D97-AF65-F5344CB8AC3E}">
-        <p14:creationId xmlns:p14="http://schemas.microsoft.com/office/powerpoint/2010/main" val="3139598922"/>
-      </p:ext>
-    </p:extLst>
-  </p:cSld>
-  <p:clrMapOvr>
-    <a:masterClrMapping/>
-  </p:clrMapOvr>
-</p:sld>
-</file>
-
-<file path=ppt/slides/slide21.xml><?xml version="1.0" encoding="utf-8"?>
-<p:sld xmlns:a="http://schemas.openxmlformats.org/drawingml/2006/main" xmlns:r="http://schemas.openxmlformats.org/officeDocument/2006/relationships" xmlns:p="http://schemas.openxmlformats.org/presentationml/2006/main">
-  <p:cSld>
-    <p:spTree>
-      <p:nvGrpSpPr>
-        <p:cNvPr id="1" name=""/>
-        <p:cNvGrpSpPr/>
-        <p:nvPr/>
-      </p:nvGrpSpPr>
-      <p:grpSpPr>
-        <a:xfrm>
-          <a:off x="0" y="0"/>
-          <a:ext cx="0" cy="0"/>
-          <a:chOff x="0" y="0"/>
-          <a:chExt cx="0" cy="0"/>
-        </a:xfrm>
-      </p:grpSpPr>
-      <p:sp>
-        <p:nvSpPr>
-          <p:cNvPr id="2" name="Title 1">
-            <a:extLst>
-              <a:ext uri="{FF2B5EF4-FFF2-40B4-BE49-F238E27FC236}">
-                <a16:creationId xmlns:a16="http://schemas.microsoft.com/office/drawing/2014/main" id="{AAE86C0E-A634-408D-BC14-34D305CC0D8A}"/>
-              </a:ext>
-            </a:extLst>
-          </p:cNvPr>
-          <p:cNvSpPr>
-            <a:spLocks noGrp="1"/>
-          </p:cNvSpPr>
-          <p:nvPr>
-            <p:ph type="title"/>
-          </p:nvPr>
-        </p:nvSpPr>
-        <p:spPr/>
-        <p:txBody>
-          <a:bodyPr/>
-          <a:lstStyle/>
-          <a:p>
-            <a:r>
-              <a:rPr lang="en-US" dirty="0"/>
-              <a:t>SSD</a:t>
-            </a:r>
-          </a:p>
-        </p:txBody>
-      </p:sp>
-      <p:pic>
-        <p:nvPicPr>
-          <p:cNvPr id="4" name="Picture 3" descr="A screenshot of a social media post&#10;&#10;Description automatically generated">
-            <a:extLst>
-              <a:ext uri="{FF2B5EF4-FFF2-40B4-BE49-F238E27FC236}">
-                <a16:creationId xmlns:a16="http://schemas.microsoft.com/office/drawing/2014/main" id="{C6F11686-7686-425D-B82B-2E928B9EB4E3}"/>
-              </a:ext>
-            </a:extLst>
-          </p:cNvPr>
-          <p:cNvPicPr>
-            <a:picLocks noChangeAspect="1"/>
-          </p:cNvPicPr>
-          <p:nvPr/>
-        </p:nvPicPr>
-        <p:blipFill>
-          <a:blip r:embed="rId2">
-            <a:extLst>
-              <a:ext uri="{28A0092B-C50C-407E-A947-70E740481C1C}">
-                <a14:useLocalDpi xmlns:a14="http://schemas.microsoft.com/office/drawing/2010/main" val="0"/>
-              </a:ext>
-            </a:extLst>
-          </a:blip>
-          <a:stretch>
-            <a:fillRect/>
-          </a:stretch>
-        </p:blipFill>
-        <p:spPr>
-          <a:xfrm>
-            <a:off x="1699498" y="1186555"/>
-            <a:ext cx="9282682" cy="5671445"/>
-          </a:xfrm>
-          <a:prstGeom prst="rect">
-            <a:avLst/>
-          </a:prstGeom>
-        </p:spPr>
-      </p:pic>
-    </p:spTree>
-    <p:extLst>
-      <p:ext uri="{BB962C8B-B14F-4D97-AF65-F5344CB8AC3E}">
-        <p14:creationId xmlns:p14="http://schemas.microsoft.com/office/powerpoint/2010/main" val="2966044016"/>
-      </p:ext>
-    </p:extLst>
-  </p:cSld>
-  <p:clrMapOvr>
-    <a:masterClrMapping/>
-  </p:clrMapOvr>
-</p:sld>
-</file>
-
-<file path=ppt/slides/slide22.xml><?xml version="1.0" encoding="utf-8"?>
-<p:sld xmlns:a="http://schemas.openxmlformats.org/drawingml/2006/main" xmlns:r="http://schemas.openxmlformats.org/officeDocument/2006/relationships" xmlns:p="http://schemas.openxmlformats.org/presentationml/2006/main">
-  <p:cSld>
-    <p:spTree>
-      <p:nvGrpSpPr>
-        <p:cNvPr id="1" name=""/>
-        <p:cNvGrpSpPr/>
-        <p:nvPr/>
-      </p:nvGrpSpPr>
-      <p:grpSpPr>
-        <a:xfrm>
-          <a:off x="0" y="0"/>
-          <a:ext cx="0" cy="0"/>
-          <a:chOff x="0" y="0"/>
-          <a:chExt cx="0" cy="0"/>
-        </a:xfrm>
-      </p:grpSpPr>
-      <p:sp>
-        <p:nvSpPr>
-          <p:cNvPr id="2" name="Title 1">
-            <a:extLst>
-              <a:ext uri="{FF2B5EF4-FFF2-40B4-BE49-F238E27FC236}">
-                <a16:creationId xmlns:a16="http://schemas.microsoft.com/office/drawing/2014/main" id="{AAE86C0E-A634-408D-BC14-34D305CC0D8A}"/>
-              </a:ext>
-            </a:extLst>
-          </p:cNvPr>
-          <p:cNvSpPr>
-            <a:spLocks noGrp="1"/>
-          </p:cNvSpPr>
-          <p:nvPr>
-            <p:ph type="title"/>
-          </p:nvPr>
-        </p:nvSpPr>
-        <p:spPr/>
-        <p:txBody>
-          <a:bodyPr/>
-          <a:lstStyle/>
-          <a:p>
-            <a:r>
-              <a:rPr lang="en-US" dirty="0"/>
-              <a:t>SSD</a:t>
-            </a:r>
-          </a:p>
-        </p:txBody>
-      </p:sp>
-      <p:pic>
-        <p:nvPicPr>
-          <p:cNvPr id="4" name="Picture 3" descr="A screenshot of a social media post&#10;&#10;Description automatically generated">
-            <a:extLst>
-              <a:ext uri="{FF2B5EF4-FFF2-40B4-BE49-F238E27FC236}">
-                <a16:creationId xmlns:a16="http://schemas.microsoft.com/office/drawing/2014/main" id="{A187ADA3-C6E3-4E93-A11C-D4C0B5A79FE6}"/>
-              </a:ext>
-            </a:extLst>
-          </p:cNvPr>
-          <p:cNvPicPr>
-            <a:picLocks noChangeAspect="1"/>
-          </p:cNvPicPr>
-          <p:nvPr/>
-        </p:nvPicPr>
-        <p:blipFill>
-          <a:blip r:embed="rId2">
-            <a:extLst>
-              <a:ext uri="{28A0092B-C50C-407E-A947-70E740481C1C}">
-                <a14:useLocalDpi xmlns:a14="http://schemas.microsoft.com/office/drawing/2010/main" val="0"/>
-              </a:ext>
-            </a:extLst>
-          </a:blip>
-          <a:stretch>
-            <a:fillRect/>
-          </a:stretch>
-        </p:blipFill>
-        <p:spPr>
-          <a:xfrm>
-            <a:off x="1785044" y="1079965"/>
-            <a:ext cx="8621911" cy="5778035"/>
-          </a:xfrm>
-          <a:prstGeom prst="rect">
-            <a:avLst/>
-          </a:prstGeom>
-        </p:spPr>
-      </p:pic>
-    </p:spTree>
-    <p:extLst>
-      <p:ext uri="{BB962C8B-B14F-4D97-AF65-F5344CB8AC3E}">
-        <p14:creationId xmlns:p14="http://schemas.microsoft.com/office/powerpoint/2010/main" val="2809920508"/>
-      </p:ext>
-    </p:extLst>
-  </p:cSld>
-  <p:clrMapOvr>
-    <a:masterClrMapping/>
-  </p:clrMapOvr>
-</p:sld>
-</file>
-
-<file path=ppt/slides/slide23.xml><?xml version="1.0" encoding="utf-8"?>
-<p:sld xmlns:a="http://schemas.openxmlformats.org/drawingml/2006/main" xmlns:r="http://schemas.openxmlformats.org/officeDocument/2006/relationships" xmlns:p="http://schemas.openxmlformats.org/presentationml/2006/main">
-  <p:cSld>
-    <p:spTree>
-      <p:nvGrpSpPr>
-        <p:cNvPr id="1" name=""/>
-        <p:cNvGrpSpPr/>
-        <p:nvPr/>
-      </p:nvGrpSpPr>
-      <p:grpSpPr>
-        <a:xfrm>
-          <a:off x="0" y="0"/>
-          <a:ext cx="0" cy="0"/>
-          <a:chOff x="0" y="0"/>
-          <a:chExt cx="0" cy="0"/>
-        </a:xfrm>
-      </p:grpSpPr>
-      <p:sp>
-        <p:nvSpPr>
-          <p:cNvPr id="2" name="Title 1">
-            <a:extLst>
-              <a:ext uri="{FF2B5EF4-FFF2-40B4-BE49-F238E27FC236}">
-                <a16:creationId xmlns:a16="http://schemas.microsoft.com/office/drawing/2014/main" id="{AAE86C0E-A634-408D-BC14-34D305CC0D8A}"/>
-              </a:ext>
-            </a:extLst>
-          </p:cNvPr>
-          <p:cNvSpPr>
-            <a:spLocks noGrp="1"/>
-          </p:cNvSpPr>
-          <p:nvPr>
-            <p:ph type="title"/>
-          </p:nvPr>
-        </p:nvSpPr>
-        <p:spPr/>
-        <p:txBody>
-          <a:bodyPr/>
-          <a:lstStyle/>
-          <a:p>
-            <a:r>
-              <a:rPr lang="en-US" dirty="0"/>
-              <a:t>SSD</a:t>
-            </a:r>
-          </a:p>
-        </p:txBody>
-      </p:sp>
-      <p:pic>
-        <p:nvPicPr>
-          <p:cNvPr id="4" name="Picture 3" descr="A screenshot of a cell phone&#10;&#10;Description automatically generated">
-            <a:extLst>
-              <a:ext uri="{FF2B5EF4-FFF2-40B4-BE49-F238E27FC236}">
-                <a16:creationId xmlns:a16="http://schemas.microsoft.com/office/drawing/2014/main" id="{F945B299-5188-410F-BAA2-6FE9D9A663A3}"/>
-              </a:ext>
-            </a:extLst>
-          </p:cNvPr>
-          <p:cNvPicPr>
-            <a:picLocks noChangeAspect="1"/>
-          </p:cNvPicPr>
-          <p:nvPr/>
-        </p:nvPicPr>
-        <p:blipFill>
-          <a:blip r:embed="rId2">
-            <a:extLst>
-              <a:ext uri="{28A0092B-C50C-407E-A947-70E740481C1C}">
-                <a14:useLocalDpi xmlns:a14="http://schemas.microsoft.com/office/drawing/2010/main" val="0"/>
-              </a:ext>
-            </a:extLst>
-          </a:blip>
-          <a:stretch>
-            <a:fillRect/>
-          </a:stretch>
-        </p:blipFill>
-        <p:spPr>
-          <a:xfrm>
-            <a:off x="2119785" y="1254417"/>
-            <a:ext cx="7952429" cy="5603583"/>
-          </a:xfrm>
-          <a:prstGeom prst="rect">
-            <a:avLst/>
-          </a:prstGeom>
-        </p:spPr>
-      </p:pic>
-    </p:spTree>
-    <p:extLst>
-      <p:ext uri="{BB962C8B-B14F-4D97-AF65-F5344CB8AC3E}">
-        <p14:creationId xmlns:p14="http://schemas.microsoft.com/office/powerpoint/2010/main" val="2235488531"/>
-      </p:ext>
-    </p:extLst>
-  </p:cSld>
-  <p:clrMapOvr>
-    <a:masterClrMapping/>
-  </p:clrMapOvr>
-</p:sld>
-</file>
-
-<file path=ppt/slides/slide24.xml><?xml version="1.0" encoding="utf-8"?>
-<p:sld xmlns:a="http://schemas.openxmlformats.org/drawingml/2006/main" xmlns:r="http://schemas.openxmlformats.org/officeDocument/2006/relationships" xmlns:p="http://schemas.openxmlformats.org/presentationml/2006/main">
-  <p:cSld>
-    <p:spTree>
-      <p:nvGrpSpPr>
-        <p:cNvPr id="1" name=""/>
-        <p:cNvGrpSpPr/>
-        <p:nvPr/>
-      </p:nvGrpSpPr>
-      <p:grpSpPr>
-        <a:xfrm>
-          <a:off x="0" y="0"/>
-          <a:ext cx="0" cy="0"/>
-          <a:chOff x="0" y="0"/>
-          <a:chExt cx="0" cy="0"/>
-        </a:xfrm>
-      </p:grpSpPr>
-      <p:sp>
-        <p:nvSpPr>
-          <p:cNvPr id="2" name="Title 1">
-            <a:extLst>
-              <a:ext uri="{FF2B5EF4-FFF2-40B4-BE49-F238E27FC236}">
-                <a16:creationId xmlns:a16="http://schemas.microsoft.com/office/drawing/2014/main" id="{AAE86C0E-A634-408D-BC14-34D305CC0D8A}"/>
-              </a:ext>
-            </a:extLst>
-          </p:cNvPr>
-          <p:cNvSpPr>
-            <a:spLocks noGrp="1"/>
-          </p:cNvSpPr>
-          <p:nvPr>
-            <p:ph type="title"/>
-          </p:nvPr>
-        </p:nvSpPr>
-        <p:spPr/>
-        <p:txBody>
-          <a:bodyPr/>
-          <a:lstStyle/>
-          <a:p>
-            <a:r>
-              <a:rPr lang="en-US" dirty="0"/>
-              <a:t>SSD</a:t>
-            </a:r>
-          </a:p>
-        </p:txBody>
-      </p:sp>
-      <p:pic>
-        <p:nvPicPr>
-          <p:cNvPr id="4" name="Picture 3" descr="A screenshot of a social media post&#10;&#10;Description automatically generated">
-            <a:extLst>
-              <a:ext uri="{FF2B5EF4-FFF2-40B4-BE49-F238E27FC236}">
-                <a16:creationId xmlns:a16="http://schemas.microsoft.com/office/drawing/2014/main" id="{22B907EE-406E-4516-916D-E10F70226481}"/>
-              </a:ext>
-            </a:extLst>
-          </p:cNvPr>
-          <p:cNvPicPr>
-            <a:picLocks noChangeAspect="1"/>
-          </p:cNvPicPr>
-          <p:nvPr/>
-        </p:nvPicPr>
-        <p:blipFill>
-          <a:blip r:embed="rId2">
-            <a:extLst>
-              <a:ext uri="{28A0092B-C50C-407E-A947-70E740481C1C}">
-                <a14:useLocalDpi xmlns:a14="http://schemas.microsoft.com/office/drawing/2010/main" val="0"/>
-              </a:ext>
-            </a:extLst>
-          </a:blip>
-          <a:stretch>
-            <a:fillRect/>
-          </a:stretch>
-        </p:blipFill>
-        <p:spPr>
-          <a:xfrm>
-            <a:off x="1986488" y="1249212"/>
-            <a:ext cx="8953834" cy="5608788"/>
-          </a:xfrm>
-          <a:prstGeom prst="rect">
-            <a:avLst/>
-          </a:prstGeom>
-        </p:spPr>
-      </p:pic>
-    </p:spTree>
-    <p:extLst>
-      <p:ext uri="{BB962C8B-B14F-4D97-AF65-F5344CB8AC3E}">
-        <p14:creationId xmlns:p14="http://schemas.microsoft.com/office/powerpoint/2010/main" val="2269492299"/>
-      </p:ext>
-    </p:extLst>
-  </p:cSld>
-  <p:clrMapOvr>
-    <a:masterClrMapping/>
-  </p:clrMapOvr>
-</p:sld>
-</file>
-
-<file path=ppt/slides/slide25.xml><?xml version="1.0" encoding="utf-8"?>
-<p:sld xmlns:a="http://schemas.openxmlformats.org/drawingml/2006/main" xmlns:r="http://schemas.openxmlformats.org/officeDocument/2006/relationships" xmlns:p="http://schemas.openxmlformats.org/presentationml/2006/main">
-  <p:cSld>
-    <p:spTree>
-      <p:nvGrpSpPr>
-        <p:cNvPr id="1" name=""/>
-        <p:cNvGrpSpPr/>
-        <p:nvPr/>
-      </p:nvGrpSpPr>
-      <p:grpSpPr>
-        <a:xfrm>
-          <a:off x="0" y="0"/>
-          <a:ext cx="0" cy="0"/>
-          <a:chOff x="0" y="0"/>
-          <a:chExt cx="0" cy="0"/>
-        </a:xfrm>
-      </p:grpSpPr>
-      <p:sp>
-        <p:nvSpPr>
-          <p:cNvPr id="2" name="Title 1">
-            <a:extLst>
-              <a:ext uri="{FF2B5EF4-FFF2-40B4-BE49-F238E27FC236}">
-                <a16:creationId xmlns:a16="http://schemas.microsoft.com/office/drawing/2014/main" id="{AAE86C0E-A634-408D-BC14-34D305CC0D8A}"/>
-              </a:ext>
-            </a:extLst>
-          </p:cNvPr>
-          <p:cNvSpPr>
-            <a:spLocks noGrp="1"/>
-          </p:cNvSpPr>
-          <p:nvPr>
-            <p:ph type="title"/>
-          </p:nvPr>
-        </p:nvSpPr>
-        <p:spPr/>
-        <p:txBody>
-          <a:bodyPr/>
-          <a:lstStyle/>
-          <a:p>
-            <a:r>
-              <a:rPr lang="en-US" dirty="0"/>
-              <a:t>OPERATIONS</a:t>
-            </a:r>
-          </a:p>
-        </p:txBody>
-      </p:sp>
-      <p:sp>
-        <p:nvSpPr>
-          <p:cNvPr id="7" name="TextBox 6">
-            <a:extLst>
-              <a:ext uri="{FF2B5EF4-FFF2-40B4-BE49-F238E27FC236}">
-                <a16:creationId xmlns:a16="http://schemas.microsoft.com/office/drawing/2014/main" id="{DD228CF4-DAA5-4A09-B605-B8C788E33EBB}"/>
-              </a:ext>
-            </a:extLst>
-          </p:cNvPr>
-          <p:cNvSpPr txBox="1"/>
-          <p:nvPr/>
-        </p:nvSpPr>
-        <p:spPr>
-          <a:xfrm>
-            <a:off x="1251678" y="2286000"/>
-            <a:ext cx="10356122" cy="2862322"/>
-          </a:xfrm>
-          <a:prstGeom prst="rect">
-            <a:avLst/>
-          </a:prstGeom>
-          <a:noFill/>
-        </p:spPr>
-        <p:txBody>
-          <a:bodyPr wrap="square" rtlCol="0">
-            <a:spAutoFit/>
-          </a:bodyPr>
-          <a:lstStyle/>
-          <a:p>
-            <a:r>
-              <a:rPr lang="en-US" dirty="0"/>
-              <a:t>Examples</a:t>
-            </a:r>
-          </a:p>
-          <a:p>
-            <a:pPr marL="742950" lvl="1" indent="-285750">
-              <a:buFont typeface="Arial" panose="020B0604020202020204" pitchFamily="34" charset="0"/>
-              <a:buChar char="•"/>
-            </a:pPr>
-            <a:r>
-              <a:rPr lang="en-US" dirty="0" err="1"/>
-              <a:t>checkUsername</a:t>
-            </a:r>
-            <a:r>
-              <a:rPr lang="en-US" dirty="0"/>
-              <a:t>()</a:t>
-            </a:r>
-          </a:p>
-          <a:p>
-            <a:pPr marL="742950" lvl="1" indent="-285750">
-              <a:buFont typeface="Arial" panose="020B0604020202020204" pitchFamily="34" charset="0"/>
-              <a:buChar char="•"/>
-            </a:pPr>
-            <a:r>
-              <a:rPr lang="en-US" dirty="0" err="1"/>
-              <a:t>checkPassword</a:t>
-            </a:r>
-            <a:r>
-              <a:rPr lang="en-US" dirty="0"/>
-              <a:t>()</a:t>
-            </a:r>
-          </a:p>
-          <a:p>
-            <a:pPr marL="742950" lvl="1" indent="-285750">
-              <a:buFont typeface="Arial" panose="020B0604020202020204" pitchFamily="34" charset="0"/>
-              <a:buChar char="•"/>
-            </a:pPr>
-            <a:r>
-              <a:rPr lang="en-US" dirty="0" err="1"/>
-              <a:t>populateClassList</a:t>
-            </a:r>
-            <a:r>
-              <a:rPr lang="en-US" dirty="0"/>
-              <a:t>()</a:t>
-            </a:r>
-          </a:p>
-          <a:p>
-            <a:pPr marL="742950" lvl="1" indent="-285750">
-              <a:buFont typeface="Arial" panose="020B0604020202020204" pitchFamily="34" charset="0"/>
-              <a:buChar char="•"/>
-            </a:pPr>
-            <a:r>
-              <a:rPr lang="en-US" dirty="0" err="1"/>
-              <a:t>populateProfessorList</a:t>
-            </a:r>
-            <a:r>
-              <a:rPr lang="en-US" dirty="0"/>
-              <a:t>()</a:t>
-            </a:r>
-          </a:p>
-          <a:p>
-            <a:pPr marL="742950" lvl="1" indent="-285750">
-              <a:buFont typeface="Arial" panose="020B0604020202020204" pitchFamily="34" charset="0"/>
-              <a:buChar char="•"/>
-            </a:pPr>
-            <a:r>
-              <a:rPr lang="en-US" dirty="0" err="1"/>
-              <a:t>sendMessage</a:t>
-            </a:r>
-            <a:r>
-              <a:rPr lang="en-US" dirty="0"/>
-              <a:t>()</a:t>
-            </a:r>
-          </a:p>
-          <a:p>
-            <a:pPr marL="742950" lvl="1" indent="-285750">
-              <a:buFont typeface="Arial" panose="020B0604020202020204" pitchFamily="34" charset="0"/>
-              <a:buChar char="•"/>
-            </a:pPr>
-            <a:r>
-              <a:rPr lang="en-US" dirty="0" err="1"/>
-              <a:t>viewMessage</a:t>
-            </a:r>
-            <a:r>
-              <a:rPr lang="en-US" dirty="0"/>
-              <a:t>()</a:t>
-            </a:r>
-          </a:p>
-          <a:p>
-            <a:pPr lvl="1"/>
-            <a:endParaRPr lang="en-US" dirty="0"/>
-          </a:p>
-          <a:p>
-            <a:pPr lvl="1"/>
-            <a:r>
-              <a:rPr lang="en-US" dirty="0"/>
-              <a:t>There are ~70 more </a:t>
-            </a:r>
-            <a:r>
-              <a:rPr lang="en-US" dirty="0">
-                <a:sym typeface="Wingdings" panose="05000000000000000000" pitchFamily="2" charset="2"/>
-              </a:rPr>
-              <a:t></a:t>
-            </a:r>
-            <a:r>
-              <a:rPr lang="en-US" dirty="0"/>
-              <a:t> </a:t>
-            </a:r>
-          </a:p>
-          <a:p>
-            <a:pPr lvl="1"/>
-            <a:endParaRPr lang="en-US" dirty="0"/>
-          </a:p>
-        </p:txBody>
-      </p:sp>
-      <p:sp>
-        <p:nvSpPr>
-          <p:cNvPr id="3" name="TextBox 2">
-            <a:extLst>
-              <a:ext uri="{FF2B5EF4-FFF2-40B4-BE49-F238E27FC236}">
-                <a16:creationId xmlns:a16="http://schemas.microsoft.com/office/drawing/2014/main" id="{44678D98-E9AE-4E8B-A5A3-329C89043C01}"/>
-              </a:ext>
-            </a:extLst>
-          </p:cNvPr>
-          <p:cNvSpPr txBox="1"/>
-          <p:nvPr/>
-        </p:nvSpPr>
-        <p:spPr>
-          <a:xfrm>
-            <a:off x="1251678" y="1483895"/>
-            <a:ext cx="9432364" cy="369332"/>
-          </a:xfrm>
-          <a:prstGeom prst="rect">
-            <a:avLst/>
-          </a:prstGeom>
-          <a:noFill/>
-        </p:spPr>
-        <p:txBody>
-          <a:bodyPr wrap="square" rtlCol="0">
-            <a:spAutoFit/>
-          </a:bodyPr>
-          <a:lstStyle/>
-          <a:p>
-            <a:r>
-              <a:rPr lang="en-US" dirty="0"/>
-              <a:t>Defining the system operations helps us plan how we will implement the BCC application.</a:t>
-            </a:r>
-          </a:p>
-        </p:txBody>
-      </p:sp>
-    </p:spTree>
-    <p:extLst>
-      <p:ext uri="{BB962C8B-B14F-4D97-AF65-F5344CB8AC3E}">
-        <p14:creationId xmlns:p14="http://schemas.microsoft.com/office/powerpoint/2010/main" val="3305870225"/>
-      </p:ext>
-    </p:extLst>
-  </p:cSld>
-  <p:clrMapOvr>
-    <a:masterClrMapping/>
-  </p:clrMapOvr>
-</p:sld>
-</file>
-
-<file path=ppt/slides/slide26.xml><?xml version="1.0" encoding="utf-8"?>
-<p:sld xmlns:a="http://schemas.openxmlformats.org/drawingml/2006/main" xmlns:r="http://schemas.openxmlformats.org/officeDocument/2006/relationships" xmlns:p="http://schemas.openxmlformats.org/presentationml/2006/main">
-  <p:cSld>
-    <p:spTree>
-      <p:nvGrpSpPr>
-        <p:cNvPr id="1" name=""/>
-        <p:cNvGrpSpPr/>
-        <p:nvPr/>
-      </p:nvGrpSpPr>
-      <p:grpSpPr>
-        <a:xfrm>
-          <a:off x="0" y="0"/>
-          <a:ext cx="0" cy="0"/>
-          <a:chOff x="0" y="0"/>
-          <a:chExt cx="0" cy="0"/>
-        </a:xfrm>
-      </p:grpSpPr>
-      <p:sp>
-        <p:nvSpPr>
-          <p:cNvPr id="2" name="Title 1">
-            <a:extLst>
-              <a:ext uri="{FF2B5EF4-FFF2-40B4-BE49-F238E27FC236}">
-                <a16:creationId xmlns:a16="http://schemas.microsoft.com/office/drawing/2014/main" id="{AAE86C0E-A634-408D-BC14-34D305CC0D8A}"/>
-              </a:ext>
-            </a:extLst>
-          </p:cNvPr>
-          <p:cNvSpPr>
-            <a:spLocks noGrp="1"/>
-          </p:cNvSpPr>
-          <p:nvPr>
-            <p:ph type="title"/>
-          </p:nvPr>
-        </p:nvSpPr>
-        <p:spPr>
-          <a:xfrm>
-            <a:off x="1251678" y="382385"/>
-            <a:ext cx="10178322" cy="1492132"/>
-          </a:xfrm>
-        </p:spPr>
-        <p:txBody>
-          <a:bodyPr/>
-          <a:lstStyle/>
-          <a:p>
-            <a:r>
-              <a:rPr lang="en-US"/>
-              <a:t>Domain MOdel</a:t>
-            </a:r>
-            <a:endParaRPr lang="en-US" dirty="0"/>
-          </a:p>
-        </p:txBody>
-      </p:sp>
-      <p:pic>
-        <p:nvPicPr>
-          <p:cNvPr id="4" name="Picture 3">
-            <a:extLst>
-              <a:ext uri="{FF2B5EF4-FFF2-40B4-BE49-F238E27FC236}">
-                <a16:creationId xmlns:a16="http://schemas.microsoft.com/office/drawing/2014/main" id="{6B5DEE95-D122-46B5-AEA0-9902A1780316}"/>
-              </a:ext>
-            </a:extLst>
-          </p:cNvPr>
-          <p:cNvPicPr>
-            <a:picLocks noChangeAspect="1"/>
-          </p:cNvPicPr>
-          <p:nvPr/>
-        </p:nvPicPr>
-        <p:blipFill>
-          <a:blip r:embed="rId2">
-            <a:extLst>
-              <a:ext uri="{28A0092B-C50C-407E-A947-70E740481C1C}">
-                <a14:useLocalDpi xmlns:a14="http://schemas.microsoft.com/office/drawing/2010/main" val="0"/>
-              </a:ext>
-            </a:extLst>
-          </a:blip>
-          <a:stretch>
-            <a:fillRect/>
-          </a:stretch>
-        </p:blipFill>
-        <p:spPr>
-          <a:xfrm>
-            <a:off x="3417004" y="1829957"/>
-            <a:ext cx="5357992" cy="4645658"/>
-          </a:xfrm>
-          <a:prstGeom prst="rect">
-            <a:avLst/>
-          </a:prstGeom>
-        </p:spPr>
-      </p:pic>
-    </p:spTree>
-    <p:extLst>
-      <p:ext uri="{BB962C8B-B14F-4D97-AF65-F5344CB8AC3E}">
-        <p14:creationId xmlns:p14="http://schemas.microsoft.com/office/powerpoint/2010/main" val="2784672425"/>
-      </p:ext>
-    </p:extLst>
-  </p:cSld>
-  <p:clrMapOvr>
-    <a:masterClrMapping/>
-  </p:clrMapOvr>
-</p:sld>
-</file>
-
-<file path=ppt/slides/slide27.xml><?xml version="1.0" encoding="utf-8"?>
-<p:sld xmlns:a="http://schemas.openxmlformats.org/drawingml/2006/main" xmlns:r="http://schemas.openxmlformats.org/officeDocument/2006/relationships" xmlns:p="http://schemas.openxmlformats.org/presentationml/2006/main">
-  <p:cSld>
-    <p:spTree>
-      <p:nvGrpSpPr>
-        <p:cNvPr id="1" name=""/>
-        <p:cNvGrpSpPr/>
-        <p:nvPr/>
-      </p:nvGrpSpPr>
-      <p:grpSpPr>
-        <a:xfrm>
-          <a:off x="0" y="0"/>
-          <a:ext cx="0" cy="0"/>
-          <a:chOff x="0" y="0"/>
-          <a:chExt cx="0" cy="0"/>
-        </a:xfrm>
-      </p:grpSpPr>
-      <p:sp>
-        <p:nvSpPr>
-          <p:cNvPr id="2" name="Title 1">
-            <a:extLst>
-              <a:ext uri="{FF2B5EF4-FFF2-40B4-BE49-F238E27FC236}">
-                <a16:creationId xmlns:a16="http://schemas.microsoft.com/office/drawing/2014/main" id="{5B1BC57A-2EA1-4640-96D0-7381D8ECF3DD}"/>
-              </a:ext>
-            </a:extLst>
-          </p:cNvPr>
-          <p:cNvSpPr>
-            <a:spLocks noGrp="1"/>
-          </p:cNvSpPr>
-          <p:nvPr>
-            <p:ph type="title"/>
-          </p:nvPr>
-        </p:nvSpPr>
-        <p:spPr/>
-        <p:txBody>
-          <a:bodyPr/>
-          <a:lstStyle/>
-          <a:p>
-            <a:r>
-              <a:rPr lang="en-US" dirty="0"/>
-              <a:t>Questions?</a:t>
-            </a:r>
-          </a:p>
-        </p:txBody>
-      </p:sp>
-      <p:sp>
-        <p:nvSpPr>
-          <p:cNvPr id="3" name="Content Placeholder 2">
-            <a:extLst>
-              <a:ext uri="{FF2B5EF4-FFF2-40B4-BE49-F238E27FC236}">
-                <a16:creationId xmlns:a16="http://schemas.microsoft.com/office/drawing/2014/main" id="{20B65DA8-D449-49D9-BF3C-EF476B15801D}"/>
-              </a:ext>
-            </a:extLst>
-          </p:cNvPr>
-          <p:cNvSpPr>
-            <a:spLocks noGrp="1"/>
-          </p:cNvSpPr>
-          <p:nvPr>
-            <p:ph idx="1"/>
-          </p:nvPr>
-        </p:nvSpPr>
-        <p:spPr/>
-        <p:txBody>
-          <a:bodyPr/>
-          <a:lstStyle/>
-          <a:p>
-            <a:endParaRPr lang="en-US"/>
-          </a:p>
-        </p:txBody>
-      </p:sp>
-    </p:spTree>
-    <p:extLst>
-      <p:ext uri="{BB962C8B-B14F-4D97-AF65-F5344CB8AC3E}">
-        <p14:creationId xmlns:p14="http://schemas.microsoft.com/office/powerpoint/2010/main" val="3518543384"/>
-      </p:ext>
-    </p:extLst>
-  </p:cSld>
-  <p:clrMapOvr>
-    <a:masterClrMapping/>
-  </p:clrMapOvr>
-</p:sld>
-</file>
-
-<file path=ppt/slides/slide28.xml><?xml version="1.0" encoding="utf-8"?>
-<p:sld xmlns:a="http://schemas.openxmlformats.org/drawingml/2006/main" xmlns:r="http://schemas.openxmlformats.org/officeDocument/2006/relationships" xmlns:p="http://schemas.openxmlformats.org/presentationml/2006/main">
-  <p:cSld>
-    <p:spTree>
-      <p:nvGrpSpPr>
-        <p:cNvPr id="1" name=""/>
-        <p:cNvGrpSpPr/>
-        <p:nvPr/>
-      </p:nvGrpSpPr>
-      <p:grpSpPr>
-        <a:xfrm>
-          <a:off x="0" y="0"/>
-          <a:ext cx="0" cy="0"/>
-          <a:chOff x="0" y="0"/>
-          <a:chExt cx="0" cy="0"/>
-        </a:xfrm>
-      </p:grpSpPr>
-      <p:sp>
-        <p:nvSpPr>
-          <p:cNvPr id="2" name="Title 1"/>
-          <p:cNvSpPr>
-            <a:spLocks noGrp="1"/>
-          </p:cNvSpPr>
-          <p:nvPr>
-            <p:ph type="title"/>
-          </p:nvPr>
-        </p:nvSpPr>
-        <p:spPr/>
-        <p:txBody>
-          <a:bodyPr/>
-          <a:lstStyle/>
-          <a:p>
-            <a:r>
-              <a:rPr lang="en-US" dirty="0"/>
-              <a:t>Use Case Division</a:t>
-            </a:r>
-          </a:p>
-        </p:txBody>
-      </p:sp>
-      <p:sp>
-        <p:nvSpPr>
-          <p:cNvPr id="3" name="Content Placeholder 2"/>
-          <p:cNvSpPr>
-            <a:spLocks noGrp="1"/>
-          </p:cNvSpPr>
-          <p:nvPr>
-            <p:ph idx="1"/>
-          </p:nvPr>
-        </p:nvSpPr>
-        <p:spPr/>
-        <p:txBody>
-          <a:bodyPr/>
-          <a:lstStyle/>
-          <a:p>
-            <a:pPr>
-              <a:lnSpc>
-                <a:spcPct val="200000"/>
-              </a:lnSpc>
-            </a:pPr>
-            <a:r>
-              <a:rPr lang="en-US" dirty="0"/>
-              <a:t>Use Cases handled by Kevin</a:t>
-            </a:r>
-            <a:r>
-              <a:rPr lang="mr-IN" dirty="0"/>
-              <a:t>–</a:t>
-            </a:r>
-            <a:r>
-              <a:rPr lang="en-US" dirty="0"/>
-              <a:t> Make Account, Respond to a Message, Flag Comment</a:t>
-            </a:r>
-          </a:p>
-          <a:p>
-            <a:pPr>
-              <a:lnSpc>
-                <a:spcPct val="200000"/>
-              </a:lnSpc>
-            </a:pPr>
-            <a:r>
-              <a:rPr lang="en-US" dirty="0"/>
-              <a:t>Use Cases handled by Mark </a:t>
-            </a:r>
-            <a:r>
-              <a:rPr lang="mr-IN" dirty="0"/>
-              <a:t>–</a:t>
-            </a:r>
-            <a:r>
-              <a:rPr lang="en-US" dirty="0"/>
-              <a:t> Leave Review, Rate Review, Read Review</a:t>
-            </a:r>
-          </a:p>
-          <a:p>
-            <a:pPr>
-              <a:lnSpc>
-                <a:spcPct val="200000"/>
-              </a:lnSpc>
-            </a:pPr>
-            <a:r>
-              <a:rPr lang="en-US" dirty="0"/>
-              <a:t>Use Cases handled by Connor </a:t>
-            </a:r>
-            <a:r>
-              <a:rPr lang="mr-IN" dirty="0"/>
-              <a:t>–</a:t>
-            </a:r>
-            <a:r>
-              <a:rPr lang="en-US" dirty="0"/>
-              <a:t> Contact Student, Edit Review, Delete Account, Log Out </a:t>
-            </a:r>
-          </a:p>
-          <a:p>
-            <a:endParaRPr lang="en-US" dirty="0"/>
-          </a:p>
-        </p:txBody>
-      </p:sp>
-    </p:spTree>
-    <p:extLst>
-      <p:ext uri="{BB962C8B-B14F-4D97-AF65-F5344CB8AC3E}">
-        <p14:creationId xmlns:p14="http://schemas.microsoft.com/office/powerpoint/2010/main" val="3718819699"/>
-      </p:ext>
-    </p:extLst>
-  </p:cSld>
-  <p:clrMapOvr>
-    <a:masterClrMapping/>
-  </p:clrMapOvr>
-</p:sld>
-</file>
-
-<file path=ppt/slides/slide29.xml><?xml version="1.0" encoding="utf-8"?>
-<p:sld xmlns:a="http://schemas.openxmlformats.org/drawingml/2006/main" xmlns:r="http://schemas.openxmlformats.org/officeDocument/2006/relationships" xmlns:p="http://schemas.openxmlformats.org/presentationml/2006/main">
-  <p:cSld>
-    <p:spTree>
-      <p:nvGrpSpPr>
-        <p:cNvPr id="1" name=""/>
-        <p:cNvGrpSpPr/>
-        <p:nvPr/>
-      </p:nvGrpSpPr>
-      <p:grpSpPr>
-        <a:xfrm>
-          <a:off x="0" y="0"/>
-          <a:ext cx="0" cy="0"/>
-          <a:chOff x="0" y="0"/>
-          <a:chExt cx="0" cy="0"/>
-        </a:xfrm>
-      </p:grpSpPr>
-      <p:sp>
-        <p:nvSpPr>
-          <p:cNvPr id="2" name="Title 1">
-            <a:extLst>
-              <a:ext uri="{FF2B5EF4-FFF2-40B4-BE49-F238E27FC236}">
-                <a16:creationId xmlns:a16="http://schemas.microsoft.com/office/drawing/2014/main" id="{5323A336-6660-4341-BB47-0D713E4C2011}"/>
-              </a:ext>
-            </a:extLst>
-          </p:cNvPr>
-          <p:cNvSpPr>
-            <a:spLocks noGrp="1"/>
-          </p:cNvSpPr>
-          <p:nvPr>
-            <p:ph type="title"/>
-          </p:nvPr>
-        </p:nvSpPr>
-        <p:spPr/>
-        <p:txBody>
-          <a:bodyPr/>
-          <a:lstStyle/>
-          <a:p>
-            <a:r>
-              <a:rPr lang="en-US" dirty="0"/>
-              <a:t>Make an account</a:t>
-            </a:r>
-          </a:p>
-        </p:txBody>
-      </p:sp>
-      <p:sp>
-        <p:nvSpPr>
-          <p:cNvPr id="3" name="Content Placeholder 2">
-            <a:extLst>
-              <a:ext uri="{FF2B5EF4-FFF2-40B4-BE49-F238E27FC236}">
-                <a16:creationId xmlns:a16="http://schemas.microsoft.com/office/drawing/2014/main" id="{C8309BAB-B4D9-4274-BAFF-C418BD84D7E7}"/>
-              </a:ext>
-            </a:extLst>
-          </p:cNvPr>
-          <p:cNvSpPr>
-            <a:spLocks noGrp="1"/>
-          </p:cNvSpPr>
-          <p:nvPr>
-            <p:ph idx="1"/>
-          </p:nvPr>
-        </p:nvSpPr>
-        <p:spPr>
-          <a:xfrm>
-            <a:off x="1251678" y="1395662"/>
-            <a:ext cx="10178322" cy="5462337"/>
-          </a:xfrm>
-        </p:spPr>
-        <p:txBody>
-          <a:bodyPr>
-            <a:normAutofit fontScale="40000" lnSpcReduction="20000"/>
-          </a:bodyPr>
-          <a:lstStyle/>
-          <a:p>
-            <a:pPr marL="0" indent="0">
-              <a:buNone/>
-            </a:pPr>
-            <a:r>
-              <a:rPr lang="en-US" dirty="0"/>
-              <a:t>Make an Account</a:t>
-            </a:r>
-          </a:p>
-          <a:p>
-            <a:pPr marL="0" indent="0">
-              <a:buNone/>
-            </a:pPr>
-            <a:r>
-              <a:rPr lang="en-US" dirty="0"/>
-              <a:t>Scope: GCC Application</a:t>
-            </a:r>
-          </a:p>
-          <a:p>
-            <a:pPr marL="0" indent="0">
-              <a:buNone/>
-            </a:pPr>
-            <a:r>
-              <a:rPr lang="en-US" dirty="0"/>
-              <a:t>Level: User Goal</a:t>
-            </a:r>
-          </a:p>
-          <a:p>
-            <a:pPr marL="0" indent="0">
-              <a:buNone/>
-            </a:pPr>
-            <a:r>
-              <a:rPr lang="en-US" dirty="0"/>
-              <a:t>Primary Actor: Student</a:t>
-            </a:r>
-          </a:p>
-          <a:p>
-            <a:pPr marL="0" indent="0">
-              <a:buNone/>
-            </a:pPr>
-            <a:r>
-              <a:rPr lang="en-US" dirty="0"/>
-              <a:t>Stakeholders and Interests:</a:t>
-            </a:r>
-          </a:p>
-          <a:p>
-            <a:pPr marL="0" indent="0">
-              <a:buNone/>
-            </a:pPr>
-            <a:r>
-              <a:rPr lang="en-US" dirty="0"/>
-              <a:t>    Student User: Wants username and password stored and hashed for security.</a:t>
-            </a:r>
-          </a:p>
-          <a:p>
-            <a:pPr marL="0" indent="0">
-              <a:buNone/>
-            </a:pPr>
-            <a:r>
-              <a:rPr lang="en-US" dirty="0"/>
-              <a:t>Preconditions: Student has loaded the site</a:t>
-            </a:r>
-          </a:p>
-          <a:p>
-            <a:pPr marL="0" indent="0">
-              <a:buNone/>
-            </a:pPr>
-            <a:r>
-              <a:rPr lang="en-US" dirty="0"/>
-              <a:t>Success Guarantee: Students data is hashed and saved into database. Immediate access to the application is granted.</a:t>
-            </a:r>
-          </a:p>
-          <a:p>
-            <a:pPr marL="0" indent="0">
-              <a:buNone/>
-            </a:pPr>
-            <a:r>
-              <a:rPr lang="en-US" dirty="0"/>
-              <a:t>Main Success Scenario:</a:t>
-            </a:r>
-          </a:p>
-          <a:p>
-            <a:pPr marL="0" indent="0">
-              <a:buNone/>
-            </a:pPr>
-            <a:r>
-              <a:rPr lang="en-US" dirty="0"/>
-              <a:t>    Student loads application.</a:t>
-            </a:r>
-          </a:p>
-          <a:p>
-            <a:pPr marL="0" indent="0">
-              <a:buNone/>
-            </a:pPr>
-            <a:r>
-              <a:rPr lang="en-US" dirty="0"/>
-              <a:t>    Student requests a new account.</a:t>
-            </a:r>
-          </a:p>
-          <a:p>
-            <a:pPr marL="0" indent="0">
-              <a:buNone/>
-            </a:pPr>
-            <a:r>
-              <a:rPr lang="en-US" dirty="0"/>
-              <a:t>    Student enters Username, Password and, email, etc.</a:t>
-            </a:r>
-          </a:p>
-          <a:p>
-            <a:pPr marL="0" indent="0">
-              <a:buNone/>
-            </a:pPr>
-            <a:r>
-              <a:rPr lang="en-US" dirty="0"/>
-              <a:t>    System updates valid students list with new student.</a:t>
-            </a:r>
-          </a:p>
-          <a:p>
-            <a:pPr marL="0" indent="0">
-              <a:buNone/>
-            </a:pPr>
-            <a:r>
-              <a:rPr lang="en-US" dirty="0"/>
-              <a:t>    Student Logs in.</a:t>
-            </a:r>
-          </a:p>
-          <a:p>
-            <a:pPr marL="0" indent="0">
-              <a:buNone/>
-            </a:pPr>
-            <a:r>
-              <a:rPr lang="en-US" dirty="0"/>
-              <a:t>Alternative Flows:</a:t>
-            </a:r>
-          </a:p>
-          <a:p>
-            <a:pPr marL="0" indent="0">
-              <a:buNone/>
-            </a:pPr>
-            <a:r>
-              <a:rPr lang="en-US" dirty="0"/>
-              <a:t>a. At any time the student closes the application.</a:t>
-            </a:r>
-          </a:p>
-          <a:p>
-            <a:pPr marL="0" indent="0">
-              <a:buNone/>
-            </a:pPr>
-            <a:r>
-              <a:rPr lang="en-US" dirty="0"/>
-              <a:t>    1. Interaction ends.</a:t>
-            </a:r>
-          </a:p>
-          <a:p>
-            <a:pPr marL="0" indent="0">
-              <a:buNone/>
-            </a:pPr>
-            <a:r>
-              <a:rPr lang="en-US" dirty="0"/>
-              <a:t>b. At any time system fails.</a:t>
-            </a:r>
-          </a:p>
-          <a:p>
-            <a:pPr marL="0" indent="0">
-              <a:buNone/>
-            </a:pPr>
-            <a:r>
-              <a:rPr lang="en-US" dirty="0"/>
-              <a:t>    1. Student will restart application.</a:t>
-            </a:r>
-          </a:p>
-          <a:p>
-            <a:pPr marL="0" indent="0">
-              <a:buNone/>
-            </a:pPr>
-            <a:r>
-              <a:rPr lang="en-US" dirty="0"/>
-              <a:t>c. While student is on register page, they would like to login with valid credentials(the realized they had an account already)</a:t>
-            </a:r>
-          </a:p>
-          <a:p>
-            <a:pPr marL="0" indent="0">
-              <a:buNone/>
-            </a:pPr>
-            <a:r>
-              <a:rPr lang="en-US" dirty="0"/>
-              <a:t>    1. Student clicks `return to login` and logs in with valid username and password.</a:t>
-            </a:r>
-          </a:p>
-          <a:p>
-            <a:pPr marL="0" indent="0">
-              <a:buNone/>
-            </a:pPr>
-            <a:r>
-              <a:rPr lang="en-US" dirty="0"/>
-              <a:t>d. Username and password from account creation do not work.</a:t>
-            </a:r>
-          </a:p>
-          <a:p>
-            <a:pPr marL="0" indent="0">
-              <a:buNone/>
-            </a:pPr>
-            <a:r>
-              <a:rPr lang="en-US" dirty="0"/>
-              <a:t>    1. Prompt student to reset password with security question.</a:t>
-            </a:r>
-          </a:p>
-          <a:p>
-            <a:pPr marL="0" indent="0">
-              <a:buNone/>
-            </a:pPr>
-            <a:r>
-              <a:rPr lang="en-US" dirty="0"/>
-              <a:t>        1.1. Student answers security question correctly</a:t>
-            </a:r>
-          </a:p>
-          <a:p>
-            <a:pPr marL="0" indent="0">
-              <a:buNone/>
-            </a:pPr>
-            <a:r>
-              <a:rPr lang="en-US" dirty="0"/>
-              <a:t>            1.1.1. Student resets password.</a:t>
-            </a:r>
-          </a:p>
-          <a:p>
-            <a:pPr marL="0" indent="0">
-              <a:buNone/>
-            </a:pPr>
-            <a:r>
-              <a:rPr lang="en-US" dirty="0"/>
-              <a:t>        1.2. Student does not answer security question correctly</a:t>
-            </a:r>
-          </a:p>
-          <a:p>
-            <a:pPr marL="0" indent="0">
-              <a:buNone/>
-            </a:pPr>
-            <a:r>
-              <a:rPr lang="en-US" dirty="0"/>
-              <a:t>            1.2.1 Student is returned to login page.</a:t>
-            </a:r>
-          </a:p>
-        </p:txBody>
-      </p:sp>
-    </p:spTree>
-    <p:extLst>
-      <p:ext uri="{BB962C8B-B14F-4D97-AF65-F5344CB8AC3E}">
-        <p14:creationId xmlns:p14="http://schemas.microsoft.com/office/powerpoint/2010/main" val="2467617447"/>
-      </p:ext>
-    </p:extLst>
-  </p:cSld>
-  <p:clrMapOvr>
-    <a:masterClrMapping/>
-  </p:clrMapOvr>
-</p:sld>
-</file>
-
-<file path=ppt/slides/slide3.xml><?xml version="1.0" encoding="utf-8"?>
-<p:sld xmlns:a="http://schemas.openxmlformats.org/drawingml/2006/main" xmlns:r="http://schemas.openxmlformats.org/officeDocument/2006/relationships" xmlns:p="http://schemas.openxmlformats.org/presentationml/2006/main">
-  <p:cSld>
-    <p:spTree>
-      <p:nvGrpSpPr>
-        <p:cNvPr id="1" name=""/>
-        <p:cNvGrpSpPr/>
-        <p:nvPr/>
-      </p:nvGrpSpPr>
-      <p:grpSpPr>
-        <a:xfrm>
-          <a:off x="0" y="0"/>
-          <a:ext cx="0" cy="0"/>
-          <a:chOff x="0" y="0"/>
-          <a:chExt cx="0" cy="0"/>
-        </a:xfrm>
-      </p:grpSpPr>
-      <p:sp>
-        <p:nvSpPr>
-          <p:cNvPr id="2" name="Title 1">
-            <a:extLst>
-              <a:ext uri="{FF2B5EF4-FFF2-40B4-BE49-F238E27FC236}">
-                <a16:creationId xmlns:a16="http://schemas.microsoft.com/office/drawing/2014/main" id="{AAE86C0E-A634-408D-BC14-34D305CC0D8A}"/>
-              </a:ext>
-            </a:extLst>
-          </p:cNvPr>
-          <p:cNvSpPr>
-            <a:spLocks noGrp="1"/>
-          </p:cNvSpPr>
-          <p:nvPr>
-            <p:ph type="title"/>
-          </p:nvPr>
-        </p:nvSpPr>
-        <p:spPr>
-          <a:xfrm>
-            <a:off x="1251678" y="382385"/>
-            <a:ext cx="10178322" cy="1492132"/>
-          </a:xfrm>
-        </p:spPr>
-        <p:txBody>
-          <a:bodyPr/>
-          <a:lstStyle/>
-          <a:p>
-            <a:r>
-              <a:rPr lang="en-US" dirty="0"/>
-              <a:t>Wireframes</a:t>
-            </a:r>
-          </a:p>
-        </p:txBody>
-      </p:sp>
-      <p:pic>
-        <p:nvPicPr>
-          <p:cNvPr id="10" name="Picture 9" descr="A screenshot of a cell phone&#10;&#10;Description automatically generated">
-            <a:extLst>
-              <a:ext uri="{FF2B5EF4-FFF2-40B4-BE49-F238E27FC236}">
-                <a16:creationId xmlns:a16="http://schemas.microsoft.com/office/drawing/2014/main" id="{A315453C-0D00-45E2-ADF9-940966D9F270}"/>
-              </a:ext>
-            </a:extLst>
-          </p:cNvPr>
-          <p:cNvPicPr>
-            <a:picLocks noChangeAspect="1"/>
-          </p:cNvPicPr>
-          <p:nvPr/>
-        </p:nvPicPr>
-        <p:blipFill>
-          <a:blip r:embed="rId2">
-            <a:extLst>
-              <a:ext uri="{28A0092B-C50C-407E-A947-70E740481C1C}">
-                <a14:useLocalDpi xmlns:a14="http://schemas.microsoft.com/office/drawing/2010/main" val="0"/>
-              </a:ext>
-            </a:extLst>
-          </a:blip>
-          <a:stretch>
-            <a:fillRect/>
-          </a:stretch>
-        </p:blipFill>
-        <p:spPr>
-          <a:xfrm>
-            <a:off x="2162052" y="1444003"/>
-            <a:ext cx="7867895" cy="4955412"/>
-          </a:xfrm>
-          <a:prstGeom prst="rect">
-            <a:avLst/>
-          </a:prstGeom>
-        </p:spPr>
-      </p:pic>
-    </p:spTree>
-    <p:extLst>
-      <p:ext uri="{BB962C8B-B14F-4D97-AF65-F5344CB8AC3E}">
-        <p14:creationId xmlns:p14="http://schemas.microsoft.com/office/powerpoint/2010/main" val="1374272010"/>
-      </p:ext>
-    </p:extLst>
-  </p:cSld>
-  <p:clrMapOvr>
-    <a:masterClrMapping/>
-  </p:clrMapOvr>
-</p:sld>
-</file>
-
-<file path=ppt/slides/slide30.xml><?xml version="1.0" encoding="utf-8"?>
 <p:sld xmlns:a="http://schemas.openxmlformats.org/drawingml/2006/main" xmlns:r="http://schemas.openxmlformats.org/officeDocument/2006/relationships" xmlns:p="http://schemas.openxmlformats.org/presentationml/2006/main">
   <p:cSld>
     <p:spTree>
@@ -10794,10 +10285,67 @@
           </a:p>
         </p:txBody>
       </p:sp>
+      <p:sp>
+        <p:nvSpPr>
+          <p:cNvPr id="4" name="Footer Placeholder 3">
+            <a:extLst>
+              <a:ext uri="{FF2B5EF4-FFF2-40B4-BE49-F238E27FC236}">
+                <a16:creationId xmlns:a16="http://schemas.microsoft.com/office/drawing/2014/main" id="{46AD2A21-DAC4-4365-A0EC-03216C4FE1DE}"/>
+              </a:ext>
+            </a:extLst>
+          </p:cNvPr>
+          <p:cNvSpPr>
+            <a:spLocks noGrp="1"/>
+          </p:cNvSpPr>
+          <p:nvPr>
+            <p:ph type="ftr" sz="quarter" idx="11"/>
+          </p:nvPr>
+        </p:nvSpPr>
+        <p:spPr/>
+        <p:txBody>
+          <a:bodyPr/>
+          <a:lstStyle/>
+          <a:p>
+            <a:r>
+              <a:rPr lang="en-US"/>
+              <a:t>Mark Fuller, Kevin Kulda, Connor Woodahl --- https://github.com/markfuller/BNU</a:t>
+            </a:r>
+          </a:p>
+        </p:txBody>
+      </p:sp>
+      <p:sp>
+        <p:nvSpPr>
+          <p:cNvPr id="6" name="Slide Number Placeholder 5">
+            <a:extLst>
+              <a:ext uri="{FF2B5EF4-FFF2-40B4-BE49-F238E27FC236}">
+                <a16:creationId xmlns:a16="http://schemas.microsoft.com/office/drawing/2014/main" id="{4508CCCE-7054-41F6-9675-0D9DC159E9CF}"/>
+              </a:ext>
+            </a:extLst>
+          </p:cNvPr>
+          <p:cNvSpPr>
+            <a:spLocks noGrp="1"/>
+          </p:cNvSpPr>
+          <p:nvPr>
+            <p:ph type="sldNum" sz="quarter" idx="12"/>
+          </p:nvPr>
+        </p:nvSpPr>
+        <p:spPr/>
+        <p:txBody>
+          <a:bodyPr/>
+          <a:lstStyle/>
+          <a:p>
+            <a:fld id="{40FC477F-3197-4E88-B387-83A53B82C48D}" type="slidenum">
+              <a:rPr lang="en-US" smtClean="0"/>
+              <a:t>16</a:t>
+            </a:fld>
+            <a:endParaRPr lang="en-US"/>
+          </a:p>
+        </p:txBody>
+      </p:sp>
     </p:spTree>
     <p:extLst>
       <p:ext uri="{BB962C8B-B14F-4D97-AF65-F5344CB8AC3E}">
-        <p14:creationId xmlns:p14="http://schemas.microsoft.com/office/powerpoint/2010/main" val="2294061808"/>
+        <p14:creationId xmlns:p14="http://schemas.microsoft.com/office/powerpoint/2010/main" val="3548083432"/>
       </p:ext>
     </p:extLst>
   </p:cSld>
@@ -10807,7 +10355,7 @@
 </p:sld>
 </file>
 
-<file path=ppt/slides/slide31.xml><?xml version="1.0" encoding="utf-8"?>
+<file path=ppt/slides/slide17.xml><?xml version="1.0" encoding="utf-8"?>
 <p:sld xmlns:a="http://schemas.openxmlformats.org/drawingml/2006/main" xmlns:r="http://schemas.openxmlformats.org/officeDocument/2006/relationships" xmlns:p="http://schemas.openxmlformats.org/presentationml/2006/main">
   <p:cSld>
     <p:spTree>
@@ -11476,10 +11024,67 @@
           </a:p>
         </p:txBody>
       </p:sp>
+      <p:sp>
+        <p:nvSpPr>
+          <p:cNvPr id="4" name="Footer Placeholder 3">
+            <a:extLst>
+              <a:ext uri="{FF2B5EF4-FFF2-40B4-BE49-F238E27FC236}">
+                <a16:creationId xmlns:a16="http://schemas.microsoft.com/office/drawing/2014/main" id="{13F3B150-03AB-470B-94D6-9EEC4E6B9C00}"/>
+              </a:ext>
+            </a:extLst>
+          </p:cNvPr>
+          <p:cNvSpPr>
+            <a:spLocks noGrp="1"/>
+          </p:cNvSpPr>
+          <p:nvPr>
+            <p:ph type="ftr" sz="quarter" idx="11"/>
+          </p:nvPr>
+        </p:nvSpPr>
+        <p:spPr/>
+        <p:txBody>
+          <a:bodyPr/>
+          <a:lstStyle/>
+          <a:p>
+            <a:r>
+              <a:rPr lang="en-US"/>
+              <a:t>Mark Fuller, Kevin Kulda, Connor Woodahl --- https://github.com/markfuller/BNU</a:t>
+            </a:r>
+          </a:p>
+        </p:txBody>
+      </p:sp>
+      <p:sp>
+        <p:nvSpPr>
+          <p:cNvPr id="6" name="Slide Number Placeholder 5">
+            <a:extLst>
+              <a:ext uri="{FF2B5EF4-FFF2-40B4-BE49-F238E27FC236}">
+                <a16:creationId xmlns:a16="http://schemas.microsoft.com/office/drawing/2014/main" id="{83F92CEC-DE35-4530-8D13-183829C85C4A}"/>
+              </a:ext>
+            </a:extLst>
+          </p:cNvPr>
+          <p:cNvSpPr>
+            <a:spLocks noGrp="1"/>
+          </p:cNvSpPr>
+          <p:nvPr>
+            <p:ph type="sldNum" sz="quarter" idx="12"/>
+          </p:nvPr>
+        </p:nvSpPr>
+        <p:spPr/>
+        <p:txBody>
+          <a:bodyPr/>
+          <a:lstStyle/>
+          <a:p>
+            <a:fld id="{40FC477F-3197-4E88-B387-83A53B82C48D}" type="slidenum">
+              <a:rPr lang="en-US" smtClean="0"/>
+              <a:t>17</a:t>
+            </a:fld>
+            <a:endParaRPr lang="en-US"/>
+          </a:p>
+        </p:txBody>
+      </p:sp>
     </p:spTree>
     <p:extLst>
       <p:ext uri="{BB962C8B-B14F-4D97-AF65-F5344CB8AC3E}">
-        <p14:creationId xmlns:p14="http://schemas.microsoft.com/office/powerpoint/2010/main" val="3849740211"/>
+        <p14:creationId xmlns:p14="http://schemas.microsoft.com/office/powerpoint/2010/main" val="2226360712"/>
       </p:ext>
     </p:extLst>
   </p:cSld>
@@ -11489,7 +11094,7 @@
 </p:sld>
 </file>
 
-<file path=ppt/slides/slide32.xml><?xml version="1.0" encoding="utf-8"?>
+<file path=ppt/slides/slide18.xml><?xml version="1.0" encoding="utf-8"?>
 <p:sld xmlns:a="http://schemas.openxmlformats.org/drawingml/2006/main" xmlns:r="http://schemas.openxmlformats.org/officeDocument/2006/relationships" xmlns:p="http://schemas.openxmlformats.org/presentationml/2006/main">
   <p:cSld>
     <p:spTree>
@@ -12151,10 +11756,2722 @@
           </a:p>
         </p:txBody>
       </p:sp>
+      <p:sp>
+        <p:nvSpPr>
+          <p:cNvPr id="4" name="Footer Placeholder 3">
+            <a:extLst>
+              <a:ext uri="{FF2B5EF4-FFF2-40B4-BE49-F238E27FC236}">
+                <a16:creationId xmlns:a16="http://schemas.microsoft.com/office/drawing/2014/main" id="{64387F22-E04D-482C-B04E-74CE7F40CBDB}"/>
+              </a:ext>
+            </a:extLst>
+          </p:cNvPr>
+          <p:cNvSpPr>
+            <a:spLocks noGrp="1"/>
+          </p:cNvSpPr>
+          <p:nvPr>
+            <p:ph type="ftr" sz="quarter" idx="11"/>
+          </p:nvPr>
+        </p:nvSpPr>
+        <p:spPr/>
+        <p:txBody>
+          <a:bodyPr/>
+          <a:lstStyle/>
+          <a:p>
+            <a:r>
+              <a:rPr lang="en-US"/>
+              <a:t>Mark Fuller, Kevin Kulda, Connor Woodahl --- https://github.com/markfuller/BNU</a:t>
+            </a:r>
+          </a:p>
+        </p:txBody>
+      </p:sp>
+      <p:sp>
+        <p:nvSpPr>
+          <p:cNvPr id="6" name="Slide Number Placeholder 5">
+            <a:extLst>
+              <a:ext uri="{FF2B5EF4-FFF2-40B4-BE49-F238E27FC236}">
+                <a16:creationId xmlns:a16="http://schemas.microsoft.com/office/drawing/2014/main" id="{1B7F342B-4F6D-45A2-8D44-CB1DB1993077}"/>
+              </a:ext>
+            </a:extLst>
+          </p:cNvPr>
+          <p:cNvSpPr>
+            <a:spLocks noGrp="1"/>
+          </p:cNvSpPr>
+          <p:nvPr>
+            <p:ph type="sldNum" sz="quarter" idx="12"/>
+          </p:nvPr>
+        </p:nvSpPr>
+        <p:spPr/>
+        <p:txBody>
+          <a:bodyPr/>
+          <a:lstStyle/>
+          <a:p>
+            <a:fld id="{40FC477F-3197-4E88-B387-83A53B82C48D}" type="slidenum">
+              <a:rPr lang="en-US" smtClean="0"/>
+              <a:t>18</a:t>
+            </a:fld>
+            <a:endParaRPr lang="en-US"/>
+          </a:p>
+        </p:txBody>
+      </p:sp>
     </p:spTree>
     <p:extLst>
       <p:ext uri="{BB962C8B-B14F-4D97-AF65-F5344CB8AC3E}">
-        <p14:creationId xmlns:p14="http://schemas.microsoft.com/office/powerpoint/2010/main" val="3237946457"/>
+        <p14:creationId xmlns:p14="http://schemas.microsoft.com/office/powerpoint/2010/main" val="928251877"/>
+      </p:ext>
+    </p:extLst>
+  </p:cSld>
+  <p:clrMapOvr>
+    <a:masterClrMapping/>
+  </p:clrMapOvr>
+</p:sld>
+</file>
+
+<file path=ppt/slides/slide19.xml><?xml version="1.0" encoding="utf-8"?>
+<p:sld xmlns:a="http://schemas.openxmlformats.org/drawingml/2006/main" xmlns:r="http://schemas.openxmlformats.org/officeDocument/2006/relationships" xmlns:p="http://schemas.openxmlformats.org/presentationml/2006/main">
+  <p:cSld>
+    <p:spTree>
+      <p:nvGrpSpPr>
+        <p:cNvPr id="1" name=""/>
+        <p:cNvGrpSpPr/>
+        <p:nvPr/>
+      </p:nvGrpSpPr>
+      <p:grpSpPr>
+        <a:xfrm>
+          <a:off x="0" y="0"/>
+          <a:ext cx="0" cy="0"/>
+          <a:chOff x="0" y="0"/>
+          <a:chExt cx="0" cy="0"/>
+        </a:xfrm>
+      </p:grpSpPr>
+      <p:sp>
+        <p:nvSpPr>
+          <p:cNvPr id="2" name="Title 1">
+            <a:extLst>
+              <a:ext uri="{FF2B5EF4-FFF2-40B4-BE49-F238E27FC236}">
+                <a16:creationId xmlns:a16="http://schemas.microsoft.com/office/drawing/2014/main" id="{AAE86C0E-A634-408D-BC14-34D305CC0D8A}"/>
+              </a:ext>
+            </a:extLst>
+          </p:cNvPr>
+          <p:cNvSpPr>
+            <a:spLocks noGrp="1"/>
+          </p:cNvSpPr>
+          <p:nvPr>
+            <p:ph type="title"/>
+          </p:nvPr>
+        </p:nvSpPr>
+        <p:spPr>
+          <a:xfrm>
+            <a:off x="1251678" y="382385"/>
+            <a:ext cx="10178322" cy="1492132"/>
+          </a:xfrm>
+        </p:spPr>
+        <p:txBody>
+          <a:bodyPr/>
+          <a:lstStyle/>
+          <a:p>
+            <a:r>
+              <a:rPr lang="en-US" dirty="0"/>
+              <a:t>Git Hub page</a:t>
+            </a:r>
+          </a:p>
+        </p:txBody>
+      </p:sp>
+      <p:sp>
+        <p:nvSpPr>
+          <p:cNvPr id="3" name="TextBox 2">
+            <a:extLst>
+              <a:ext uri="{FF2B5EF4-FFF2-40B4-BE49-F238E27FC236}">
+                <a16:creationId xmlns:a16="http://schemas.microsoft.com/office/drawing/2014/main" id="{1F81B41F-F55D-43FD-9539-70B85D300693}"/>
+              </a:ext>
+            </a:extLst>
+          </p:cNvPr>
+          <p:cNvSpPr txBox="1"/>
+          <p:nvPr/>
+        </p:nvSpPr>
+        <p:spPr>
+          <a:xfrm>
+            <a:off x="3153139" y="3244334"/>
+            <a:ext cx="6375400" cy="369332"/>
+          </a:xfrm>
+          <a:prstGeom prst="rect">
+            <a:avLst/>
+          </a:prstGeom>
+          <a:noFill/>
+        </p:spPr>
+        <p:txBody>
+          <a:bodyPr wrap="square" rtlCol="0">
+            <a:spAutoFit/>
+          </a:bodyPr>
+          <a:lstStyle/>
+          <a:p>
+            <a:r>
+              <a:rPr lang="en-US" dirty="0">
+                <a:hlinkClick r:id="rId2"/>
+              </a:rPr>
+              <a:t>https://github.com/MarkFuller1/BNU/</a:t>
+            </a:r>
+            <a:endParaRPr lang="en-US" dirty="0"/>
+          </a:p>
+        </p:txBody>
+      </p:sp>
+      <p:sp>
+        <p:nvSpPr>
+          <p:cNvPr id="4" name="TextBox 3">
+            <a:extLst>
+              <a:ext uri="{FF2B5EF4-FFF2-40B4-BE49-F238E27FC236}">
+                <a16:creationId xmlns:a16="http://schemas.microsoft.com/office/drawing/2014/main" id="{F960391E-A0E3-4D04-9B0C-A9D5F1340C6D}"/>
+              </a:ext>
+            </a:extLst>
+          </p:cNvPr>
+          <p:cNvSpPr txBox="1"/>
+          <p:nvPr/>
+        </p:nvSpPr>
+        <p:spPr>
+          <a:xfrm>
+            <a:off x="2005262" y="1874517"/>
+            <a:ext cx="6705601" cy="646331"/>
+          </a:xfrm>
+          <a:prstGeom prst="rect">
+            <a:avLst/>
+          </a:prstGeom>
+          <a:noFill/>
+        </p:spPr>
+        <p:txBody>
+          <a:bodyPr wrap="square" rtlCol="0">
+            <a:spAutoFit/>
+          </a:bodyPr>
+          <a:lstStyle/>
+          <a:p>
+            <a:r>
+              <a:rPr lang="en-US" dirty="0"/>
+              <a:t>Please see our </a:t>
+            </a:r>
+            <a:r>
+              <a:rPr lang="en-US" dirty="0" err="1"/>
+              <a:t>Github</a:t>
+            </a:r>
+            <a:r>
+              <a:rPr lang="en-US" dirty="0"/>
+              <a:t> page for the current versions of our development materials and the full repository of our project artifacts.</a:t>
+            </a:r>
+          </a:p>
+        </p:txBody>
+      </p:sp>
+      <p:sp>
+        <p:nvSpPr>
+          <p:cNvPr id="5" name="Footer Placeholder 4">
+            <a:extLst>
+              <a:ext uri="{FF2B5EF4-FFF2-40B4-BE49-F238E27FC236}">
+                <a16:creationId xmlns:a16="http://schemas.microsoft.com/office/drawing/2014/main" id="{41EE32DB-E88E-4825-AF2D-AC74157C06AD}"/>
+              </a:ext>
+            </a:extLst>
+          </p:cNvPr>
+          <p:cNvSpPr>
+            <a:spLocks noGrp="1"/>
+          </p:cNvSpPr>
+          <p:nvPr>
+            <p:ph type="ftr" sz="quarter" idx="11"/>
+          </p:nvPr>
+        </p:nvSpPr>
+        <p:spPr/>
+        <p:txBody>
+          <a:bodyPr/>
+          <a:lstStyle/>
+          <a:p>
+            <a:r>
+              <a:rPr lang="en-US"/>
+              <a:t>Mark Fuller, Kevin Kulda, Connor Woodahl --- https://github.com/markfuller/BNU</a:t>
+            </a:r>
+          </a:p>
+        </p:txBody>
+      </p:sp>
+      <p:sp>
+        <p:nvSpPr>
+          <p:cNvPr id="6" name="Slide Number Placeholder 5">
+            <a:extLst>
+              <a:ext uri="{FF2B5EF4-FFF2-40B4-BE49-F238E27FC236}">
+                <a16:creationId xmlns:a16="http://schemas.microsoft.com/office/drawing/2014/main" id="{DEAB2B53-F979-442A-AEAD-20B82FACD644}"/>
+              </a:ext>
+            </a:extLst>
+          </p:cNvPr>
+          <p:cNvSpPr>
+            <a:spLocks noGrp="1"/>
+          </p:cNvSpPr>
+          <p:nvPr>
+            <p:ph type="sldNum" sz="quarter" idx="12"/>
+          </p:nvPr>
+        </p:nvSpPr>
+        <p:spPr/>
+        <p:txBody>
+          <a:bodyPr/>
+          <a:lstStyle/>
+          <a:p>
+            <a:fld id="{40FC477F-3197-4E88-B387-83A53B82C48D}" type="slidenum">
+              <a:rPr lang="en-US" smtClean="0"/>
+              <a:t>19</a:t>
+            </a:fld>
+            <a:endParaRPr lang="en-US"/>
+          </a:p>
+        </p:txBody>
+      </p:sp>
+    </p:spTree>
+    <p:extLst>
+      <p:ext uri="{BB962C8B-B14F-4D97-AF65-F5344CB8AC3E}">
+        <p14:creationId xmlns:p14="http://schemas.microsoft.com/office/powerpoint/2010/main" val="685163542"/>
+      </p:ext>
+    </p:extLst>
+  </p:cSld>
+  <p:clrMapOvr>
+    <a:masterClrMapping/>
+  </p:clrMapOvr>
+</p:sld>
+</file>
+
+<file path=ppt/slides/slide2.xml><?xml version="1.0" encoding="utf-8"?>
+<p:sld xmlns:a="http://schemas.openxmlformats.org/drawingml/2006/main" xmlns:r="http://schemas.openxmlformats.org/officeDocument/2006/relationships" xmlns:p="http://schemas.openxmlformats.org/presentationml/2006/main">
+  <p:cSld>
+    <p:spTree>
+      <p:nvGrpSpPr>
+        <p:cNvPr id="1" name=""/>
+        <p:cNvGrpSpPr/>
+        <p:nvPr/>
+      </p:nvGrpSpPr>
+      <p:grpSpPr>
+        <a:xfrm>
+          <a:off x="0" y="0"/>
+          <a:ext cx="0" cy="0"/>
+          <a:chOff x="0" y="0"/>
+          <a:chExt cx="0" cy="0"/>
+        </a:xfrm>
+      </p:grpSpPr>
+      <p:sp>
+        <p:nvSpPr>
+          <p:cNvPr id="2" name="Title 1">
+            <a:extLst>
+              <a:ext uri="{FF2B5EF4-FFF2-40B4-BE49-F238E27FC236}">
+                <a16:creationId xmlns:a16="http://schemas.microsoft.com/office/drawing/2014/main" id="{87428A48-AA04-4C96-9BAD-885764210535}"/>
+              </a:ext>
+            </a:extLst>
+          </p:cNvPr>
+          <p:cNvSpPr>
+            <a:spLocks noGrp="1"/>
+          </p:cNvSpPr>
+          <p:nvPr>
+            <p:ph type="title"/>
+          </p:nvPr>
+        </p:nvSpPr>
+        <p:spPr/>
+        <p:txBody>
+          <a:bodyPr/>
+          <a:lstStyle/>
+          <a:p>
+            <a:r>
+              <a:rPr lang="en-US" dirty="0"/>
+              <a:t>Baylor Class Connect</a:t>
+            </a:r>
+          </a:p>
+        </p:txBody>
+      </p:sp>
+      <p:sp>
+        <p:nvSpPr>
+          <p:cNvPr id="3" name="Content Placeholder 2">
+            <a:extLst>
+              <a:ext uri="{FF2B5EF4-FFF2-40B4-BE49-F238E27FC236}">
+                <a16:creationId xmlns:a16="http://schemas.microsoft.com/office/drawing/2014/main" id="{BB9C52C1-4AD0-4C63-AAC1-DE000881C6C4}"/>
+              </a:ext>
+            </a:extLst>
+          </p:cNvPr>
+          <p:cNvSpPr>
+            <a:spLocks noGrp="1"/>
+          </p:cNvSpPr>
+          <p:nvPr>
+            <p:ph idx="1"/>
+          </p:nvPr>
+        </p:nvSpPr>
+        <p:spPr>
+          <a:xfrm>
+            <a:off x="1251678" y="3264409"/>
+            <a:ext cx="10178322" cy="3593591"/>
+          </a:xfrm>
+        </p:spPr>
+        <p:txBody>
+          <a:bodyPr/>
+          <a:lstStyle/>
+          <a:p>
+            <a:r>
+              <a:rPr lang="en-US" dirty="0"/>
+              <a:t>BCC is a tool used by students to rate their current teachers, view reviews of future teachers and contact previous students who have had those teachers</a:t>
+            </a:r>
+          </a:p>
+        </p:txBody>
+      </p:sp>
+      <p:sp>
+        <p:nvSpPr>
+          <p:cNvPr id="4" name="Footer Placeholder 3">
+            <a:extLst>
+              <a:ext uri="{FF2B5EF4-FFF2-40B4-BE49-F238E27FC236}">
+                <a16:creationId xmlns:a16="http://schemas.microsoft.com/office/drawing/2014/main" id="{7B0537C2-C9DE-4D6B-B240-D4EE7D3A2FAB}"/>
+              </a:ext>
+            </a:extLst>
+          </p:cNvPr>
+          <p:cNvSpPr>
+            <a:spLocks noGrp="1"/>
+          </p:cNvSpPr>
+          <p:nvPr>
+            <p:ph type="ftr" sz="quarter" idx="11"/>
+          </p:nvPr>
+        </p:nvSpPr>
+        <p:spPr/>
+        <p:txBody>
+          <a:bodyPr/>
+          <a:lstStyle/>
+          <a:p>
+            <a:r>
+              <a:rPr lang="en-US"/>
+              <a:t>Mark Fuller, Kevin Kulda, Connor Woodahl --- https://github.com/markfuller/BNU</a:t>
+            </a:r>
+          </a:p>
+        </p:txBody>
+      </p:sp>
+      <p:sp>
+        <p:nvSpPr>
+          <p:cNvPr id="5" name="Slide Number Placeholder 4">
+            <a:extLst>
+              <a:ext uri="{FF2B5EF4-FFF2-40B4-BE49-F238E27FC236}">
+                <a16:creationId xmlns:a16="http://schemas.microsoft.com/office/drawing/2014/main" id="{34CF182E-5016-4160-8EAC-081D1053CE0B}"/>
+              </a:ext>
+            </a:extLst>
+          </p:cNvPr>
+          <p:cNvSpPr>
+            <a:spLocks noGrp="1"/>
+          </p:cNvSpPr>
+          <p:nvPr>
+            <p:ph type="sldNum" sz="quarter" idx="12"/>
+          </p:nvPr>
+        </p:nvSpPr>
+        <p:spPr/>
+        <p:txBody>
+          <a:bodyPr/>
+          <a:lstStyle/>
+          <a:p>
+            <a:fld id="{40FC477F-3197-4E88-B387-83A53B82C48D}" type="slidenum">
+              <a:rPr lang="en-US" smtClean="0"/>
+              <a:t>2</a:t>
+            </a:fld>
+            <a:endParaRPr lang="en-US"/>
+          </a:p>
+        </p:txBody>
+      </p:sp>
+    </p:spTree>
+    <p:extLst>
+      <p:ext uri="{BB962C8B-B14F-4D97-AF65-F5344CB8AC3E}">
+        <p14:creationId xmlns:p14="http://schemas.microsoft.com/office/powerpoint/2010/main" val="1653052702"/>
+      </p:ext>
+    </p:extLst>
+  </p:cSld>
+  <p:clrMapOvr>
+    <a:masterClrMapping/>
+  </p:clrMapOvr>
+</p:sld>
+</file>
+
+<file path=ppt/slides/slide20.xml><?xml version="1.0" encoding="utf-8"?>
+<p:sld xmlns:a="http://schemas.openxmlformats.org/drawingml/2006/main" xmlns:r="http://schemas.openxmlformats.org/officeDocument/2006/relationships" xmlns:p="http://schemas.openxmlformats.org/presentationml/2006/main">
+  <p:cSld>
+    <p:spTree>
+      <p:nvGrpSpPr>
+        <p:cNvPr id="1" name=""/>
+        <p:cNvGrpSpPr/>
+        <p:nvPr/>
+      </p:nvGrpSpPr>
+      <p:grpSpPr>
+        <a:xfrm>
+          <a:off x="0" y="0"/>
+          <a:ext cx="0" cy="0"/>
+          <a:chOff x="0" y="0"/>
+          <a:chExt cx="0" cy="0"/>
+        </a:xfrm>
+      </p:grpSpPr>
+      <p:sp>
+        <p:nvSpPr>
+          <p:cNvPr id="2" name="Title 1">
+            <a:extLst>
+              <a:ext uri="{FF2B5EF4-FFF2-40B4-BE49-F238E27FC236}">
+                <a16:creationId xmlns:a16="http://schemas.microsoft.com/office/drawing/2014/main" id="{AF1E2ED6-2DB5-4942-92E9-8544E588ECD0}"/>
+              </a:ext>
+            </a:extLst>
+          </p:cNvPr>
+          <p:cNvSpPr>
+            <a:spLocks noGrp="1"/>
+          </p:cNvSpPr>
+          <p:nvPr>
+            <p:ph type="title"/>
+          </p:nvPr>
+        </p:nvSpPr>
+        <p:spPr/>
+        <p:txBody>
+          <a:bodyPr/>
+          <a:lstStyle/>
+          <a:p>
+            <a:r>
+              <a:rPr lang="en-US" dirty="0"/>
+              <a:t>Issue Tracking</a:t>
+            </a:r>
+          </a:p>
+        </p:txBody>
+      </p:sp>
+      <p:sp>
+        <p:nvSpPr>
+          <p:cNvPr id="3" name="Content Placeholder 2">
+            <a:extLst>
+              <a:ext uri="{FF2B5EF4-FFF2-40B4-BE49-F238E27FC236}">
+                <a16:creationId xmlns:a16="http://schemas.microsoft.com/office/drawing/2014/main" id="{D104FDDF-F102-46BC-A459-8865099BE2E4}"/>
+              </a:ext>
+            </a:extLst>
+          </p:cNvPr>
+          <p:cNvSpPr>
+            <a:spLocks noGrp="1"/>
+          </p:cNvSpPr>
+          <p:nvPr>
+            <p:ph idx="1"/>
+          </p:nvPr>
+        </p:nvSpPr>
+        <p:spPr>
+          <a:xfrm>
+            <a:off x="1251678" y="1286359"/>
+            <a:ext cx="10178322" cy="4593233"/>
+          </a:xfrm>
+        </p:spPr>
+        <p:txBody>
+          <a:bodyPr/>
+          <a:lstStyle/>
+          <a:p>
+            <a:r>
+              <a:rPr lang="en-US" dirty="0"/>
+              <a:t>Please see our issue tracking repository on </a:t>
+            </a:r>
+            <a:r>
+              <a:rPr lang="en-US" dirty="0" err="1"/>
+              <a:t>Github</a:t>
+            </a:r>
+            <a:r>
+              <a:rPr lang="en-US" dirty="0"/>
+              <a:t> at the link below: </a:t>
+            </a:r>
+          </a:p>
+          <a:p>
+            <a:pPr marL="0" indent="0">
+              <a:buNone/>
+            </a:pPr>
+            <a:r>
+              <a:rPr lang="en-US" dirty="0"/>
+              <a:t>https://github.com/MarkFuller1/BNU/issues</a:t>
+            </a:r>
+          </a:p>
+        </p:txBody>
+      </p:sp>
+      <p:pic>
+        <p:nvPicPr>
+          <p:cNvPr id="4" name="Picture 3">
+            <a:extLst>
+              <a:ext uri="{FF2B5EF4-FFF2-40B4-BE49-F238E27FC236}">
+                <a16:creationId xmlns:a16="http://schemas.microsoft.com/office/drawing/2014/main" id="{E271EE47-568D-4F5F-B966-57F423A7F1A3}"/>
+              </a:ext>
+            </a:extLst>
+          </p:cNvPr>
+          <p:cNvPicPr>
+            <a:picLocks noChangeAspect="1"/>
+          </p:cNvPicPr>
+          <p:nvPr/>
+        </p:nvPicPr>
+        <p:blipFill>
+          <a:blip r:embed="rId2"/>
+          <a:stretch>
+            <a:fillRect/>
+          </a:stretch>
+        </p:blipFill>
+        <p:spPr>
+          <a:xfrm>
+            <a:off x="4415883" y="2191206"/>
+            <a:ext cx="6334465" cy="4666793"/>
+          </a:xfrm>
+          <a:prstGeom prst="rect">
+            <a:avLst/>
+          </a:prstGeom>
+        </p:spPr>
+      </p:pic>
+      <p:sp>
+        <p:nvSpPr>
+          <p:cNvPr id="5" name="Footer Placeholder 4">
+            <a:extLst>
+              <a:ext uri="{FF2B5EF4-FFF2-40B4-BE49-F238E27FC236}">
+                <a16:creationId xmlns:a16="http://schemas.microsoft.com/office/drawing/2014/main" id="{13C3074D-A7F6-4DAC-956A-0DDD8A19F9D0}"/>
+              </a:ext>
+            </a:extLst>
+          </p:cNvPr>
+          <p:cNvSpPr>
+            <a:spLocks noGrp="1"/>
+          </p:cNvSpPr>
+          <p:nvPr>
+            <p:ph type="ftr" sz="quarter" idx="11"/>
+          </p:nvPr>
+        </p:nvSpPr>
+        <p:spPr/>
+        <p:txBody>
+          <a:bodyPr/>
+          <a:lstStyle/>
+          <a:p>
+            <a:r>
+              <a:rPr lang="en-US"/>
+              <a:t>Mark Fuller, Kevin Kulda, Connor Woodahl --- https://github.com/markfuller/BNU</a:t>
+            </a:r>
+          </a:p>
+        </p:txBody>
+      </p:sp>
+      <p:sp>
+        <p:nvSpPr>
+          <p:cNvPr id="6" name="Slide Number Placeholder 5">
+            <a:extLst>
+              <a:ext uri="{FF2B5EF4-FFF2-40B4-BE49-F238E27FC236}">
+                <a16:creationId xmlns:a16="http://schemas.microsoft.com/office/drawing/2014/main" id="{F1D3404F-B757-4BCF-8364-EB2B7DEEEEE3}"/>
+              </a:ext>
+            </a:extLst>
+          </p:cNvPr>
+          <p:cNvSpPr>
+            <a:spLocks noGrp="1"/>
+          </p:cNvSpPr>
+          <p:nvPr>
+            <p:ph type="sldNum" sz="quarter" idx="12"/>
+          </p:nvPr>
+        </p:nvSpPr>
+        <p:spPr/>
+        <p:txBody>
+          <a:bodyPr/>
+          <a:lstStyle/>
+          <a:p>
+            <a:fld id="{40FC477F-3197-4E88-B387-83A53B82C48D}" type="slidenum">
+              <a:rPr lang="en-US" smtClean="0"/>
+              <a:t>20</a:t>
+            </a:fld>
+            <a:endParaRPr lang="en-US"/>
+          </a:p>
+        </p:txBody>
+      </p:sp>
+    </p:spTree>
+    <p:extLst>
+      <p:ext uri="{BB962C8B-B14F-4D97-AF65-F5344CB8AC3E}">
+        <p14:creationId xmlns:p14="http://schemas.microsoft.com/office/powerpoint/2010/main" val="874546876"/>
+      </p:ext>
+    </p:extLst>
+  </p:cSld>
+  <p:clrMapOvr>
+    <a:masterClrMapping/>
+  </p:clrMapOvr>
+</p:sld>
+</file>
+
+<file path=ppt/slides/slide21.xml><?xml version="1.0" encoding="utf-8"?>
+<p:sld xmlns:a="http://schemas.openxmlformats.org/drawingml/2006/main" xmlns:r="http://schemas.openxmlformats.org/officeDocument/2006/relationships" xmlns:p="http://schemas.openxmlformats.org/presentationml/2006/main">
+  <p:cSld>
+    <p:spTree>
+      <p:nvGrpSpPr>
+        <p:cNvPr id="1" name=""/>
+        <p:cNvGrpSpPr/>
+        <p:nvPr/>
+      </p:nvGrpSpPr>
+      <p:grpSpPr>
+        <a:xfrm>
+          <a:off x="0" y="0"/>
+          <a:ext cx="0" cy="0"/>
+          <a:chOff x="0" y="0"/>
+          <a:chExt cx="0" cy="0"/>
+        </a:xfrm>
+      </p:grpSpPr>
+      <p:sp>
+        <p:nvSpPr>
+          <p:cNvPr id="2" name="Title 1">
+            <a:extLst>
+              <a:ext uri="{FF2B5EF4-FFF2-40B4-BE49-F238E27FC236}">
+                <a16:creationId xmlns:a16="http://schemas.microsoft.com/office/drawing/2014/main" id="{AAE86C0E-A634-408D-BC14-34D305CC0D8A}"/>
+              </a:ext>
+            </a:extLst>
+          </p:cNvPr>
+          <p:cNvSpPr>
+            <a:spLocks noGrp="1"/>
+          </p:cNvSpPr>
+          <p:nvPr>
+            <p:ph type="title"/>
+          </p:nvPr>
+        </p:nvSpPr>
+        <p:spPr/>
+        <p:txBody>
+          <a:bodyPr/>
+          <a:lstStyle/>
+          <a:p>
+            <a:r>
+              <a:rPr lang="en-US" dirty="0"/>
+              <a:t>Traceability Matrix</a:t>
+            </a:r>
+          </a:p>
+        </p:txBody>
+      </p:sp>
+      <p:pic>
+        <p:nvPicPr>
+          <p:cNvPr id="4" name="Picture 3" descr="A screenshot of a cell phone&#10;&#10;Description automatically generated">
+            <a:extLst>
+              <a:ext uri="{FF2B5EF4-FFF2-40B4-BE49-F238E27FC236}">
+                <a16:creationId xmlns:a16="http://schemas.microsoft.com/office/drawing/2014/main" id="{1B54931D-3FDA-4C2D-8D30-E3DEC9876B1F}"/>
+              </a:ext>
+            </a:extLst>
+          </p:cNvPr>
+          <p:cNvPicPr>
+            <a:picLocks noChangeAspect="1"/>
+          </p:cNvPicPr>
+          <p:nvPr/>
+        </p:nvPicPr>
+        <p:blipFill>
+          <a:blip r:embed="rId2">
+            <a:extLst>
+              <a:ext uri="{28A0092B-C50C-407E-A947-70E740481C1C}">
+                <a14:useLocalDpi xmlns:a14="http://schemas.microsoft.com/office/drawing/2010/main" val="0"/>
+              </a:ext>
+            </a:extLst>
+          </a:blip>
+          <a:stretch>
+            <a:fillRect/>
+          </a:stretch>
+        </p:blipFill>
+        <p:spPr>
+          <a:xfrm>
+            <a:off x="3073244" y="1420755"/>
+            <a:ext cx="6045511" cy="5054860"/>
+          </a:xfrm>
+          <a:prstGeom prst="rect">
+            <a:avLst/>
+          </a:prstGeom>
+        </p:spPr>
+      </p:pic>
+      <p:sp>
+        <p:nvSpPr>
+          <p:cNvPr id="3" name="Footer Placeholder 2">
+            <a:extLst>
+              <a:ext uri="{FF2B5EF4-FFF2-40B4-BE49-F238E27FC236}">
+                <a16:creationId xmlns:a16="http://schemas.microsoft.com/office/drawing/2014/main" id="{DC0AEA35-608E-4C71-86F6-2C00C3B206DE}"/>
+              </a:ext>
+            </a:extLst>
+          </p:cNvPr>
+          <p:cNvSpPr>
+            <a:spLocks noGrp="1"/>
+          </p:cNvSpPr>
+          <p:nvPr>
+            <p:ph type="ftr" sz="quarter" idx="11"/>
+          </p:nvPr>
+        </p:nvSpPr>
+        <p:spPr/>
+        <p:txBody>
+          <a:bodyPr/>
+          <a:lstStyle/>
+          <a:p>
+            <a:r>
+              <a:rPr lang="en-US"/>
+              <a:t>Mark Fuller, Kevin Kulda, Connor Woodahl --- https://github.com/markfuller/BNU</a:t>
+            </a:r>
+          </a:p>
+        </p:txBody>
+      </p:sp>
+      <p:sp>
+        <p:nvSpPr>
+          <p:cNvPr id="5" name="Slide Number Placeholder 4">
+            <a:extLst>
+              <a:ext uri="{FF2B5EF4-FFF2-40B4-BE49-F238E27FC236}">
+                <a16:creationId xmlns:a16="http://schemas.microsoft.com/office/drawing/2014/main" id="{19AC442A-15B3-4C34-98CD-E46F2C29D7D7}"/>
+              </a:ext>
+            </a:extLst>
+          </p:cNvPr>
+          <p:cNvSpPr>
+            <a:spLocks noGrp="1"/>
+          </p:cNvSpPr>
+          <p:nvPr>
+            <p:ph type="sldNum" sz="quarter" idx="12"/>
+          </p:nvPr>
+        </p:nvSpPr>
+        <p:spPr/>
+        <p:txBody>
+          <a:bodyPr/>
+          <a:lstStyle/>
+          <a:p>
+            <a:fld id="{40FC477F-3197-4E88-B387-83A53B82C48D}" type="slidenum">
+              <a:rPr lang="en-US" smtClean="0"/>
+              <a:t>21</a:t>
+            </a:fld>
+            <a:endParaRPr lang="en-US"/>
+          </a:p>
+        </p:txBody>
+      </p:sp>
+    </p:spTree>
+    <p:extLst>
+      <p:ext uri="{BB962C8B-B14F-4D97-AF65-F5344CB8AC3E}">
+        <p14:creationId xmlns:p14="http://schemas.microsoft.com/office/powerpoint/2010/main" val="3545696103"/>
+      </p:ext>
+    </p:extLst>
+  </p:cSld>
+  <p:clrMapOvr>
+    <a:masterClrMapping/>
+  </p:clrMapOvr>
+</p:sld>
+</file>
+
+<file path=ppt/slides/slide22.xml><?xml version="1.0" encoding="utf-8"?>
+<p:sld xmlns:a="http://schemas.openxmlformats.org/drawingml/2006/main" xmlns:r="http://schemas.openxmlformats.org/officeDocument/2006/relationships" xmlns:p="http://schemas.openxmlformats.org/presentationml/2006/main">
+  <p:cSld>
+    <p:spTree>
+      <p:nvGrpSpPr>
+        <p:cNvPr id="1" name=""/>
+        <p:cNvGrpSpPr/>
+        <p:nvPr/>
+      </p:nvGrpSpPr>
+      <p:grpSpPr>
+        <a:xfrm>
+          <a:off x="0" y="0"/>
+          <a:ext cx="0" cy="0"/>
+          <a:chOff x="0" y="0"/>
+          <a:chExt cx="0" cy="0"/>
+        </a:xfrm>
+      </p:grpSpPr>
+      <p:sp>
+        <p:nvSpPr>
+          <p:cNvPr id="2" name="Title 1">
+            <a:extLst>
+              <a:ext uri="{FF2B5EF4-FFF2-40B4-BE49-F238E27FC236}">
+                <a16:creationId xmlns:a16="http://schemas.microsoft.com/office/drawing/2014/main" id="{AAE86C0E-A634-408D-BC14-34D305CC0D8A}"/>
+              </a:ext>
+            </a:extLst>
+          </p:cNvPr>
+          <p:cNvSpPr>
+            <a:spLocks noGrp="1"/>
+          </p:cNvSpPr>
+          <p:nvPr>
+            <p:ph type="title"/>
+          </p:nvPr>
+        </p:nvSpPr>
+        <p:spPr/>
+        <p:txBody>
+          <a:bodyPr/>
+          <a:lstStyle/>
+          <a:p>
+            <a:r>
+              <a:rPr lang="en-US" dirty="0"/>
+              <a:t>SSD</a:t>
+            </a:r>
+          </a:p>
+        </p:txBody>
+      </p:sp>
+      <p:pic>
+        <p:nvPicPr>
+          <p:cNvPr id="25" name="Picture 24" descr="A screenshot of a social media post&#10;&#10;Description automatically generated">
+            <a:extLst>
+              <a:ext uri="{FF2B5EF4-FFF2-40B4-BE49-F238E27FC236}">
+                <a16:creationId xmlns:a16="http://schemas.microsoft.com/office/drawing/2014/main" id="{A336ECE5-FB4C-49C5-8B89-1EBA2A47D4F0}"/>
+              </a:ext>
+            </a:extLst>
+          </p:cNvPr>
+          <p:cNvPicPr>
+            <a:picLocks noChangeAspect="1"/>
+          </p:cNvPicPr>
+          <p:nvPr/>
+        </p:nvPicPr>
+        <p:blipFill>
+          <a:blip r:embed="rId2">
+            <a:extLst>
+              <a:ext uri="{28A0092B-C50C-407E-A947-70E740481C1C}">
+                <a14:useLocalDpi xmlns:a14="http://schemas.microsoft.com/office/drawing/2010/main" val="0"/>
+              </a:ext>
+            </a:extLst>
+          </a:blip>
+          <a:stretch>
+            <a:fillRect/>
+          </a:stretch>
+        </p:blipFill>
+        <p:spPr>
+          <a:xfrm>
+            <a:off x="1702855" y="1406394"/>
+            <a:ext cx="8786289" cy="5451606"/>
+          </a:xfrm>
+          <a:prstGeom prst="rect">
+            <a:avLst/>
+          </a:prstGeom>
+        </p:spPr>
+      </p:pic>
+      <p:sp>
+        <p:nvSpPr>
+          <p:cNvPr id="3" name="Footer Placeholder 2">
+            <a:extLst>
+              <a:ext uri="{FF2B5EF4-FFF2-40B4-BE49-F238E27FC236}">
+                <a16:creationId xmlns:a16="http://schemas.microsoft.com/office/drawing/2014/main" id="{6821C388-567B-4565-972F-D025D25184CF}"/>
+              </a:ext>
+            </a:extLst>
+          </p:cNvPr>
+          <p:cNvSpPr>
+            <a:spLocks noGrp="1"/>
+          </p:cNvSpPr>
+          <p:nvPr>
+            <p:ph type="ftr" sz="quarter" idx="11"/>
+          </p:nvPr>
+        </p:nvSpPr>
+        <p:spPr/>
+        <p:txBody>
+          <a:bodyPr/>
+          <a:lstStyle/>
+          <a:p>
+            <a:r>
+              <a:rPr lang="en-US"/>
+              <a:t>Mark Fuller, Kevin Kulda, Connor Woodahl --- https://github.com/markfuller/BNU</a:t>
+            </a:r>
+          </a:p>
+        </p:txBody>
+      </p:sp>
+      <p:sp>
+        <p:nvSpPr>
+          <p:cNvPr id="4" name="Slide Number Placeholder 3">
+            <a:extLst>
+              <a:ext uri="{FF2B5EF4-FFF2-40B4-BE49-F238E27FC236}">
+                <a16:creationId xmlns:a16="http://schemas.microsoft.com/office/drawing/2014/main" id="{E1C259B0-6483-4F43-802B-13C761519795}"/>
+              </a:ext>
+            </a:extLst>
+          </p:cNvPr>
+          <p:cNvSpPr>
+            <a:spLocks noGrp="1"/>
+          </p:cNvSpPr>
+          <p:nvPr>
+            <p:ph type="sldNum" sz="quarter" idx="12"/>
+          </p:nvPr>
+        </p:nvSpPr>
+        <p:spPr/>
+        <p:txBody>
+          <a:bodyPr/>
+          <a:lstStyle/>
+          <a:p>
+            <a:fld id="{40FC477F-3197-4E88-B387-83A53B82C48D}" type="slidenum">
+              <a:rPr lang="en-US" smtClean="0"/>
+              <a:t>22</a:t>
+            </a:fld>
+            <a:endParaRPr lang="en-US"/>
+          </a:p>
+        </p:txBody>
+      </p:sp>
+    </p:spTree>
+    <p:extLst>
+      <p:ext uri="{BB962C8B-B14F-4D97-AF65-F5344CB8AC3E}">
+        <p14:creationId xmlns:p14="http://schemas.microsoft.com/office/powerpoint/2010/main" val="2766911651"/>
+      </p:ext>
+    </p:extLst>
+  </p:cSld>
+  <p:clrMapOvr>
+    <a:masterClrMapping/>
+  </p:clrMapOvr>
+</p:sld>
+</file>
+
+<file path=ppt/slides/slide23.xml><?xml version="1.0" encoding="utf-8"?>
+<p:sld xmlns:a="http://schemas.openxmlformats.org/drawingml/2006/main" xmlns:r="http://schemas.openxmlformats.org/officeDocument/2006/relationships" xmlns:p="http://schemas.openxmlformats.org/presentationml/2006/main">
+  <p:cSld>
+    <p:spTree>
+      <p:nvGrpSpPr>
+        <p:cNvPr id="1" name=""/>
+        <p:cNvGrpSpPr/>
+        <p:nvPr/>
+      </p:nvGrpSpPr>
+      <p:grpSpPr>
+        <a:xfrm>
+          <a:off x="0" y="0"/>
+          <a:ext cx="0" cy="0"/>
+          <a:chOff x="0" y="0"/>
+          <a:chExt cx="0" cy="0"/>
+        </a:xfrm>
+      </p:grpSpPr>
+      <p:sp>
+        <p:nvSpPr>
+          <p:cNvPr id="2" name="Title 1">
+            <a:extLst>
+              <a:ext uri="{FF2B5EF4-FFF2-40B4-BE49-F238E27FC236}">
+                <a16:creationId xmlns:a16="http://schemas.microsoft.com/office/drawing/2014/main" id="{AAE86C0E-A634-408D-BC14-34D305CC0D8A}"/>
+              </a:ext>
+            </a:extLst>
+          </p:cNvPr>
+          <p:cNvSpPr>
+            <a:spLocks noGrp="1"/>
+          </p:cNvSpPr>
+          <p:nvPr>
+            <p:ph type="title"/>
+          </p:nvPr>
+        </p:nvSpPr>
+        <p:spPr/>
+        <p:txBody>
+          <a:bodyPr/>
+          <a:lstStyle/>
+          <a:p>
+            <a:r>
+              <a:rPr lang="en-US" dirty="0"/>
+              <a:t>SSD</a:t>
+            </a:r>
+          </a:p>
+        </p:txBody>
+      </p:sp>
+      <p:pic>
+        <p:nvPicPr>
+          <p:cNvPr id="4" name="Picture 3" descr="A screenshot of a cell phone&#10;&#10;Description automatically generated">
+            <a:extLst>
+              <a:ext uri="{FF2B5EF4-FFF2-40B4-BE49-F238E27FC236}">
+                <a16:creationId xmlns:a16="http://schemas.microsoft.com/office/drawing/2014/main" id="{4F52FE55-2235-477E-9FB7-037540EE21D6}"/>
+              </a:ext>
+            </a:extLst>
+          </p:cNvPr>
+          <p:cNvPicPr>
+            <a:picLocks noChangeAspect="1"/>
+          </p:cNvPicPr>
+          <p:nvPr/>
+        </p:nvPicPr>
+        <p:blipFill>
+          <a:blip r:embed="rId2">
+            <a:extLst>
+              <a:ext uri="{28A0092B-C50C-407E-A947-70E740481C1C}">
+                <a14:useLocalDpi xmlns:a14="http://schemas.microsoft.com/office/drawing/2010/main" val="0"/>
+              </a:ext>
+            </a:extLst>
+          </a:blip>
+          <a:stretch>
+            <a:fillRect/>
+          </a:stretch>
+        </p:blipFill>
+        <p:spPr>
+          <a:xfrm>
+            <a:off x="1795806" y="1211587"/>
+            <a:ext cx="9090065" cy="5646413"/>
+          </a:xfrm>
+          <a:prstGeom prst="rect">
+            <a:avLst/>
+          </a:prstGeom>
+        </p:spPr>
+      </p:pic>
+      <p:sp>
+        <p:nvSpPr>
+          <p:cNvPr id="3" name="Footer Placeholder 2">
+            <a:extLst>
+              <a:ext uri="{FF2B5EF4-FFF2-40B4-BE49-F238E27FC236}">
+                <a16:creationId xmlns:a16="http://schemas.microsoft.com/office/drawing/2014/main" id="{87B50719-C0C2-4DCB-B6D3-48BD38959E84}"/>
+              </a:ext>
+            </a:extLst>
+          </p:cNvPr>
+          <p:cNvSpPr>
+            <a:spLocks noGrp="1"/>
+          </p:cNvSpPr>
+          <p:nvPr>
+            <p:ph type="ftr" sz="quarter" idx="11"/>
+          </p:nvPr>
+        </p:nvSpPr>
+        <p:spPr/>
+        <p:txBody>
+          <a:bodyPr/>
+          <a:lstStyle/>
+          <a:p>
+            <a:r>
+              <a:rPr lang="en-US"/>
+              <a:t>Mark Fuller, Kevin Kulda, Connor Woodahl --- https://github.com/markfuller/BNU</a:t>
+            </a:r>
+          </a:p>
+        </p:txBody>
+      </p:sp>
+      <p:sp>
+        <p:nvSpPr>
+          <p:cNvPr id="5" name="Slide Number Placeholder 4">
+            <a:extLst>
+              <a:ext uri="{FF2B5EF4-FFF2-40B4-BE49-F238E27FC236}">
+                <a16:creationId xmlns:a16="http://schemas.microsoft.com/office/drawing/2014/main" id="{C89644AF-733D-4154-842F-8F49313B56C6}"/>
+              </a:ext>
+            </a:extLst>
+          </p:cNvPr>
+          <p:cNvSpPr>
+            <a:spLocks noGrp="1"/>
+          </p:cNvSpPr>
+          <p:nvPr>
+            <p:ph type="sldNum" sz="quarter" idx="12"/>
+          </p:nvPr>
+        </p:nvSpPr>
+        <p:spPr/>
+        <p:txBody>
+          <a:bodyPr/>
+          <a:lstStyle/>
+          <a:p>
+            <a:fld id="{40FC477F-3197-4E88-B387-83A53B82C48D}" type="slidenum">
+              <a:rPr lang="en-US" smtClean="0"/>
+              <a:t>23</a:t>
+            </a:fld>
+            <a:endParaRPr lang="en-US"/>
+          </a:p>
+        </p:txBody>
+      </p:sp>
+    </p:spTree>
+    <p:extLst>
+      <p:ext uri="{BB962C8B-B14F-4D97-AF65-F5344CB8AC3E}">
+        <p14:creationId xmlns:p14="http://schemas.microsoft.com/office/powerpoint/2010/main" val="1374364056"/>
+      </p:ext>
+    </p:extLst>
+  </p:cSld>
+  <p:clrMapOvr>
+    <a:masterClrMapping/>
+  </p:clrMapOvr>
+</p:sld>
+</file>
+
+<file path=ppt/slides/slide24.xml><?xml version="1.0" encoding="utf-8"?>
+<p:sld xmlns:a="http://schemas.openxmlformats.org/drawingml/2006/main" xmlns:r="http://schemas.openxmlformats.org/officeDocument/2006/relationships" xmlns:p="http://schemas.openxmlformats.org/presentationml/2006/main">
+  <p:cSld>
+    <p:spTree>
+      <p:nvGrpSpPr>
+        <p:cNvPr id="1" name=""/>
+        <p:cNvGrpSpPr/>
+        <p:nvPr/>
+      </p:nvGrpSpPr>
+      <p:grpSpPr>
+        <a:xfrm>
+          <a:off x="0" y="0"/>
+          <a:ext cx="0" cy="0"/>
+          <a:chOff x="0" y="0"/>
+          <a:chExt cx="0" cy="0"/>
+        </a:xfrm>
+      </p:grpSpPr>
+      <p:sp>
+        <p:nvSpPr>
+          <p:cNvPr id="2" name="Title 1">
+            <a:extLst>
+              <a:ext uri="{FF2B5EF4-FFF2-40B4-BE49-F238E27FC236}">
+                <a16:creationId xmlns:a16="http://schemas.microsoft.com/office/drawing/2014/main" id="{AAE86C0E-A634-408D-BC14-34D305CC0D8A}"/>
+              </a:ext>
+            </a:extLst>
+          </p:cNvPr>
+          <p:cNvSpPr>
+            <a:spLocks noGrp="1"/>
+          </p:cNvSpPr>
+          <p:nvPr>
+            <p:ph type="title"/>
+          </p:nvPr>
+        </p:nvSpPr>
+        <p:spPr/>
+        <p:txBody>
+          <a:bodyPr/>
+          <a:lstStyle/>
+          <a:p>
+            <a:r>
+              <a:rPr lang="en-US" dirty="0"/>
+              <a:t>SSD</a:t>
+            </a:r>
+          </a:p>
+        </p:txBody>
+      </p:sp>
+      <p:pic>
+        <p:nvPicPr>
+          <p:cNvPr id="4" name="Picture 3" descr="A picture containing screenshot&#10;&#10;Description automatically generated">
+            <a:extLst>
+              <a:ext uri="{FF2B5EF4-FFF2-40B4-BE49-F238E27FC236}">
+                <a16:creationId xmlns:a16="http://schemas.microsoft.com/office/drawing/2014/main" id="{97922C24-C477-44E0-8811-1F9A57CFF8CD}"/>
+              </a:ext>
+            </a:extLst>
+          </p:cNvPr>
+          <p:cNvPicPr>
+            <a:picLocks noChangeAspect="1"/>
+          </p:cNvPicPr>
+          <p:nvPr/>
+        </p:nvPicPr>
+        <p:blipFill>
+          <a:blip r:embed="rId2">
+            <a:extLst>
+              <a:ext uri="{28A0092B-C50C-407E-A947-70E740481C1C}">
+                <a14:useLocalDpi xmlns:a14="http://schemas.microsoft.com/office/drawing/2010/main" val="0"/>
+              </a:ext>
+            </a:extLst>
+          </a:blip>
+          <a:stretch>
+            <a:fillRect/>
+          </a:stretch>
+        </p:blipFill>
+        <p:spPr>
+          <a:xfrm>
+            <a:off x="1251678" y="1312869"/>
+            <a:ext cx="10178322" cy="5162746"/>
+          </a:xfrm>
+          <a:prstGeom prst="rect">
+            <a:avLst/>
+          </a:prstGeom>
+        </p:spPr>
+      </p:pic>
+      <p:sp>
+        <p:nvSpPr>
+          <p:cNvPr id="3" name="Footer Placeholder 2">
+            <a:extLst>
+              <a:ext uri="{FF2B5EF4-FFF2-40B4-BE49-F238E27FC236}">
+                <a16:creationId xmlns:a16="http://schemas.microsoft.com/office/drawing/2014/main" id="{542DFA85-9DCA-4B46-93FC-567F438CB3C9}"/>
+              </a:ext>
+            </a:extLst>
+          </p:cNvPr>
+          <p:cNvSpPr>
+            <a:spLocks noGrp="1"/>
+          </p:cNvSpPr>
+          <p:nvPr>
+            <p:ph type="ftr" sz="quarter" idx="11"/>
+          </p:nvPr>
+        </p:nvSpPr>
+        <p:spPr/>
+        <p:txBody>
+          <a:bodyPr/>
+          <a:lstStyle/>
+          <a:p>
+            <a:r>
+              <a:rPr lang="en-US"/>
+              <a:t>Mark Fuller, Kevin Kulda, Connor Woodahl --- https://github.com/markfuller/BNU</a:t>
+            </a:r>
+          </a:p>
+        </p:txBody>
+      </p:sp>
+      <p:sp>
+        <p:nvSpPr>
+          <p:cNvPr id="5" name="Slide Number Placeholder 4">
+            <a:extLst>
+              <a:ext uri="{FF2B5EF4-FFF2-40B4-BE49-F238E27FC236}">
+                <a16:creationId xmlns:a16="http://schemas.microsoft.com/office/drawing/2014/main" id="{74E2685D-041F-439C-B13B-0F446AFF5C3B}"/>
+              </a:ext>
+            </a:extLst>
+          </p:cNvPr>
+          <p:cNvSpPr>
+            <a:spLocks noGrp="1"/>
+          </p:cNvSpPr>
+          <p:nvPr>
+            <p:ph type="sldNum" sz="quarter" idx="12"/>
+          </p:nvPr>
+        </p:nvSpPr>
+        <p:spPr/>
+        <p:txBody>
+          <a:bodyPr/>
+          <a:lstStyle/>
+          <a:p>
+            <a:fld id="{40FC477F-3197-4E88-B387-83A53B82C48D}" type="slidenum">
+              <a:rPr lang="en-US" smtClean="0"/>
+              <a:t>24</a:t>
+            </a:fld>
+            <a:endParaRPr lang="en-US"/>
+          </a:p>
+        </p:txBody>
+      </p:sp>
+    </p:spTree>
+    <p:extLst>
+      <p:ext uri="{BB962C8B-B14F-4D97-AF65-F5344CB8AC3E}">
+        <p14:creationId xmlns:p14="http://schemas.microsoft.com/office/powerpoint/2010/main" val="4097223435"/>
+      </p:ext>
+    </p:extLst>
+  </p:cSld>
+  <p:clrMapOvr>
+    <a:masterClrMapping/>
+  </p:clrMapOvr>
+</p:sld>
+</file>
+
+<file path=ppt/slides/slide25.xml><?xml version="1.0" encoding="utf-8"?>
+<p:sld xmlns:a="http://schemas.openxmlformats.org/drawingml/2006/main" xmlns:r="http://schemas.openxmlformats.org/officeDocument/2006/relationships" xmlns:p="http://schemas.openxmlformats.org/presentationml/2006/main">
+  <p:cSld>
+    <p:spTree>
+      <p:nvGrpSpPr>
+        <p:cNvPr id="1" name=""/>
+        <p:cNvGrpSpPr/>
+        <p:nvPr/>
+      </p:nvGrpSpPr>
+      <p:grpSpPr>
+        <a:xfrm>
+          <a:off x="0" y="0"/>
+          <a:ext cx="0" cy="0"/>
+          <a:chOff x="0" y="0"/>
+          <a:chExt cx="0" cy="0"/>
+        </a:xfrm>
+      </p:grpSpPr>
+      <p:sp>
+        <p:nvSpPr>
+          <p:cNvPr id="2" name="Title 1">
+            <a:extLst>
+              <a:ext uri="{FF2B5EF4-FFF2-40B4-BE49-F238E27FC236}">
+                <a16:creationId xmlns:a16="http://schemas.microsoft.com/office/drawing/2014/main" id="{AAE86C0E-A634-408D-BC14-34D305CC0D8A}"/>
+              </a:ext>
+            </a:extLst>
+          </p:cNvPr>
+          <p:cNvSpPr>
+            <a:spLocks noGrp="1"/>
+          </p:cNvSpPr>
+          <p:nvPr>
+            <p:ph type="title"/>
+          </p:nvPr>
+        </p:nvSpPr>
+        <p:spPr/>
+        <p:txBody>
+          <a:bodyPr/>
+          <a:lstStyle/>
+          <a:p>
+            <a:r>
+              <a:rPr lang="en-US" dirty="0"/>
+              <a:t>SSD</a:t>
+            </a:r>
+          </a:p>
+        </p:txBody>
+      </p:sp>
+      <p:pic>
+        <p:nvPicPr>
+          <p:cNvPr id="4" name="Picture 3" descr="A screenshot of a cell phone&#10;&#10;Description automatically generated">
+            <a:extLst>
+              <a:ext uri="{FF2B5EF4-FFF2-40B4-BE49-F238E27FC236}">
+                <a16:creationId xmlns:a16="http://schemas.microsoft.com/office/drawing/2014/main" id="{7532A1B9-88CC-4354-97EA-9916F822447E}"/>
+              </a:ext>
+            </a:extLst>
+          </p:cNvPr>
+          <p:cNvPicPr>
+            <a:picLocks noChangeAspect="1"/>
+          </p:cNvPicPr>
+          <p:nvPr/>
+        </p:nvPicPr>
+        <p:blipFill>
+          <a:blip r:embed="rId2">
+            <a:extLst>
+              <a:ext uri="{28A0092B-C50C-407E-A947-70E740481C1C}">
+                <a14:useLocalDpi xmlns:a14="http://schemas.microsoft.com/office/drawing/2010/main" val="0"/>
+              </a:ext>
+            </a:extLst>
+          </a:blip>
+          <a:stretch>
+            <a:fillRect/>
+          </a:stretch>
+        </p:blipFill>
+        <p:spPr>
+          <a:xfrm>
+            <a:off x="1964846" y="1194539"/>
+            <a:ext cx="8262308" cy="5663461"/>
+          </a:xfrm>
+          <a:prstGeom prst="rect">
+            <a:avLst/>
+          </a:prstGeom>
+        </p:spPr>
+      </p:pic>
+      <p:sp>
+        <p:nvSpPr>
+          <p:cNvPr id="3" name="Footer Placeholder 2">
+            <a:extLst>
+              <a:ext uri="{FF2B5EF4-FFF2-40B4-BE49-F238E27FC236}">
+                <a16:creationId xmlns:a16="http://schemas.microsoft.com/office/drawing/2014/main" id="{88F908A1-4D87-42D7-8338-9B85D2357CAC}"/>
+              </a:ext>
+            </a:extLst>
+          </p:cNvPr>
+          <p:cNvSpPr>
+            <a:spLocks noGrp="1"/>
+          </p:cNvSpPr>
+          <p:nvPr>
+            <p:ph type="ftr" sz="quarter" idx="11"/>
+          </p:nvPr>
+        </p:nvSpPr>
+        <p:spPr/>
+        <p:txBody>
+          <a:bodyPr/>
+          <a:lstStyle/>
+          <a:p>
+            <a:r>
+              <a:rPr lang="en-US"/>
+              <a:t>Mark Fuller, Kevin Kulda, Connor Woodahl --- https://github.com/markfuller/BNU</a:t>
+            </a:r>
+          </a:p>
+        </p:txBody>
+      </p:sp>
+      <p:sp>
+        <p:nvSpPr>
+          <p:cNvPr id="5" name="Slide Number Placeholder 4">
+            <a:extLst>
+              <a:ext uri="{FF2B5EF4-FFF2-40B4-BE49-F238E27FC236}">
+                <a16:creationId xmlns:a16="http://schemas.microsoft.com/office/drawing/2014/main" id="{6BA8E356-CC55-4694-B188-659C0FE5EA04}"/>
+              </a:ext>
+            </a:extLst>
+          </p:cNvPr>
+          <p:cNvSpPr>
+            <a:spLocks noGrp="1"/>
+          </p:cNvSpPr>
+          <p:nvPr>
+            <p:ph type="sldNum" sz="quarter" idx="12"/>
+          </p:nvPr>
+        </p:nvSpPr>
+        <p:spPr/>
+        <p:txBody>
+          <a:bodyPr/>
+          <a:lstStyle/>
+          <a:p>
+            <a:fld id="{40FC477F-3197-4E88-B387-83A53B82C48D}" type="slidenum">
+              <a:rPr lang="en-US" smtClean="0"/>
+              <a:t>25</a:t>
+            </a:fld>
+            <a:endParaRPr lang="en-US"/>
+          </a:p>
+        </p:txBody>
+      </p:sp>
+    </p:spTree>
+    <p:extLst>
+      <p:ext uri="{BB962C8B-B14F-4D97-AF65-F5344CB8AC3E}">
+        <p14:creationId xmlns:p14="http://schemas.microsoft.com/office/powerpoint/2010/main" val="4130932761"/>
+      </p:ext>
+    </p:extLst>
+  </p:cSld>
+  <p:clrMapOvr>
+    <a:masterClrMapping/>
+  </p:clrMapOvr>
+</p:sld>
+</file>
+
+<file path=ppt/slides/slide26.xml><?xml version="1.0" encoding="utf-8"?>
+<p:sld xmlns:a="http://schemas.openxmlformats.org/drawingml/2006/main" xmlns:r="http://schemas.openxmlformats.org/officeDocument/2006/relationships" xmlns:p="http://schemas.openxmlformats.org/presentationml/2006/main">
+  <p:cSld>
+    <p:spTree>
+      <p:nvGrpSpPr>
+        <p:cNvPr id="1" name=""/>
+        <p:cNvGrpSpPr/>
+        <p:nvPr/>
+      </p:nvGrpSpPr>
+      <p:grpSpPr>
+        <a:xfrm>
+          <a:off x="0" y="0"/>
+          <a:ext cx="0" cy="0"/>
+          <a:chOff x="0" y="0"/>
+          <a:chExt cx="0" cy="0"/>
+        </a:xfrm>
+      </p:grpSpPr>
+      <p:sp>
+        <p:nvSpPr>
+          <p:cNvPr id="2" name="Title 1">
+            <a:extLst>
+              <a:ext uri="{FF2B5EF4-FFF2-40B4-BE49-F238E27FC236}">
+                <a16:creationId xmlns:a16="http://schemas.microsoft.com/office/drawing/2014/main" id="{AAE86C0E-A634-408D-BC14-34D305CC0D8A}"/>
+              </a:ext>
+            </a:extLst>
+          </p:cNvPr>
+          <p:cNvSpPr>
+            <a:spLocks noGrp="1"/>
+          </p:cNvSpPr>
+          <p:nvPr>
+            <p:ph type="title"/>
+          </p:nvPr>
+        </p:nvSpPr>
+        <p:spPr/>
+        <p:txBody>
+          <a:bodyPr/>
+          <a:lstStyle/>
+          <a:p>
+            <a:r>
+              <a:rPr lang="en-US" dirty="0"/>
+              <a:t>SSD</a:t>
+            </a:r>
+          </a:p>
+        </p:txBody>
+      </p:sp>
+      <p:pic>
+        <p:nvPicPr>
+          <p:cNvPr id="4" name="Picture 3" descr="A screenshot of a social media post&#10;&#10;Description automatically generated">
+            <a:extLst>
+              <a:ext uri="{FF2B5EF4-FFF2-40B4-BE49-F238E27FC236}">
+                <a16:creationId xmlns:a16="http://schemas.microsoft.com/office/drawing/2014/main" id="{22E50683-8D20-4A8F-B8C0-A3A38E2F59D7}"/>
+              </a:ext>
+            </a:extLst>
+          </p:cNvPr>
+          <p:cNvPicPr>
+            <a:picLocks noChangeAspect="1"/>
+          </p:cNvPicPr>
+          <p:nvPr/>
+        </p:nvPicPr>
+        <p:blipFill>
+          <a:blip r:embed="rId2">
+            <a:extLst>
+              <a:ext uri="{28A0092B-C50C-407E-A947-70E740481C1C}">
+                <a14:useLocalDpi xmlns:a14="http://schemas.microsoft.com/office/drawing/2010/main" val="0"/>
+              </a:ext>
+            </a:extLst>
+          </a:blip>
+          <a:stretch>
+            <a:fillRect/>
+          </a:stretch>
+        </p:blipFill>
+        <p:spPr>
+          <a:xfrm>
+            <a:off x="1938775" y="1317835"/>
+            <a:ext cx="8314449" cy="5364411"/>
+          </a:xfrm>
+          <a:prstGeom prst="rect">
+            <a:avLst/>
+          </a:prstGeom>
+        </p:spPr>
+      </p:pic>
+      <p:sp>
+        <p:nvSpPr>
+          <p:cNvPr id="3" name="Footer Placeholder 2">
+            <a:extLst>
+              <a:ext uri="{FF2B5EF4-FFF2-40B4-BE49-F238E27FC236}">
+                <a16:creationId xmlns:a16="http://schemas.microsoft.com/office/drawing/2014/main" id="{7AD5FBAA-DD4C-4885-AA5A-B5D63140019D}"/>
+              </a:ext>
+            </a:extLst>
+          </p:cNvPr>
+          <p:cNvSpPr>
+            <a:spLocks noGrp="1"/>
+          </p:cNvSpPr>
+          <p:nvPr>
+            <p:ph type="ftr" sz="quarter" idx="11"/>
+          </p:nvPr>
+        </p:nvSpPr>
+        <p:spPr/>
+        <p:txBody>
+          <a:bodyPr/>
+          <a:lstStyle/>
+          <a:p>
+            <a:r>
+              <a:rPr lang="en-US"/>
+              <a:t>Mark Fuller, Kevin Kulda, Connor Woodahl --- https://github.com/markfuller/BNU</a:t>
+            </a:r>
+          </a:p>
+        </p:txBody>
+      </p:sp>
+      <p:sp>
+        <p:nvSpPr>
+          <p:cNvPr id="5" name="Slide Number Placeholder 4">
+            <a:extLst>
+              <a:ext uri="{FF2B5EF4-FFF2-40B4-BE49-F238E27FC236}">
+                <a16:creationId xmlns:a16="http://schemas.microsoft.com/office/drawing/2014/main" id="{47E81946-DAC3-44A2-9DEE-845FA40CEE0C}"/>
+              </a:ext>
+            </a:extLst>
+          </p:cNvPr>
+          <p:cNvSpPr>
+            <a:spLocks noGrp="1"/>
+          </p:cNvSpPr>
+          <p:nvPr>
+            <p:ph type="sldNum" sz="quarter" idx="12"/>
+          </p:nvPr>
+        </p:nvSpPr>
+        <p:spPr/>
+        <p:txBody>
+          <a:bodyPr/>
+          <a:lstStyle/>
+          <a:p>
+            <a:fld id="{40FC477F-3197-4E88-B387-83A53B82C48D}" type="slidenum">
+              <a:rPr lang="en-US" smtClean="0"/>
+              <a:t>26</a:t>
+            </a:fld>
+            <a:endParaRPr lang="en-US"/>
+          </a:p>
+        </p:txBody>
+      </p:sp>
+    </p:spTree>
+    <p:extLst>
+      <p:ext uri="{BB962C8B-B14F-4D97-AF65-F5344CB8AC3E}">
+        <p14:creationId xmlns:p14="http://schemas.microsoft.com/office/powerpoint/2010/main" val="988633582"/>
+      </p:ext>
+    </p:extLst>
+  </p:cSld>
+  <p:clrMapOvr>
+    <a:masterClrMapping/>
+  </p:clrMapOvr>
+</p:sld>
+</file>
+
+<file path=ppt/slides/slide27.xml><?xml version="1.0" encoding="utf-8"?>
+<p:sld xmlns:a="http://schemas.openxmlformats.org/drawingml/2006/main" xmlns:r="http://schemas.openxmlformats.org/officeDocument/2006/relationships" xmlns:p="http://schemas.openxmlformats.org/presentationml/2006/main">
+  <p:cSld>
+    <p:spTree>
+      <p:nvGrpSpPr>
+        <p:cNvPr id="1" name=""/>
+        <p:cNvGrpSpPr/>
+        <p:nvPr/>
+      </p:nvGrpSpPr>
+      <p:grpSpPr>
+        <a:xfrm>
+          <a:off x="0" y="0"/>
+          <a:ext cx="0" cy="0"/>
+          <a:chOff x="0" y="0"/>
+          <a:chExt cx="0" cy="0"/>
+        </a:xfrm>
+      </p:grpSpPr>
+      <p:sp>
+        <p:nvSpPr>
+          <p:cNvPr id="2" name="Title 1">
+            <a:extLst>
+              <a:ext uri="{FF2B5EF4-FFF2-40B4-BE49-F238E27FC236}">
+                <a16:creationId xmlns:a16="http://schemas.microsoft.com/office/drawing/2014/main" id="{AAE86C0E-A634-408D-BC14-34D305CC0D8A}"/>
+              </a:ext>
+            </a:extLst>
+          </p:cNvPr>
+          <p:cNvSpPr>
+            <a:spLocks noGrp="1"/>
+          </p:cNvSpPr>
+          <p:nvPr>
+            <p:ph type="title"/>
+          </p:nvPr>
+        </p:nvSpPr>
+        <p:spPr/>
+        <p:txBody>
+          <a:bodyPr/>
+          <a:lstStyle/>
+          <a:p>
+            <a:r>
+              <a:rPr lang="en-US" dirty="0"/>
+              <a:t>SSD</a:t>
+            </a:r>
+          </a:p>
+        </p:txBody>
+      </p:sp>
+      <p:pic>
+        <p:nvPicPr>
+          <p:cNvPr id="4" name="Picture 3" descr="A screenshot of a social media post&#10;&#10;Description automatically generated">
+            <a:extLst>
+              <a:ext uri="{FF2B5EF4-FFF2-40B4-BE49-F238E27FC236}">
+                <a16:creationId xmlns:a16="http://schemas.microsoft.com/office/drawing/2014/main" id="{A20B7A15-FD22-43F9-B73C-2179118154BD}"/>
+              </a:ext>
+            </a:extLst>
+          </p:cNvPr>
+          <p:cNvPicPr>
+            <a:picLocks noChangeAspect="1"/>
+          </p:cNvPicPr>
+          <p:nvPr/>
+        </p:nvPicPr>
+        <p:blipFill>
+          <a:blip r:embed="rId2">
+            <a:extLst>
+              <a:ext uri="{28A0092B-C50C-407E-A947-70E740481C1C}">
+                <a14:useLocalDpi xmlns:a14="http://schemas.microsoft.com/office/drawing/2010/main" val="0"/>
+              </a:ext>
+            </a:extLst>
+          </a:blip>
+          <a:stretch>
+            <a:fillRect/>
+          </a:stretch>
+        </p:blipFill>
+        <p:spPr>
+          <a:xfrm>
+            <a:off x="1807745" y="1159191"/>
+            <a:ext cx="9788967" cy="5698809"/>
+          </a:xfrm>
+          <a:prstGeom prst="rect">
+            <a:avLst/>
+          </a:prstGeom>
+        </p:spPr>
+      </p:pic>
+      <p:sp>
+        <p:nvSpPr>
+          <p:cNvPr id="3" name="Footer Placeholder 2">
+            <a:extLst>
+              <a:ext uri="{FF2B5EF4-FFF2-40B4-BE49-F238E27FC236}">
+                <a16:creationId xmlns:a16="http://schemas.microsoft.com/office/drawing/2014/main" id="{94CBA223-CE58-47DD-A01A-EDF53243AC40}"/>
+              </a:ext>
+            </a:extLst>
+          </p:cNvPr>
+          <p:cNvSpPr>
+            <a:spLocks noGrp="1"/>
+          </p:cNvSpPr>
+          <p:nvPr>
+            <p:ph type="ftr" sz="quarter" idx="11"/>
+          </p:nvPr>
+        </p:nvSpPr>
+        <p:spPr/>
+        <p:txBody>
+          <a:bodyPr/>
+          <a:lstStyle/>
+          <a:p>
+            <a:r>
+              <a:rPr lang="en-US"/>
+              <a:t>Mark Fuller, Kevin Kulda, Connor Woodahl --- https://github.com/markfuller/BNU</a:t>
+            </a:r>
+          </a:p>
+        </p:txBody>
+      </p:sp>
+      <p:sp>
+        <p:nvSpPr>
+          <p:cNvPr id="5" name="Slide Number Placeholder 4">
+            <a:extLst>
+              <a:ext uri="{FF2B5EF4-FFF2-40B4-BE49-F238E27FC236}">
+                <a16:creationId xmlns:a16="http://schemas.microsoft.com/office/drawing/2014/main" id="{8A3547E5-34EB-4D54-BF66-A29EC953B962}"/>
+              </a:ext>
+            </a:extLst>
+          </p:cNvPr>
+          <p:cNvSpPr>
+            <a:spLocks noGrp="1"/>
+          </p:cNvSpPr>
+          <p:nvPr>
+            <p:ph type="sldNum" sz="quarter" idx="12"/>
+          </p:nvPr>
+        </p:nvSpPr>
+        <p:spPr/>
+        <p:txBody>
+          <a:bodyPr/>
+          <a:lstStyle/>
+          <a:p>
+            <a:fld id="{40FC477F-3197-4E88-B387-83A53B82C48D}" type="slidenum">
+              <a:rPr lang="en-US" smtClean="0"/>
+              <a:t>27</a:t>
+            </a:fld>
+            <a:endParaRPr lang="en-US"/>
+          </a:p>
+        </p:txBody>
+      </p:sp>
+    </p:spTree>
+    <p:extLst>
+      <p:ext uri="{BB962C8B-B14F-4D97-AF65-F5344CB8AC3E}">
+        <p14:creationId xmlns:p14="http://schemas.microsoft.com/office/powerpoint/2010/main" val="3139598922"/>
+      </p:ext>
+    </p:extLst>
+  </p:cSld>
+  <p:clrMapOvr>
+    <a:masterClrMapping/>
+  </p:clrMapOvr>
+</p:sld>
+</file>
+
+<file path=ppt/slides/slide28.xml><?xml version="1.0" encoding="utf-8"?>
+<p:sld xmlns:a="http://schemas.openxmlformats.org/drawingml/2006/main" xmlns:r="http://schemas.openxmlformats.org/officeDocument/2006/relationships" xmlns:p="http://schemas.openxmlformats.org/presentationml/2006/main">
+  <p:cSld>
+    <p:spTree>
+      <p:nvGrpSpPr>
+        <p:cNvPr id="1" name=""/>
+        <p:cNvGrpSpPr/>
+        <p:nvPr/>
+      </p:nvGrpSpPr>
+      <p:grpSpPr>
+        <a:xfrm>
+          <a:off x="0" y="0"/>
+          <a:ext cx="0" cy="0"/>
+          <a:chOff x="0" y="0"/>
+          <a:chExt cx="0" cy="0"/>
+        </a:xfrm>
+      </p:grpSpPr>
+      <p:sp>
+        <p:nvSpPr>
+          <p:cNvPr id="2" name="Title 1">
+            <a:extLst>
+              <a:ext uri="{FF2B5EF4-FFF2-40B4-BE49-F238E27FC236}">
+                <a16:creationId xmlns:a16="http://schemas.microsoft.com/office/drawing/2014/main" id="{AAE86C0E-A634-408D-BC14-34D305CC0D8A}"/>
+              </a:ext>
+            </a:extLst>
+          </p:cNvPr>
+          <p:cNvSpPr>
+            <a:spLocks noGrp="1"/>
+          </p:cNvSpPr>
+          <p:nvPr>
+            <p:ph type="title"/>
+          </p:nvPr>
+        </p:nvSpPr>
+        <p:spPr/>
+        <p:txBody>
+          <a:bodyPr/>
+          <a:lstStyle/>
+          <a:p>
+            <a:r>
+              <a:rPr lang="en-US" dirty="0"/>
+              <a:t>SSD</a:t>
+            </a:r>
+          </a:p>
+        </p:txBody>
+      </p:sp>
+      <p:pic>
+        <p:nvPicPr>
+          <p:cNvPr id="4" name="Picture 3" descr="A screenshot of a social media post&#10;&#10;Description automatically generated">
+            <a:extLst>
+              <a:ext uri="{FF2B5EF4-FFF2-40B4-BE49-F238E27FC236}">
+                <a16:creationId xmlns:a16="http://schemas.microsoft.com/office/drawing/2014/main" id="{C6F11686-7686-425D-B82B-2E928B9EB4E3}"/>
+              </a:ext>
+            </a:extLst>
+          </p:cNvPr>
+          <p:cNvPicPr>
+            <a:picLocks noChangeAspect="1"/>
+          </p:cNvPicPr>
+          <p:nvPr/>
+        </p:nvPicPr>
+        <p:blipFill>
+          <a:blip r:embed="rId2">
+            <a:extLst>
+              <a:ext uri="{28A0092B-C50C-407E-A947-70E740481C1C}">
+                <a14:useLocalDpi xmlns:a14="http://schemas.microsoft.com/office/drawing/2010/main" val="0"/>
+              </a:ext>
+            </a:extLst>
+          </a:blip>
+          <a:stretch>
+            <a:fillRect/>
+          </a:stretch>
+        </p:blipFill>
+        <p:spPr>
+          <a:xfrm>
+            <a:off x="1699498" y="1186555"/>
+            <a:ext cx="9282682" cy="5671445"/>
+          </a:xfrm>
+          <a:prstGeom prst="rect">
+            <a:avLst/>
+          </a:prstGeom>
+        </p:spPr>
+      </p:pic>
+      <p:sp>
+        <p:nvSpPr>
+          <p:cNvPr id="3" name="Footer Placeholder 2">
+            <a:extLst>
+              <a:ext uri="{FF2B5EF4-FFF2-40B4-BE49-F238E27FC236}">
+                <a16:creationId xmlns:a16="http://schemas.microsoft.com/office/drawing/2014/main" id="{467C1316-BE3D-4C2B-835A-37970B12CABB}"/>
+              </a:ext>
+            </a:extLst>
+          </p:cNvPr>
+          <p:cNvSpPr>
+            <a:spLocks noGrp="1"/>
+          </p:cNvSpPr>
+          <p:nvPr>
+            <p:ph type="ftr" sz="quarter" idx="11"/>
+          </p:nvPr>
+        </p:nvSpPr>
+        <p:spPr/>
+        <p:txBody>
+          <a:bodyPr/>
+          <a:lstStyle/>
+          <a:p>
+            <a:r>
+              <a:rPr lang="en-US"/>
+              <a:t>Mark Fuller, Kevin Kulda, Connor Woodahl --- https://github.com/markfuller/BNU</a:t>
+            </a:r>
+          </a:p>
+        </p:txBody>
+      </p:sp>
+      <p:sp>
+        <p:nvSpPr>
+          <p:cNvPr id="5" name="Slide Number Placeholder 4">
+            <a:extLst>
+              <a:ext uri="{FF2B5EF4-FFF2-40B4-BE49-F238E27FC236}">
+                <a16:creationId xmlns:a16="http://schemas.microsoft.com/office/drawing/2014/main" id="{8954D159-07BB-47C3-9904-E118211FA336}"/>
+              </a:ext>
+            </a:extLst>
+          </p:cNvPr>
+          <p:cNvSpPr>
+            <a:spLocks noGrp="1"/>
+          </p:cNvSpPr>
+          <p:nvPr>
+            <p:ph type="sldNum" sz="quarter" idx="12"/>
+          </p:nvPr>
+        </p:nvSpPr>
+        <p:spPr/>
+        <p:txBody>
+          <a:bodyPr/>
+          <a:lstStyle/>
+          <a:p>
+            <a:fld id="{40FC477F-3197-4E88-B387-83A53B82C48D}" type="slidenum">
+              <a:rPr lang="en-US" smtClean="0"/>
+              <a:t>28</a:t>
+            </a:fld>
+            <a:endParaRPr lang="en-US"/>
+          </a:p>
+        </p:txBody>
+      </p:sp>
+    </p:spTree>
+    <p:extLst>
+      <p:ext uri="{BB962C8B-B14F-4D97-AF65-F5344CB8AC3E}">
+        <p14:creationId xmlns:p14="http://schemas.microsoft.com/office/powerpoint/2010/main" val="2966044016"/>
+      </p:ext>
+    </p:extLst>
+  </p:cSld>
+  <p:clrMapOvr>
+    <a:masterClrMapping/>
+  </p:clrMapOvr>
+</p:sld>
+</file>
+
+<file path=ppt/slides/slide29.xml><?xml version="1.0" encoding="utf-8"?>
+<p:sld xmlns:a="http://schemas.openxmlformats.org/drawingml/2006/main" xmlns:r="http://schemas.openxmlformats.org/officeDocument/2006/relationships" xmlns:p="http://schemas.openxmlformats.org/presentationml/2006/main">
+  <p:cSld>
+    <p:spTree>
+      <p:nvGrpSpPr>
+        <p:cNvPr id="1" name=""/>
+        <p:cNvGrpSpPr/>
+        <p:nvPr/>
+      </p:nvGrpSpPr>
+      <p:grpSpPr>
+        <a:xfrm>
+          <a:off x="0" y="0"/>
+          <a:ext cx="0" cy="0"/>
+          <a:chOff x="0" y="0"/>
+          <a:chExt cx="0" cy="0"/>
+        </a:xfrm>
+      </p:grpSpPr>
+      <p:sp>
+        <p:nvSpPr>
+          <p:cNvPr id="2" name="Title 1">
+            <a:extLst>
+              <a:ext uri="{FF2B5EF4-FFF2-40B4-BE49-F238E27FC236}">
+                <a16:creationId xmlns:a16="http://schemas.microsoft.com/office/drawing/2014/main" id="{AAE86C0E-A634-408D-BC14-34D305CC0D8A}"/>
+              </a:ext>
+            </a:extLst>
+          </p:cNvPr>
+          <p:cNvSpPr>
+            <a:spLocks noGrp="1"/>
+          </p:cNvSpPr>
+          <p:nvPr>
+            <p:ph type="title"/>
+          </p:nvPr>
+        </p:nvSpPr>
+        <p:spPr/>
+        <p:txBody>
+          <a:bodyPr/>
+          <a:lstStyle/>
+          <a:p>
+            <a:r>
+              <a:rPr lang="en-US" dirty="0"/>
+              <a:t>SSD</a:t>
+            </a:r>
+          </a:p>
+        </p:txBody>
+      </p:sp>
+      <p:pic>
+        <p:nvPicPr>
+          <p:cNvPr id="4" name="Picture 3" descr="A screenshot of a social media post&#10;&#10;Description automatically generated">
+            <a:extLst>
+              <a:ext uri="{FF2B5EF4-FFF2-40B4-BE49-F238E27FC236}">
+                <a16:creationId xmlns:a16="http://schemas.microsoft.com/office/drawing/2014/main" id="{A187ADA3-C6E3-4E93-A11C-D4C0B5A79FE6}"/>
+              </a:ext>
+            </a:extLst>
+          </p:cNvPr>
+          <p:cNvPicPr>
+            <a:picLocks noChangeAspect="1"/>
+          </p:cNvPicPr>
+          <p:nvPr/>
+        </p:nvPicPr>
+        <p:blipFill>
+          <a:blip r:embed="rId2">
+            <a:extLst>
+              <a:ext uri="{28A0092B-C50C-407E-A947-70E740481C1C}">
+                <a14:useLocalDpi xmlns:a14="http://schemas.microsoft.com/office/drawing/2010/main" val="0"/>
+              </a:ext>
+            </a:extLst>
+          </a:blip>
+          <a:stretch>
+            <a:fillRect/>
+          </a:stretch>
+        </p:blipFill>
+        <p:spPr>
+          <a:xfrm>
+            <a:off x="1785044" y="1079965"/>
+            <a:ext cx="8621911" cy="5778035"/>
+          </a:xfrm>
+          <a:prstGeom prst="rect">
+            <a:avLst/>
+          </a:prstGeom>
+        </p:spPr>
+      </p:pic>
+      <p:sp>
+        <p:nvSpPr>
+          <p:cNvPr id="3" name="Footer Placeholder 2">
+            <a:extLst>
+              <a:ext uri="{FF2B5EF4-FFF2-40B4-BE49-F238E27FC236}">
+                <a16:creationId xmlns:a16="http://schemas.microsoft.com/office/drawing/2014/main" id="{35D3E4E7-F0CD-4C83-8DA7-7FA20A694C10}"/>
+              </a:ext>
+            </a:extLst>
+          </p:cNvPr>
+          <p:cNvSpPr>
+            <a:spLocks noGrp="1"/>
+          </p:cNvSpPr>
+          <p:nvPr>
+            <p:ph type="ftr" sz="quarter" idx="11"/>
+          </p:nvPr>
+        </p:nvSpPr>
+        <p:spPr/>
+        <p:txBody>
+          <a:bodyPr/>
+          <a:lstStyle/>
+          <a:p>
+            <a:r>
+              <a:rPr lang="en-US"/>
+              <a:t>Mark Fuller, Kevin Kulda, Connor Woodahl --- https://github.com/markfuller/BNU</a:t>
+            </a:r>
+          </a:p>
+        </p:txBody>
+      </p:sp>
+      <p:sp>
+        <p:nvSpPr>
+          <p:cNvPr id="5" name="Slide Number Placeholder 4">
+            <a:extLst>
+              <a:ext uri="{FF2B5EF4-FFF2-40B4-BE49-F238E27FC236}">
+                <a16:creationId xmlns:a16="http://schemas.microsoft.com/office/drawing/2014/main" id="{B6011963-8E35-494E-83F3-3C17F931B09D}"/>
+              </a:ext>
+            </a:extLst>
+          </p:cNvPr>
+          <p:cNvSpPr>
+            <a:spLocks noGrp="1"/>
+          </p:cNvSpPr>
+          <p:nvPr>
+            <p:ph type="sldNum" sz="quarter" idx="12"/>
+          </p:nvPr>
+        </p:nvSpPr>
+        <p:spPr/>
+        <p:txBody>
+          <a:bodyPr/>
+          <a:lstStyle/>
+          <a:p>
+            <a:fld id="{40FC477F-3197-4E88-B387-83A53B82C48D}" type="slidenum">
+              <a:rPr lang="en-US" smtClean="0"/>
+              <a:t>29</a:t>
+            </a:fld>
+            <a:endParaRPr lang="en-US"/>
+          </a:p>
+        </p:txBody>
+      </p:sp>
+    </p:spTree>
+    <p:extLst>
+      <p:ext uri="{BB962C8B-B14F-4D97-AF65-F5344CB8AC3E}">
+        <p14:creationId xmlns:p14="http://schemas.microsoft.com/office/powerpoint/2010/main" val="2809920508"/>
+      </p:ext>
+    </p:extLst>
+  </p:cSld>
+  <p:clrMapOvr>
+    <a:masterClrMapping/>
+  </p:clrMapOvr>
+</p:sld>
+</file>
+
+<file path=ppt/slides/slide3.xml><?xml version="1.0" encoding="utf-8"?>
+<p:sld xmlns:a="http://schemas.openxmlformats.org/drawingml/2006/main" xmlns:r="http://schemas.openxmlformats.org/officeDocument/2006/relationships" xmlns:p="http://schemas.openxmlformats.org/presentationml/2006/main">
+  <p:cSld>
+    <p:spTree>
+      <p:nvGrpSpPr>
+        <p:cNvPr id="1" name=""/>
+        <p:cNvGrpSpPr/>
+        <p:nvPr/>
+      </p:nvGrpSpPr>
+      <p:grpSpPr>
+        <a:xfrm>
+          <a:off x="0" y="0"/>
+          <a:ext cx="0" cy="0"/>
+          <a:chOff x="0" y="0"/>
+          <a:chExt cx="0" cy="0"/>
+        </a:xfrm>
+      </p:grpSpPr>
+      <p:sp>
+        <p:nvSpPr>
+          <p:cNvPr id="2" name="Title 1">
+            <a:extLst>
+              <a:ext uri="{FF2B5EF4-FFF2-40B4-BE49-F238E27FC236}">
+                <a16:creationId xmlns:a16="http://schemas.microsoft.com/office/drawing/2014/main" id="{AAE86C0E-A634-408D-BC14-34D305CC0D8A}"/>
+              </a:ext>
+            </a:extLst>
+          </p:cNvPr>
+          <p:cNvSpPr>
+            <a:spLocks noGrp="1"/>
+          </p:cNvSpPr>
+          <p:nvPr>
+            <p:ph type="title"/>
+          </p:nvPr>
+        </p:nvSpPr>
+        <p:spPr>
+          <a:xfrm>
+            <a:off x="1251678" y="382385"/>
+            <a:ext cx="10178322" cy="1492132"/>
+          </a:xfrm>
+        </p:spPr>
+        <p:txBody>
+          <a:bodyPr/>
+          <a:lstStyle/>
+          <a:p>
+            <a:r>
+              <a:rPr lang="en-US" dirty="0"/>
+              <a:t>Wireframes</a:t>
+            </a:r>
+          </a:p>
+        </p:txBody>
+      </p:sp>
+      <p:pic>
+        <p:nvPicPr>
+          <p:cNvPr id="10" name="Picture 9" descr="A screenshot of a cell phone&#10;&#10;Description automatically generated">
+            <a:extLst>
+              <a:ext uri="{FF2B5EF4-FFF2-40B4-BE49-F238E27FC236}">
+                <a16:creationId xmlns:a16="http://schemas.microsoft.com/office/drawing/2014/main" id="{A315453C-0D00-45E2-ADF9-940966D9F270}"/>
+              </a:ext>
+            </a:extLst>
+          </p:cNvPr>
+          <p:cNvPicPr>
+            <a:picLocks noChangeAspect="1"/>
+          </p:cNvPicPr>
+          <p:nvPr/>
+        </p:nvPicPr>
+        <p:blipFill>
+          <a:blip r:embed="rId2">
+            <a:extLst>
+              <a:ext uri="{28A0092B-C50C-407E-A947-70E740481C1C}">
+                <a14:useLocalDpi xmlns:a14="http://schemas.microsoft.com/office/drawing/2010/main" val="0"/>
+              </a:ext>
+            </a:extLst>
+          </a:blip>
+          <a:stretch>
+            <a:fillRect/>
+          </a:stretch>
+        </p:blipFill>
+        <p:spPr>
+          <a:xfrm>
+            <a:off x="2162052" y="1444003"/>
+            <a:ext cx="7867895" cy="4955412"/>
+          </a:xfrm>
+          <a:prstGeom prst="rect">
+            <a:avLst/>
+          </a:prstGeom>
+        </p:spPr>
+      </p:pic>
+      <p:sp>
+        <p:nvSpPr>
+          <p:cNvPr id="3" name="Footer Placeholder 2">
+            <a:extLst>
+              <a:ext uri="{FF2B5EF4-FFF2-40B4-BE49-F238E27FC236}">
+                <a16:creationId xmlns:a16="http://schemas.microsoft.com/office/drawing/2014/main" id="{50FEFEB9-5150-40CA-8887-C62904E0ED45}"/>
+              </a:ext>
+            </a:extLst>
+          </p:cNvPr>
+          <p:cNvSpPr>
+            <a:spLocks noGrp="1"/>
+          </p:cNvSpPr>
+          <p:nvPr>
+            <p:ph type="ftr" sz="quarter" idx="11"/>
+          </p:nvPr>
+        </p:nvSpPr>
+        <p:spPr/>
+        <p:txBody>
+          <a:bodyPr/>
+          <a:lstStyle/>
+          <a:p>
+            <a:r>
+              <a:rPr lang="en-US"/>
+              <a:t>Mark Fuller, Kevin Kulda, Connor Woodahl --- https://github.com/markfuller/BNU</a:t>
+            </a:r>
+          </a:p>
+        </p:txBody>
+      </p:sp>
+      <p:sp>
+        <p:nvSpPr>
+          <p:cNvPr id="4" name="Slide Number Placeholder 3">
+            <a:extLst>
+              <a:ext uri="{FF2B5EF4-FFF2-40B4-BE49-F238E27FC236}">
+                <a16:creationId xmlns:a16="http://schemas.microsoft.com/office/drawing/2014/main" id="{56BFD3DD-CEAA-4DA8-AF9F-C1EAFD4DDCC9}"/>
+              </a:ext>
+            </a:extLst>
+          </p:cNvPr>
+          <p:cNvSpPr>
+            <a:spLocks noGrp="1"/>
+          </p:cNvSpPr>
+          <p:nvPr>
+            <p:ph type="sldNum" sz="quarter" idx="12"/>
+          </p:nvPr>
+        </p:nvSpPr>
+        <p:spPr/>
+        <p:txBody>
+          <a:bodyPr/>
+          <a:lstStyle/>
+          <a:p>
+            <a:fld id="{40FC477F-3197-4E88-B387-83A53B82C48D}" type="slidenum">
+              <a:rPr lang="en-US" smtClean="0"/>
+              <a:t>3</a:t>
+            </a:fld>
+            <a:endParaRPr lang="en-US"/>
+          </a:p>
+        </p:txBody>
+      </p:sp>
+    </p:spTree>
+    <p:extLst>
+      <p:ext uri="{BB962C8B-B14F-4D97-AF65-F5344CB8AC3E}">
+        <p14:creationId xmlns:p14="http://schemas.microsoft.com/office/powerpoint/2010/main" val="1374272010"/>
+      </p:ext>
+    </p:extLst>
+  </p:cSld>
+  <p:clrMapOvr>
+    <a:masterClrMapping/>
+  </p:clrMapOvr>
+</p:sld>
+</file>
+
+<file path=ppt/slides/slide30.xml><?xml version="1.0" encoding="utf-8"?>
+<p:sld xmlns:a="http://schemas.openxmlformats.org/drawingml/2006/main" xmlns:r="http://schemas.openxmlformats.org/officeDocument/2006/relationships" xmlns:p="http://schemas.openxmlformats.org/presentationml/2006/main">
+  <p:cSld>
+    <p:spTree>
+      <p:nvGrpSpPr>
+        <p:cNvPr id="1" name=""/>
+        <p:cNvGrpSpPr/>
+        <p:nvPr/>
+      </p:nvGrpSpPr>
+      <p:grpSpPr>
+        <a:xfrm>
+          <a:off x="0" y="0"/>
+          <a:ext cx="0" cy="0"/>
+          <a:chOff x="0" y="0"/>
+          <a:chExt cx="0" cy="0"/>
+        </a:xfrm>
+      </p:grpSpPr>
+      <p:sp>
+        <p:nvSpPr>
+          <p:cNvPr id="2" name="Title 1">
+            <a:extLst>
+              <a:ext uri="{FF2B5EF4-FFF2-40B4-BE49-F238E27FC236}">
+                <a16:creationId xmlns:a16="http://schemas.microsoft.com/office/drawing/2014/main" id="{AAE86C0E-A634-408D-BC14-34D305CC0D8A}"/>
+              </a:ext>
+            </a:extLst>
+          </p:cNvPr>
+          <p:cNvSpPr>
+            <a:spLocks noGrp="1"/>
+          </p:cNvSpPr>
+          <p:nvPr>
+            <p:ph type="title"/>
+          </p:nvPr>
+        </p:nvSpPr>
+        <p:spPr/>
+        <p:txBody>
+          <a:bodyPr/>
+          <a:lstStyle/>
+          <a:p>
+            <a:r>
+              <a:rPr lang="en-US" dirty="0"/>
+              <a:t>SSD</a:t>
+            </a:r>
+          </a:p>
+        </p:txBody>
+      </p:sp>
+      <p:pic>
+        <p:nvPicPr>
+          <p:cNvPr id="4" name="Picture 3" descr="A screenshot of a cell phone&#10;&#10;Description automatically generated">
+            <a:extLst>
+              <a:ext uri="{FF2B5EF4-FFF2-40B4-BE49-F238E27FC236}">
+                <a16:creationId xmlns:a16="http://schemas.microsoft.com/office/drawing/2014/main" id="{F945B299-5188-410F-BAA2-6FE9D9A663A3}"/>
+              </a:ext>
+            </a:extLst>
+          </p:cNvPr>
+          <p:cNvPicPr>
+            <a:picLocks noChangeAspect="1"/>
+          </p:cNvPicPr>
+          <p:nvPr/>
+        </p:nvPicPr>
+        <p:blipFill>
+          <a:blip r:embed="rId2">
+            <a:extLst>
+              <a:ext uri="{28A0092B-C50C-407E-A947-70E740481C1C}">
+                <a14:useLocalDpi xmlns:a14="http://schemas.microsoft.com/office/drawing/2010/main" val="0"/>
+              </a:ext>
+            </a:extLst>
+          </a:blip>
+          <a:stretch>
+            <a:fillRect/>
+          </a:stretch>
+        </p:blipFill>
+        <p:spPr>
+          <a:xfrm>
+            <a:off x="2119785" y="1254417"/>
+            <a:ext cx="7952429" cy="5603583"/>
+          </a:xfrm>
+          <a:prstGeom prst="rect">
+            <a:avLst/>
+          </a:prstGeom>
+        </p:spPr>
+      </p:pic>
+      <p:sp>
+        <p:nvSpPr>
+          <p:cNvPr id="3" name="Footer Placeholder 2">
+            <a:extLst>
+              <a:ext uri="{FF2B5EF4-FFF2-40B4-BE49-F238E27FC236}">
+                <a16:creationId xmlns:a16="http://schemas.microsoft.com/office/drawing/2014/main" id="{C5EF1115-F9A8-4089-AA21-3CA267F637FC}"/>
+              </a:ext>
+            </a:extLst>
+          </p:cNvPr>
+          <p:cNvSpPr>
+            <a:spLocks noGrp="1"/>
+          </p:cNvSpPr>
+          <p:nvPr>
+            <p:ph type="ftr" sz="quarter" idx="11"/>
+          </p:nvPr>
+        </p:nvSpPr>
+        <p:spPr/>
+        <p:txBody>
+          <a:bodyPr/>
+          <a:lstStyle/>
+          <a:p>
+            <a:r>
+              <a:rPr lang="en-US"/>
+              <a:t>Mark Fuller, Kevin Kulda, Connor Woodahl --- https://github.com/markfuller/BNU</a:t>
+            </a:r>
+          </a:p>
+        </p:txBody>
+      </p:sp>
+      <p:sp>
+        <p:nvSpPr>
+          <p:cNvPr id="5" name="Slide Number Placeholder 4">
+            <a:extLst>
+              <a:ext uri="{FF2B5EF4-FFF2-40B4-BE49-F238E27FC236}">
+                <a16:creationId xmlns:a16="http://schemas.microsoft.com/office/drawing/2014/main" id="{DA85A689-42D1-4329-8E06-0F62E4319B1E}"/>
+              </a:ext>
+            </a:extLst>
+          </p:cNvPr>
+          <p:cNvSpPr>
+            <a:spLocks noGrp="1"/>
+          </p:cNvSpPr>
+          <p:nvPr>
+            <p:ph type="sldNum" sz="quarter" idx="12"/>
+          </p:nvPr>
+        </p:nvSpPr>
+        <p:spPr/>
+        <p:txBody>
+          <a:bodyPr/>
+          <a:lstStyle/>
+          <a:p>
+            <a:fld id="{40FC477F-3197-4E88-B387-83A53B82C48D}" type="slidenum">
+              <a:rPr lang="en-US" smtClean="0"/>
+              <a:t>30</a:t>
+            </a:fld>
+            <a:endParaRPr lang="en-US"/>
+          </a:p>
+        </p:txBody>
+      </p:sp>
+    </p:spTree>
+    <p:extLst>
+      <p:ext uri="{BB962C8B-B14F-4D97-AF65-F5344CB8AC3E}">
+        <p14:creationId xmlns:p14="http://schemas.microsoft.com/office/powerpoint/2010/main" val="2235488531"/>
+      </p:ext>
+    </p:extLst>
+  </p:cSld>
+  <p:clrMapOvr>
+    <a:masterClrMapping/>
+  </p:clrMapOvr>
+</p:sld>
+</file>
+
+<file path=ppt/slides/slide31.xml><?xml version="1.0" encoding="utf-8"?>
+<p:sld xmlns:a="http://schemas.openxmlformats.org/drawingml/2006/main" xmlns:r="http://schemas.openxmlformats.org/officeDocument/2006/relationships" xmlns:p="http://schemas.openxmlformats.org/presentationml/2006/main">
+  <p:cSld>
+    <p:spTree>
+      <p:nvGrpSpPr>
+        <p:cNvPr id="1" name=""/>
+        <p:cNvGrpSpPr/>
+        <p:nvPr/>
+      </p:nvGrpSpPr>
+      <p:grpSpPr>
+        <a:xfrm>
+          <a:off x="0" y="0"/>
+          <a:ext cx="0" cy="0"/>
+          <a:chOff x="0" y="0"/>
+          <a:chExt cx="0" cy="0"/>
+        </a:xfrm>
+      </p:grpSpPr>
+      <p:sp>
+        <p:nvSpPr>
+          <p:cNvPr id="2" name="Title 1">
+            <a:extLst>
+              <a:ext uri="{FF2B5EF4-FFF2-40B4-BE49-F238E27FC236}">
+                <a16:creationId xmlns:a16="http://schemas.microsoft.com/office/drawing/2014/main" id="{AAE86C0E-A634-408D-BC14-34D305CC0D8A}"/>
+              </a:ext>
+            </a:extLst>
+          </p:cNvPr>
+          <p:cNvSpPr>
+            <a:spLocks noGrp="1"/>
+          </p:cNvSpPr>
+          <p:nvPr>
+            <p:ph type="title"/>
+          </p:nvPr>
+        </p:nvSpPr>
+        <p:spPr/>
+        <p:txBody>
+          <a:bodyPr/>
+          <a:lstStyle/>
+          <a:p>
+            <a:r>
+              <a:rPr lang="en-US" dirty="0"/>
+              <a:t>SSD</a:t>
+            </a:r>
+          </a:p>
+        </p:txBody>
+      </p:sp>
+      <p:pic>
+        <p:nvPicPr>
+          <p:cNvPr id="4" name="Picture 3" descr="A screenshot of a social media post&#10;&#10;Description automatically generated">
+            <a:extLst>
+              <a:ext uri="{FF2B5EF4-FFF2-40B4-BE49-F238E27FC236}">
+                <a16:creationId xmlns:a16="http://schemas.microsoft.com/office/drawing/2014/main" id="{22B907EE-406E-4516-916D-E10F70226481}"/>
+              </a:ext>
+            </a:extLst>
+          </p:cNvPr>
+          <p:cNvPicPr>
+            <a:picLocks noChangeAspect="1"/>
+          </p:cNvPicPr>
+          <p:nvPr/>
+        </p:nvPicPr>
+        <p:blipFill>
+          <a:blip r:embed="rId2">
+            <a:extLst>
+              <a:ext uri="{28A0092B-C50C-407E-A947-70E740481C1C}">
+                <a14:useLocalDpi xmlns:a14="http://schemas.microsoft.com/office/drawing/2010/main" val="0"/>
+              </a:ext>
+            </a:extLst>
+          </a:blip>
+          <a:stretch>
+            <a:fillRect/>
+          </a:stretch>
+        </p:blipFill>
+        <p:spPr>
+          <a:xfrm>
+            <a:off x="1986488" y="1249212"/>
+            <a:ext cx="8953834" cy="5608788"/>
+          </a:xfrm>
+          <a:prstGeom prst="rect">
+            <a:avLst/>
+          </a:prstGeom>
+        </p:spPr>
+      </p:pic>
+      <p:sp>
+        <p:nvSpPr>
+          <p:cNvPr id="3" name="Footer Placeholder 2">
+            <a:extLst>
+              <a:ext uri="{FF2B5EF4-FFF2-40B4-BE49-F238E27FC236}">
+                <a16:creationId xmlns:a16="http://schemas.microsoft.com/office/drawing/2014/main" id="{C2C1004C-510A-4E0E-8E8C-1F7FE14C4F93}"/>
+              </a:ext>
+            </a:extLst>
+          </p:cNvPr>
+          <p:cNvSpPr>
+            <a:spLocks noGrp="1"/>
+          </p:cNvSpPr>
+          <p:nvPr>
+            <p:ph type="ftr" sz="quarter" idx="11"/>
+          </p:nvPr>
+        </p:nvSpPr>
+        <p:spPr/>
+        <p:txBody>
+          <a:bodyPr/>
+          <a:lstStyle/>
+          <a:p>
+            <a:r>
+              <a:rPr lang="en-US"/>
+              <a:t>Mark Fuller, Kevin Kulda, Connor Woodahl --- https://github.com/markfuller/BNU</a:t>
+            </a:r>
+          </a:p>
+        </p:txBody>
+      </p:sp>
+      <p:sp>
+        <p:nvSpPr>
+          <p:cNvPr id="5" name="Slide Number Placeholder 4">
+            <a:extLst>
+              <a:ext uri="{FF2B5EF4-FFF2-40B4-BE49-F238E27FC236}">
+                <a16:creationId xmlns:a16="http://schemas.microsoft.com/office/drawing/2014/main" id="{A49C2F70-7C58-4F67-BC14-28CB450C01D6}"/>
+              </a:ext>
+            </a:extLst>
+          </p:cNvPr>
+          <p:cNvSpPr>
+            <a:spLocks noGrp="1"/>
+          </p:cNvSpPr>
+          <p:nvPr>
+            <p:ph type="sldNum" sz="quarter" idx="12"/>
+          </p:nvPr>
+        </p:nvSpPr>
+        <p:spPr/>
+        <p:txBody>
+          <a:bodyPr/>
+          <a:lstStyle/>
+          <a:p>
+            <a:fld id="{40FC477F-3197-4E88-B387-83A53B82C48D}" type="slidenum">
+              <a:rPr lang="en-US" smtClean="0"/>
+              <a:t>31</a:t>
+            </a:fld>
+            <a:endParaRPr lang="en-US"/>
+          </a:p>
+        </p:txBody>
+      </p:sp>
+    </p:spTree>
+    <p:extLst>
+      <p:ext uri="{BB962C8B-B14F-4D97-AF65-F5344CB8AC3E}">
+        <p14:creationId xmlns:p14="http://schemas.microsoft.com/office/powerpoint/2010/main" val="2269492299"/>
+      </p:ext>
+    </p:extLst>
+  </p:cSld>
+  <p:clrMapOvr>
+    <a:masterClrMapping/>
+  </p:clrMapOvr>
+</p:sld>
+</file>
+
+<file path=ppt/slides/slide32.xml><?xml version="1.0" encoding="utf-8"?>
+<p:sld xmlns:a="http://schemas.openxmlformats.org/drawingml/2006/main" xmlns:r="http://schemas.openxmlformats.org/officeDocument/2006/relationships" xmlns:p="http://schemas.openxmlformats.org/presentationml/2006/main">
+  <p:cSld>
+    <p:spTree>
+      <p:nvGrpSpPr>
+        <p:cNvPr id="1" name=""/>
+        <p:cNvGrpSpPr/>
+        <p:nvPr/>
+      </p:nvGrpSpPr>
+      <p:grpSpPr>
+        <a:xfrm>
+          <a:off x="0" y="0"/>
+          <a:ext cx="0" cy="0"/>
+          <a:chOff x="0" y="0"/>
+          <a:chExt cx="0" cy="0"/>
+        </a:xfrm>
+      </p:grpSpPr>
+      <p:sp>
+        <p:nvSpPr>
+          <p:cNvPr id="2" name="Title 1">
+            <a:extLst>
+              <a:ext uri="{FF2B5EF4-FFF2-40B4-BE49-F238E27FC236}">
+                <a16:creationId xmlns:a16="http://schemas.microsoft.com/office/drawing/2014/main" id="{AAE86C0E-A634-408D-BC14-34D305CC0D8A}"/>
+              </a:ext>
+            </a:extLst>
+          </p:cNvPr>
+          <p:cNvSpPr>
+            <a:spLocks noGrp="1"/>
+          </p:cNvSpPr>
+          <p:nvPr>
+            <p:ph type="title"/>
+          </p:nvPr>
+        </p:nvSpPr>
+        <p:spPr/>
+        <p:txBody>
+          <a:bodyPr/>
+          <a:lstStyle/>
+          <a:p>
+            <a:r>
+              <a:rPr lang="en-US" dirty="0"/>
+              <a:t>OPERATIONS</a:t>
+            </a:r>
+          </a:p>
+        </p:txBody>
+      </p:sp>
+      <p:sp>
+        <p:nvSpPr>
+          <p:cNvPr id="7" name="TextBox 6">
+            <a:extLst>
+              <a:ext uri="{FF2B5EF4-FFF2-40B4-BE49-F238E27FC236}">
+                <a16:creationId xmlns:a16="http://schemas.microsoft.com/office/drawing/2014/main" id="{DD228CF4-DAA5-4A09-B605-B8C788E33EBB}"/>
+              </a:ext>
+            </a:extLst>
+          </p:cNvPr>
+          <p:cNvSpPr txBox="1"/>
+          <p:nvPr/>
+        </p:nvSpPr>
+        <p:spPr>
+          <a:xfrm>
+            <a:off x="1251678" y="2286000"/>
+            <a:ext cx="10356122" cy="2862322"/>
+          </a:xfrm>
+          <a:prstGeom prst="rect">
+            <a:avLst/>
+          </a:prstGeom>
+          <a:noFill/>
+        </p:spPr>
+        <p:txBody>
+          <a:bodyPr wrap="square" rtlCol="0">
+            <a:spAutoFit/>
+          </a:bodyPr>
+          <a:lstStyle/>
+          <a:p>
+            <a:r>
+              <a:rPr lang="en-US" dirty="0"/>
+              <a:t>Examples</a:t>
+            </a:r>
+          </a:p>
+          <a:p>
+            <a:pPr marL="742950" lvl="1" indent="-285750">
+              <a:buFont typeface="Arial" panose="020B0604020202020204" pitchFamily="34" charset="0"/>
+              <a:buChar char="•"/>
+            </a:pPr>
+            <a:r>
+              <a:rPr lang="en-US" dirty="0" err="1"/>
+              <a:t>checkUsername</a:t>
+            </a:r>
+            <a:r>
+              <a:rPr lang="en-US" dirty="0"/>
+              <a:t>()</a:t>
+            </a:r>
+          </a:p>
+          <a:p>
+            <a:pPr marL="742950" lvl="1" indent="-285750">
+              <a:buFont typeface="Arial" panose="020B0604020202020204" pitchFamily="34" charset="0"/>
+              <a:buChar char="•"/>
+            </a:pPr>
+            <a:r>
+              <a:rPr lang="en-US" dirty="0" err="1"/>
+              <a:t>checkPassword</a:t>
+            </a:r>
+            <a:r>
+              <a:rPr lang="en-US" dirty="0"/>
+              <a:t>()</a:t>
+            </a:r>
+          </a:p>
+          <a:p>
+            <a:pPr marL="742950" lvl="1" indent="-285750">
+              <a:buFont typeface="Arial" panose="020B0604020202020204" pitchFamily="34" charset="0"/>
+              <a:buChar char="•"/>
+            </a:pPr>
+            <a:r>
+              <a:rPr lang="en-US" dirty="0" err="1"/>
+              <a:t>populateClassList</a:t>
+            </a:r>
+            <a:r>
+              <a:rPr lang="en-US" dirty="0"/>
+              <a:t>()</a:t>
+            </a:r>
+          </a:p>
+          <a:p>
+            <a:pPr marL="742950" lvl="1" indent="-285750">
+              <a:buFont typeface="Arial" panose="020B0604020202020204" pitchFamily="34" charset="0"/>
+              <a:buChar char="•"/>
+            </a:pPr>
+            <a:r>
+              <a:rPr lang="en-US" dirty="0" err="1"/>
+              <a:t>populateProfessorList</a:t>
+            </a:r>
+            <a:r>
+              <a:rPr lang="en-US" dirty="0"/>
+              <a:t>()</a:t>
+            </a:r>
+          </a:p>
+          <a:p>
+            <a:pPr marL="742950" lvl="1" indent="-285750">
+              <a:buFont typeface="Arial" panose="020B0604020202020204" pitchFamily="34" charset="0"/>
+              <a:buChar char="•"/>
+            </a:pPr>
+            <a:r>
+              <a:rPr lang="en-US" dirty="0" err="1"/>
+              <a:t>sendMessage</a:t>
+            </a:r>
+            <a:r>
+              <a:rPr lang="en-US" dirty="0"/>
+              <a:t>()</a:t>
+            </a:r>
+          </a:p>
+          <a:p>
+            <a:pPr marL="742950" lvl="1" indent="-285750">
+              <a:buFont typeface="Arial" panose="020B0604020202020204" pitchFamily="34" charset="0"/>
+              <a:buChar char="•"/>
+            </a:pPr>
+            <a:r>
+              <a:rPr lang="en-US" dirty="0" err="1"/>
+              <a:t>viewMessage</a:t>
+            </a:r>
+            <a:r>
+              <a:rPr lang="en-US" dirty="0"/>
+              <a:t>()</a:t>
+            </a:r>
+          </a:p>
+          <a:p>
+            <a:pPr lvl="1"/>
+            <a:endParaRPr lang="en-US" dirty="0"/>
+          </a:p>
+          <a:p>
+            <a:pPr lvl="1"/>
+            <a:r>
+              <a:rPr lang="en-US" dirty="0"/>
+              <a:t>There are ~70 more </a:t>
+            </a:r>
+            <a:r>
+              <a:rPr lang="en-US" dirty="0">
+                <a:sym typeface="Wingdings" panose="05000000000000000000" pitchFamily="2" charset="2"/>
+              </a:rPr>
+              <a:t></a:t>
+            </a:r>
+            <a:r>
+              <a:rPr lang="en-US" dirty="0"/>
+              <a:t> </a:t>
+            </a:r>
+          </a:p>
+          <a:p>
+            <a:pPr lvl="1"/>
+            <a:endParaRPr lang="en-US" dirty="0"/>
+          </a:p>
+        </p:txBody>
+      </p:sp>
+      <p:sp>
+        <p:nvSpPr>
+          <p:cNvPr id="3" name="TextBox 2">
+            <a:extLst>
+              <a:ext uri="{FF2B5EF4-FFF2-40B4-BE49-F238E27FC236}">
+                <a16:creationId xmlns:a16="http://schemas.microsoft.com/office/drawing/2014/main" id="{44678D98-E9AE-4E8B-A5A3-329C89043C01}"/>
+              </a:ext>
+            </a:extLst>
+          </p:cNvPr>
+          <p:cNvSpPr txBox="1"/>
+          <p:nvPr/>
+        </p:nvSpPr>
+        <p:spPr>
+          <a:xfrm>
+            <a:off x="1251678" y="1483895"/>
+            <a:ext cx="9432364" cy="369332"/>
+          </a:xfrm>
+          <a:prstGeom prst="rect">
+            <a:avLst/>
+          </a:prstGeom>
+          <a:noFill/>
+        </p:spPr>
+        <p:txBody>
+          <a:bodyPr wrap="square" rtlCol="0">
+            <a:spAutoFit/>
+          </a:bodyPr>
+          <a:lstStyle/>
+          <a:p>
+            <a:r>
+              <a:rPr lang="en-US" dirty="0"/>
+              <a:t>Defining the system operations helps us plan how we will implement the BCC application.</a:t>
+            </a:r>
+          </a:p>
+        </p:txBody>
+      </p:sp>
+      <p:sp>
+        <p:nvSpPr>
+          <p:cNvPr id="4" name="Footer Placeholder 3">
+            <a:extLst>
+              <a:ext uri="{FF2B5EF4-FFF2-40B4-BE49-F238E27FC236}">
+                <a16:creationId xmlns:a16="http://schemas.microsoft.com/office/drawing/2014/main" id="{8330B33A-C052-490D-B625-F5EA6CFC6EC7}"/>
+              </a:ext>
+            </a:extLst>
+          </p:cNvPr>
+          <p:cNvSpPr>
+            <a:spLocks noGrp="1"/>
+          </p:cNvSpPr>
+          <p:nvPr>
+            <p:ph type="ftr" sz="quarter" idx="11"/>
+          </p:nvPr>
+        </p:nvSpPr>
+        <p:spPr/>
+        <p:txBody>
+          <a:bodyPr/>
+          <a:lstStyle/>
+          <a:p>
+            <a:r>
+              <a:rPr lang="en-US"/>
+              <a:t>Mark Fuller, Kevin Kulda, Connor Woodahl --- https://github.com/markfuller/BNU</a:t>
+            </a:r>
+          </a:p>
+        </p:txBody>
+      </p:sp>
+      <p:sp>
+        <p:nvSpPr>
+          <p:cNvPr id="5" name="Slide Number Placeholder 4">
+            <a:extLst>
+              <a:ext uri="{FF2B5EF4-FFF2-40B4-BE49-F238E27FC236}">
+                <a16:creationId xmlns:a16="http://schemas.microsoft.com/office/drawing/2014/main" id="{5EAE585F-7701-480E-A1F3-0854D20119A9}"/>
+              </a:ext>
+            </a:extLst>
+          </p:cNvPr>
+          <p:cNvSpPr>
+            <a:spLocks noGrp="1"/>
+          </p:cNvSpPr>
+          <p:nvPr>
+            <p:ph type="sldNum" sz="quarter" idx="12"/>
+          </p:nvPr>
+        </p:nvSpPr>
+        <p:spPr/>
+        <p:txBody>
+          <a:bodyPr/>
+          <a:lstStyle/>
+          <a:p>
+            <a:fld id="{40FC477F-3197-4E88-B387-83A53B82C48D}" type="slidenum">
+              <a:rPr lang="en-US" smtClean="0"/>
+              <a:t>32</a:t>
+            </a:fld>
+            <a:endParaRPr lang="en-US"/>
+          </a:p>
+        </p:txBody>
+      </p:sp>
+    </p:spTree>
+    <p:extLst>
+      <p:ext uri="{BB962C8B-B14F-4D97-AF65-F5344CB8AC3E}">
+        <p14:creationId xmlns:p14="http://schemas.microsoft.com/office/powerpoint/2010/main" val="3305870225"/>
       </p:ext>
     </p:extLst>
   </p:cSld>
@@ -12186,7 +14503,7 @@
           <p:cNvPr id="2" name="Title 1">
             <a:extLst>
               <a:ext uri="{FF2B5EF4-FFF2-40B4-BE49-F238E27FC236}">
-                <a16:creationId xmlns:a16="http://schemas.microsoft.com/office/drawing/2014/main" id="{AF1E2ED6-2DB5-4942-92E9-8544E588ECD0}"/>
+                <a16:creationId xmlns:a16="http://schemas.microsoft.com/office/drawing/2014/main" id="{AAE86C0E-A634-408D-BC14-34D305CC0D8A}"/>
               </a:ext>
             </a:extLst>
           </p:cNvPr>
@@ -12197,65 +14514,21 @@
             <p:ph type="title"/>
           </p:nvPr>
         </p:nvSpPr>
-        <p:spPr/>
+        <p:spPr>
+          <a:xfrm>
+            <a:off x="1251678" y="382385"/>
+            <a:ext cx="10178322" cy="1492132"/>
+          </a:xfrm>
+        </p:spPr>
         <p:txBody>
           <a:bodyPr/>
           <a:lstStyle/>
           <a:p>
             <a:r>
-              <a:rPr lang="en-US" dirty="0"/>
-              <a:t>Issue Tracking</a:t>
-            </a:r>
-          </a:p>
-        </p:txBody>
-      </p:sp>
-      <p:sp>
-        <p:nvSpPr>
-          <p:cNvPr id="3" name="Content Placeholder 2">
-            <a:extLst>
-              <a:ext uri="{FF2B5EF4-FFF2-40B4-BE49-F238E27FC236}">
-                <a16:creationId xmlns:a16="http://schemas.microsoft.com/office/drawing/2014/main" id="{D104FDDF-F102-46BC-A459-8865099BE2E4}"/>
-              </a:ext>
-            </a:extLst>
-          </p:cNvPr>
-          <p:cNvSpPr>
-            <a:spLocks noGrp="1"/>
-          </p:cNvSpPr>
-          <p:nvPr>
-            <p:ph idx="1"/>
-          </p:nvPr>
-        </p:nvSpPr>
-        <p:spPr>
-          <a:xfrm>
-            <a:off x="1251678" y="1286359"/>
-            <a:ext cx="10178322" cy="4593233"/>
-          </a:xfrm>
-        </p:spPr>
-        <p:txBody>
-          <a:bodyPr/>
-          <a:lstStyle/>
-          <a:p>
-            <a:r>
-              <a:rPr lang="en-US" dirty="0"/>
-              <a:t>Please see our issue tracking repository on </a:t>
-            </a:r>
-            <a:r>
-              <a:rPr lang="en-US" dirty="0" err="1"/>
-              <a:t>Github</a:t>
-            </a:r>
-            <a:r>
-              <a:rPr lang="en-US" dirty="0"/>
-              <a:t> at the link below: </a:t>
-            </a:r>
-          </a:p>
-          <a:p>
-            <a:pPr marL="0" indent="0">
-              <a:buNone/>
-            </a:pPr>
-            <a:r>
-              <a:rPr lang="en-US" dirty="0"/>
-              <a:t>https://github.com/MarkFuller1/BNU/issues</a:t>
-            </a:r>
+              <a:rPr lang="en-US"/>
+              <a:t>Domain MOdel</a:t>
+            </a:r>
+            <a:endParaRPr lang="en-US" dirty="0"/>
           </a:p>
         </p:txBody>
       </p:sp>
@@ -12264,7 +14537,7 @@
           <p:cNvPr id="4" name="Picture 3">
             <a:extLst>
               <a:ext uri="{FF2B5EF4-FFF2-40B4-BE49-F238E27FC236}">
-                <a16:creationId xmlns:a16="http://schemas.microsoft.com/office/drawing/2014/main" id="{E271EE47-568D-4F5F-B966-57F423A7F1A3}"/>
+                <a16:creationId xmlns:a16="http://schemas.microsoft.com/office/drawing/2014/main" id="{6B5DEE95-D122-46B5-AEA0-9902A1780316}"/>
               </a:ext>
             </a:extLst>
           </p:cNvPr>
@@ -12274,25 +14547,88 @@
           <p:nvPr/>
         </p:nvPicPr>
         <p:blipFill>
-          <a:blip r:embed="rId2"/>
+          <a:blip r:embed="rId2">
+            <a:extLst>
+              <a:ext uri="{28A0092B-C50C-407E-A947-70E740481C1C}">
+                <a14:useLocalDpi xmlns:a14="http://schemas.microsoft.com/office/drawing/2010/main" val="0"/>
+              </a:ext>
+            </a:extLst>
+          </a:blip>
           <a:stretch>
             <a:fillRect/>
           </a:stretch>
         </p:blipFill>
         <p:spPr>
           <a:xfrm>
-            <a:off x="4415883" y="2191206"/>
-            <a:ext cx="6334465" cy="4666793"/>
+            <a:off x="3417004" y="1829957"/>
+            <a:ext cx="5357992" cy="4645658"/>
           </a:xfrm>
           <a:prstGeom prst="rect">
             <a:avLst/>
           </a:prstGeom>
         </p:spPr>
       </p:pic>
+      <p:sp>
+        <p:nvSpPr>
+          <p:cNvPr id="3" name="Footer Placeholder 2">
+            <a:extLst>
+              <a:ext uri="{FF2B5EF4-FFF2-40B4-BE49-F238E27FC236}">
+                <a16:creationId xmlns:a16="http://schemas.microsoft.com/office/drawing/2014/main" id="{5763593C-D654-4F24-A085-DF0DCDD32E48}"/>
+              </a:ext>
+            </a:extLst>
+          </p:cNvPr>
+          <p:cNvSpPr>
+            <a:spLocks noGrp="1"/>
+          </p:cNvSpPr>
+          <p:nvPr>
+            <p:ph type="ftr" sz="quarter" idx="11"/>
+          </p:nvPr>
+        </p:nvSpPr>
+        <p:spPr/>
+        <p:txBody>
+          <a:bodyPr/>
+          <a:lstStyle/>
+          <a:p>
+            <a:r>
+              <a:rPr lang="en-US"/>
+              <a:t>Mark Fuller, Kevin Kulda, Connor Woodahl --- https://github.com/markfuller/BNU</a:t>
+            </a:r>
+          </a:p>
+        </p:txBody>
+      </p:sp>
+      <p:sp>
+        <p:nvSpPr>
+          <p:cNvPr id="5" name="Slide Number Placeholder 4">
+            <a:extLst>
+              <a:ext uri="{FF2B5EF4-FFF2-40B4-BE49-F238E27FC236}">
+                <a16:creationId xmlns:a16="http://schemas.microsoft.com/office/drawing/2014/main" id="{6F2B4589-3734-4E84-85E1-6E8C8D51E1A9}"/>
+              </a:ext>
+            </a:extLst>
+          </p:cNvPr>
+          <p:cNvSpPr>
+            <a:spLocks noGrp="1"/>
+          </p:cNvSpPr>
+          <p:nvPr>
+            <p:ph type="sldNum" sz="quarter" idx="12"/>
+          </p:nvPr>
+        </p:nvSpPr>
+        <p:spPr/>
+        <p:txBody>
+          <a:bodyPr/>
+          <a:lstStyle/>
+          <a:p>
+            <a:fld id="{40FC477F-3197-4E88-B387-83A53B82C48D}" type="slidenum">
+              <a:rPr lang="en-US" smtClean="0"/>
+              <a:t>33</a:t>
+            </a:fld>
+            <a:endParaRPr lang="en-US"/>
+          </a:p>
+        </p:txBody>
+      </p:sp>
     </p:spTree>
     <p:extLst>
       <p:ext uri="{BB962C8B-B14F-4D97-AF65-F5344CB8AC3E}">
-        <p14:creationId xmlns:p14="http://schemas.microsoft.com/office/powerpoint/2010/main" val="1153750137"/>
+        <p14:creationId xmlns:p14="http://schemas.microsoft.com/office/powerpoint/2010/main" val="2784672425"/>
       </p:ext>
     </p:extLst>
   </p:cSld>
@@ -12324,7 +14660,7 @@
           <p:cNvPr id="2" name="Title 1">
             <a:extLst>
               <a:ext uri="{FF2B5EF4-FFF2-40B4-BE49-F238E27FC236}">
-                <a16:creationId xmlns:a16="http://schemas.microsoft.com/office/drawing/2014/main" id="{DC864003-A107-49F1-A1E3-B46819C4804D}"/>
+                <a16:creationId xmlns:a16="http://schemas.microsoft.com/office/drawing/2014/main" id="{5B1BC57A-2EA1-4640-96D0-7381D8ECF3DD}"/>
               </a:ext>
             </a:extLst>
           </p:cNvPr>
@@ -12342,7 +14678,7 @@
           <a:p>
             <a:r>
               <a:rPr lang="en-US" dirty="0"/>
-              <a:t>Actors</a:t>
+              <a:t>Questions?</a:t>
             </a:r>
           </a:p>
         </p:txBody>
@@ -12352,7 +14688,7 @@
           <p:cNvPr id="3" name="Content Placeholder 2">
             <a:extLst>
               <a:ext uri="{FF2B5EF4-FFF2-40B4-BE49-F238E27FC236}">
-                <a16:creationId xmlns:a16="http://schemas.microsoft.com/office/drawing/2014/main" id="{F040E405-B3A0-421B-8E5A-313E9ABBE35B}"/>
+                <a16:creationId xmlns:a16="http://schemas.microsoft.com/office/drawing/2014/main" id="{20B65DA8-D449-49D9-BF3C-EF476B15801D}"/>
               </a:ext>
             </a:extLst>
           </p:cNvPr>
@@ -12368,150 +14704,71 @@
           <a:bodyPr/>
           <a:lstStyle/>
           <a:p>
-            <a:pPr marL="0" indent="0" algn="ctr">
-              <a:buNone/>
-            </a:pPr>
-            <a:r>
-              <a:rPr lang="en-US" dirty="0"/>
-              <a:t>    User                                           Admin                                            System</a:t>
-            </a:r>
-          </a:p>
-        </p:txBody>
-      </p:sp>
-      <p:pic>
-        <p:nvPicPr>
-          <p:cNvPr id="1026" name="Picture 2" descr="Image result for admin">
+            <a:endParaRPr lang="en-US"/>
+          </a:p>
+        </p:txBody>
+      </p:sp>
+      <p:sp>
+        <p:nvSpPr>
+          <p:cNvPr id="4" name="Footer Placeholder 3">
             <a:extLst>
               <a:ext uri="{FF2B5EF4-FFF2-40B4-BE49-F238E27FC236}">
-                <a16:creationId xmlns:a16="http://schemas.microsoft.com/office/drawing/2014/main" id="{529342E6-0FD3-4216-9197-5E8B544FE99C}"/>
+                <a16:creationId xmlns:a16="http://schemas.microsoft.com/office/drawing/2014/main" id="{884378AA-21B0-413B-B3B2-B36F3A0BABBE}"/>
               </a:ext>
             </a:extLst>
           </p:cNvPr>
-          <p:cNvPicPr>
-            <a:picLocks noChangeAspect="1" noChangeArrowheads="1"/>
-          </p:cNvPicPr>
-          <p:nvPr/>
-        </p:nvPicPr>
-        <p:blipFill>
-          <a:blip r:embed="rId2">
-            <a:extLst>
-              <a:ext uri="{28A0092B-C50C-407E-A947-70E740481C1C}">
-                <a14:useLocalDpi xmlns:a14="http://schemas.microsoft.com/office/drawing/2010/main" val="0"/>
-              </a:ext>
-            </a:extLst>
-          </a:blip>
-          <a:srcRect/>
-          <a:stretch>
-            <a:fillRect/>
-          </a:stretch>
-        </p:blipFill>
-        <p:spPr bwMode="auto">
-          <a:xfrm>
-            <a:off x="5054693" y="3287924"/>
-            <a:ext cx="2701925" cy="2701925"/>
-          </a:xfrm>
-          <a:prstGeom prst="rect">
-            <a:avLst/>
-          </a:prstGeom>
-          <a:noFill/>
-          <a:extLst>
-            <a:ext uri="{909E8E84-426E-40DD-AFC4-6F175D3DCCD1}">
-              <a14:hiddenFill xmlns:a14="http://schemas.microsoft.com/office/drawing/2010/main">
-                <a:solidFill>
-                  <a:srgbClr val="FFFFFF"/>
-                </a:solidFill>
-              </a14:hiddenFill>
-            </a:ext>
-          </a:extLst>
-        </p:spPr>
-      </p:pic>
-      <p:pic>
-        <p:nvPicPr>
-          <p:cNvPr id="1028" name="Picture 4" descr="Image result for admin">
+          <p:cNvSpPr>
+            <a:spLocks noGrp="1"/>
+          </p:cNvSpPr>
+          <p:nvPr>
+            <p:ph type="ftr" sz="quarter" idx="11"/>
+          </p:nvPr>
+        </p:nvSpPr>
+        <p:spPr/>
+        <p:txBody>
+          <a:bodyPr/>
+          <a:lstStyle/>
+          <a:p>
+            <a:r>
+              <a:rPr lang="en-US"/>
+              <a:t>Mark Fuller, Kevin Kulda, Connor Woodahl --- https://github.com/markfuller/BNU</a:t>
+            </a:r>
+          </a:p>
+        </p:txBody>
+      </p:sp>
+      <p:sp>
+        <p:nvSpPr>
+          <p:cNvPr id="5" name="Slide Number Placeholder 4">
             <a:extLst>
               <a:ext uri="{FF2B5EF4-FFF2-40B4-BE49-F238E27FC236}">
-                <a16:creationId xmlns:a16="http://schemas.microsoft.com/office/drawing/2014/main" id="{641129A4-F93C-47B9-A9AB-EE898E0EC6B5}"/>
+                <a16:creationId xmlns:a16="http://schemas.microsoft.com/office/drawing/2014/main" id="{517F29D6-9B1D-4DBF-B639-4F93C9502455}"/>
               </a:ext>
             </a:extLst>
           </p:cNvPr>
-          <p:cNvPicPr>
-            <a:picLocks noChangeAspect="1" noChangeArrowheads="1"/>
-          </p:cNvPicPr>
-          <p:nvPr/>
-        </p:nvPicPr>
-        <p:blipFill>
-          <a:blip r:embed="rId3">
-            <a:extLst>
-              <a:ext uri="{28A0092B-C50C-407E-A947-70E740481C1C}">
-                <a14:useLocalDpi xmlns:a14="http://schemas.microsoft.com/office/drawing/2010/main" val="0"/>
-              </a:ext>
-            </a:extLst>
-          </a:blip>
-          <a:srcRect/>
-          <a:stretch>
-            <a:fillRect/>
-          </a:stretch>
-        </p:blipFill>
-        <p:spPr bwMode="auto">
-          <a:xfrm>
-            <a:off x="1381311" y="3287924"/>
-            <a:ext cx="2701925" cy="2701925"/>
-          </a:xfrm>
-          <a:prstGeom prst="rect">
-            <a:avLst/>
-          </a:prstGeom>
-          <a:noFill/>
-          <a:extLst>
-            <a:ext uri="{909E8E84-426E-40DD-AFC4-6F175D3DCCD1}">
-              <a14:hiddenFill xmlns:a14="http://schemas.microsoft.com/office/drawing/2010/main">
-                <a:solidFill>
-                  <a:srgbClr val="FFFFFF"/>
-                </a:solidFill>
-              </a14:hiddenFill>
-            </a:ext>
-          </a:extLst>
-        </p:spPr>
-      </p:pic>
-      <p:pic>
-        <p:nvPicPr>
-          <p:cNvPr id="7" name="Picture 6">
-            <a:extLst>
-              <a:ext uri="{FF2B5EF4-FFF2-40B4-BE49-F238E27FC236}">
-                <a16:creationId xmlns:a16="http://schemas.microsoft.com/office/drawing/2014/main" id="{EEB5C03E-7AFA-4892-ABA1-DE9BD5B33B35}"/>
-              </a:ext>
-            </a:extLst>
-          </p:cNvPr>
-          <p:cNvPicPr>
-            <a:picLocks noChangeAspect="1"/>
-          </p:cNvPicPr>
-          <p:nvPr/>
-        </p:nvPicPr>
-        <p:blipFill>
-          <a:blip r:embed="rId4">
-            <a:extLst>
-              <a:ext uri="{28A0092B-C50C-407E-A947-70E740481C1C}">
-                <a14:useLocalDpi xmlns:a14="http://schemas.microsoft.com/office/drawing/2010/main" val="0"/>
-              </a:ext>
-            </a:extLst>
-          </a:blip>
-          <a:stretch>
-            <a:fillRect/>
-          </a:stretch>
-        </p:blipFill>
-        <p:spPr>
-          <a:xfrm>
-            <a:off x="8728075" y="3287924"/>
-            <a:ext cx="2701925" cy="2627622"/>
-          </a:xfrm>
-          <a:prstGeom prst="rect">
-            <a:avLst/>
-          </a:prstGeom>
-        </p:spPr>
-      </p:pic>
+          <p:cNvSpPr>
+            <a:spLocks noGrp="1"/>
+          </p:cNvSpPr>
+          <p:nvPr>
+            <p:ph type="sldNum" sz="quarter" idx="12"/>
+          </p:nvPr>
+        </p:nvSpPr>
+        <p:spPr/>
+        <p:txBody>
+          <a:bodyPr/>
+          <a:lstStyle/>
+          <a:p>
+            <a:fld id="{40FC477F-3197-4E88-B387-83A53B82C48D}" type="slidenum">
+              <a:rPr lang="en-US" smtClean="0"/>
+              <a:t>34</a:t>
+            </a:fld>
+            <a:endParaRPr lang="en-US"/>
+          </a:p>
+        </p:txBody>
+      </p:sp>
     </p:spTree>
     <p:extLst>
       <p:ext uri="{BB962C8B-B14F-4D97-AF65-F5344CB8AC3E}">
-        <p14:creationId xmlns:p14="http://schemas.microsoft.com/office/powerpoint/2010/main" val="3947808191"/>
+        <p14:creationId xmlns:p14="http://schemas.microsoft.com/office/powerpoint/2010/main" val="3518543384"/>
       </p:ext>
     </p:extLst>
   </p:cSld>
@@ -13481,106 +15738,329 @@
       </p:sp>
       <p:sp>
         <p:nvSpPr>
-          <p:cNvPr id="6" name="TextBox 5">
+          <p:cNvPr id="7" name="Content Placeholder 2">
             <a:extLst>
               <a:ext uri="{FF2B5EF4-FFF2-40B4-BE49-F238E27FC236}">
-                <a16:creationId xmlns:a16="http://schemas.microsoft.com/office/drawing/2014/main" id="{997612C1-A835-443D-A659-D220073B3EE0}"/>
+                <a16:creationId xmlns:a16="http://schemas.microsoft.com/office/drawing/2014/main" id="{C10E9493-240E-4A8E-A4E4-68EDC78EDA08}"/>
               </a:ext>
             </a:extLst>
           </p:cNvPr>
-          <p:cNvSpPr txBox="1"/>
+          <p:cNvSpPr txBox="1">
+            <a:spLocks/>
+          </p:cNvSpPr>
           <p:nvPr/>
         </p:nvSpPr>
         <p:spPr>
           <a:xfrm>
-            <a:off x="4874003" y="5879593"/>
-            <a:ext cx="2550253" cy="369332"/>
+            <a:off x="1251678" y="5879593"/>
+            <a:ext cx="3304280" cy="473081"/>
           </a:xfrm>
           <a:prstGeom prst="rect">
             <a:avLst/>
           </a:prstGeom>
-          <a:noFill/>
         </p:spPr>
         <p:txBody>
-          <a:bodyPr wrap="square" rtlCol="0">
-            <a:spAutoFit/>
+          <a:bodyPr vert="horz" lIns="91440" tIns="45720" rIns="91440" bIns="45720" rtlCol="0">
+            <a:normAutofit/>
           </a:bodyPr>
+          <a:lstStyle>
+            <a:lvl1pPr marL="228600" indent="-228600" algn="l" defTabSz="914400" rtl="0" eaLnBrk="1" latinLnBrk="0" hangingPunct="1">
+              <a:lnSpc>
+                <a:spcPct val="110000"/>
+              </a:lnSpc>
+              <a:spcBef>
+                <a:spcPts val="700"/>
+              </a:spcBef>
+              <a:buClr>
+                <a:schemeClr val="tx2"/>
+              </a:buClr>
+              <a:buFont typeface="Arial" panose="020B0604020202020204" pitchFamily="34" charset="0"/>
+              <a:buChar char="•"/>
+              <a:defRPr sz="2000" kern="1200">
+                <a:solidFill>
+                  <a:schemeClr val="tx1">
+                    <a:lumMod val="65000"/>
+                    <a:lumOff val="35000"/>
+                  </a:schemeClr>
+                </a:solidFill>
+                <a:latin typeface="+mn-lt"/>
+                <a:ea typeface="+mn-ea"/>
+                <a:cs typeface="+mn-cs"/>
+              </a:defRPr>
+            </a:lvl1pPr>
+            <a:lvl2pPr marL="685800" indent="-228600" algn="l" defTabSz="914400" rtl="0" eaLnBrk="1" latinLnBrk="0" hangingPunct="1">
+              <a:lnSpc>
+                <a:spcPct val="110000"/>
+              </a:lnSpc>
+              <a:spcBef>
+                <a:spcPts val="700"/>
+              </a:spcBef>
+              <a:buClr>
+                <a:schemeClr val="tx2"/>
+              </a:buClr>
+              <a:buFont typeface="Gill Sans MT" panose="020B0502020104020203" pitchFamily="34" charset="0"/>
+              <a:buChar char="–"/>
+              <a:defRPr sz="1800" kern="1200">
+                <a:solidFill>
+                  <a:schemeClr val="tx1">
+                    <a:lumMod val="65000"/>
+                    <a:lumOff val="35000"/>
+                  </a:schemeClr>
+                </a:solidFill>
+                <a:latin typeface="+mn-lt"/>
+                <a:ea typeface="+mn-ea"/>
+                <a:cs typeface="+mn-cs"/>
+              </a:defRPr>
+            </a:lvl2pPr>
+            <a:lvl3pPr marL="1143000" indent="-228600" algn="l" defTabSz="914400" rtl="0" eaLnBrk="1" latinLnBrk="0" hangingPunct="1">
+              <a:lnSpc>
+                <a:spcPct val="110000"/>
+              </a:lnSpc>
+              <a:spcBef>
+                <a:spcPts val="700"/>
+              </a:spcBef>
+              <a:buClr>
+                <a:schemeClr val="tx2"/>
+              </a:buClr>
+              <a:buFont typeface="Arial" panose="020B0604020202020204" pitchFamily="34" charset="0"/>
+              <a:buChar char="•"/>
+              <a:defRPr sz="1600" kern="1200">
+                <a:solidFill>
+                  <a:schemeClr val="tx1">
+                    <a:lumMod val="65000"/>
+                    <a:lumOff val="35000"/>
+                  </a:schemeClr>
+                </a:solidFill>
+                <a:latin typeface="+mn-lt"/>
+                <a:ea typeface="+mn-ea"/>
+                <a:cs typeface="+mn-cs"/>
+              </a:defRPr>
+            </a:lvl3pPr>
+            <a:lvl4pPr marL="1600200" indent="-228600" algn="l" defTabSz="914400" rtl="0" eaLnBrk="1" latinLnBrk="0" hangingPunct="1">
+              <a:lnSpc>
+                <a:spcPct val="110000"/>
+              </a:lnSpc>
+              <a:spcBef>
+                <a:spcPts val="700"/>
+              </a:spcBef>
+              <a:buClr>
+                <a:schemeClr val="tx2"/>
+              </a:buClr>
+              <a:buFont typeface="Gill Sans MT" panose="020B0502020104020203" pitchFamily="34" charset="0"/>
+              <a:buChar char="–"/>
+              <a:defRPr sz="1400" kern="1200">
+                <a:solidFill>
+                  <a:schemeClr val="tx1">
+                    <a:lumMod val="65000"/>
+                    <a:lumOff val="35000"/>
+                  </a:schemeClr>
+                </a:solidFill>
+                <a:latin typeface="+mn-lt"/>
+                <a:ea typeface="+mn-ea"/>
+                <a:cs typeface="+mn-cs"/>
+              </a:defRPr>
+            </a:lvl4pPr>
+            <a:lvl5pPr marL="2057400" indent="-228600" algn="l" defTabSz="914400" rtl="0" eaLnBrk="1" latinLnBrk="0" hangingPunct="1">
+              <a:lnSpc>
+                <a:spcPct val="110000"/>
+              </a:lnSpc>
+              <a:spcBef>
+                <a:spcPts val="700"/>
+              </a:spcBef>
+              <a:buClr>
+                <a:schemeClr val="tx2"/>
+              </a:buClr>
+              <a:buFont typeface="Arial" panose="020B0604020202020204" pitchFamily="34" charset="0"/>
+              <a:buChar char="•"/>
+              <a:defRPr sz="1400" kern="1200">
+                <a:solidFill>
+                  <a:schemeClr val="tx1">
+                    <a:lumMod val="65000"/>
+                    <a:lumOff val="35000"/>
+                  </a:schemeClr>
+                </a:solidFill>
+                <a:latin typeface="+mn-lt"/>
+                <a:ea typeface="+mn-ea"/>
+                <a:cs typeface="+mn-cs"/>
+              </a:defRPr>
+            </a:lvl5pPr>
+            <a:lvl6pPr marL="2514600" indent="-228600" algn="l" defTabSz="914400" rtl="0" eaLnBrk="1" latinLnBrk="0" hangingPunct="1">
+              <a:lnSpc>
+                <a:spcPct val="110000"/>
+              </a:lnSpc>
+              <a:spcBef>
+                <a:spcPts val="700"/>
+              </a:spcBef>
+              <a:buClr>
+                <a:schemeClr val="tx2"/>
+              </a:buClr>
+              <a:buFont typeface="Gill Sans MT" panose="020B0502020104020203" pitchFamily="34" charset="0"/>
+              <a:buChar char="–"/>
+              <a:defRPr sz="1400" kern="1200">
+                <a:solidFill>
+                  <a:schemeClr val="tx1">
+                    <a:lumMod val="65000"/>
+                    <a:lumOff val="35000"/>
+                  </a:schemeClr>
+                </a:solidFill>
+                <a:latin typeface="+mn-lt"/>
+                <a:ea typeface="+mn-ea"/>
+                <a:cs typeface="+mn-cs"/>
+              </a:defRPr>
+            </a:lvl6pPr>
+            <a:lvl7pPr marL="2971800" indent="-228600" algn="l" defTabSz="914400" rtl="0" eaLnBrk="1" latinLnBrk="0" hangingPunct="1">
+              <a:lnSpc>
+                <a:spcPct val="110000"/>
+              </a:lnSpc>
+              <a:spcBef>
+                <a:spcPts val="700"/>
+              </a:spcBef>
+              <a:buClr>
+                <a:schemeClr val="tx2"/>
+              </a:buClr>
+              <a:buFont typeface="Arial" panose="020B0604020202020204" pitchFamily="34" charset="0"/>
+              <a:buChar char="•"/>
+              <a:defRPr sz="1400" kern="1200">
+                <a:solidFill>
+                  <a:schemeClr val="tx1">
+                    <a:lumMod val="65000"/>
+                    <a:lumOff val="35000"/>
+                  </a:schemeClr>
+                </a:solidFill>
+                <a:latin typeface="+mn-lt"/>
+                <a:ea typeface="+mn-ea"/>
+                <a:cs typeface="+mn-cs"/>
+              </a:defRPr>
+            </a:lvl7pPr>
+            <a:lvl8pPr marL="3429000" indent="-228600" algn="l" defTabSz="914400" rtl="0" eaLnBrk="1" latinLnBrk="0" hangingPunct="1">
+              <a:lnSpc>
+                <a:spcPct val="110000"/>
+              </a:lnSpc>
+              <a:spcBef>
+                <a:spcPts val="700"/>
+              </a:spcBef>
+              <a:buClr>
+                <a:schemeClr val="tx2"/>
+              </a:buClr>
+              <a:buFont typeface="Gill Sans MT" panose="020B0502020104020203" pitchFamily="34" charset="0"/>
+              <a:buChar char="–"/>
+              <a:defRPr sz="1400" kern="1200" baseline="0">
+                <a:solidFill>
+                  <a:schemeClr val="tx1">
+                    <a:lumMod val="65000"/>
+                    <a:lumOff val="35000"/>
+                  </a:schemeClr>
+                </a:solidFill>
+                <a:latin typeface="+mn-lt"/>
+                <a:ea typeface="+mn-ea"/>
+                <a:cs typeface="+mn-cs"/>
+              </a:defRPr>
+            </a:lvl8pPr>
+            <a:lvl9pPr marL="3886200" indent="-228600" algn="l" defTabSz="914400" rtl="0" eaLnBrk="1" latinLnBrk="0" hangingPunct="1">
+              <a:lnSpc>
+                <a:spcPct val="110000"/>
+              </a:lnSpc>
+              <a:spcBef>
+                <a:spcPts val="700"/>
+              </a:spcBef>
+              <a:buClr>
+                <a:schemeClr val="tx2"/>
+              </a:buClr>
+              <a:buFont typeface="Arial" panose="020B0604020202020204" pitchFamily="34" charset="0"/>
+              <a:buChar char="•"/>
+              <a:defRPr sz="1400" kern="1200" baseline="0">
+                <a:solidFill>
+                  <a:schemeClr val="tx1">
+                    <a:lumMod val="65000"/>
+                    <a:lumOff val="35000"/>
+                  </a:schemeClr>
+                </a:solidFill>
+                <a:latin typeface="+mn-lt"/>
+                <a:ea typeface="+mn-ea"/>
+                <a:cs typeface="+mn-cs"/>
+              </a:defRPr>
+            </a:lvl9pPr>
+          </a:lstStyle>
+          <a:p>
+            <a:pPr marL="0" indent="0">
+              <a:buFont typeface="Arial" panose="020B0604020202020204" pitchFamily="34" charset="0"/>
+              <a:buNone/>
+            </a:pPr>
+            <a:r>
+              <a:rPr lang="en-US" sz="1200" dirty="0"/>
+              <a:t>12</a:t>
+            </a:r>
+          </a:p>
+          <a:p>
+            <a:pPr marL="0" indent="0">
+              <a:buFont typeface="Arial" panose="020B0604020202020204" pitchFamily="34" charset="0"/>
+              <a:buNone/>
+            </a:pPr>
+            <a:endParaRPr lang="en-US" dirty="0"/>
+          </a:p>
+          <a:p>
+            <a:pPr marL="0" indent="0">
+              <a:buFont typeface="Arial" panose="020B0604020202020204" pitchFamily="34" charset="0"/>
+              <a:buNone/>
+            </a:pPr>
+            <a:endParaRPr lang="en-US" dirty="0"/>
+          </a:p>
+        </p:txBody>
+      </p:sp>
+      <p:sp>
+        <p:nvSpPr>
+          <p:cNvPr id="6" name="Footer Placeholder 5">
+            <a:extLst>
+              <a:ext uri="{FF2B5EF4-FFF2-40B4-BE49-F238E27FC236}">
+                <a16:creationId xmlns:a16="http://schemas.microsoft.com/office/drawing/2014/main" id="{5478D9F6-0268-40B7-9A7C-FACE4235326B}"/>
+              </a:ext>
+            </a:extLst>
+          </p:cNvPr>
+          <p:cNvSpPr>
+            <a:spLocks noGrp="1"/>
+          </p:cNvSpPr>
+          <p:nvPr>
+            <p:ph type="ftr" sz="quarter" idx="11"/>
+          </p:nvPr>
+        </p:nvSpPr>
+        <p:spPr/>
+        <p:txBody>
+          <a:bodyPr/>
           <a:lstStyle/>
           <a:p>
             <a:r>
-              <a:rPr lang="en-US" dirty="0"/>
-              <a:t>12 hours = 33% points</a:t>
-            </a:r>
-          </a:p>
-        </p:txBody>
-      </p:sp>
-      <p:sp>
-        <p:nvSpPr>
-          <p:cNvPr id="8" name="TextBox 7">
+              <a:rPr lang="en-US"/>
+              <a:t>Mark Fuller, Kevin Kulda, Connor Woodahl --- https://github.com/markfuller/BNU</a:t>
+            </a:r>
+          </a:p>
+        </p:txBody>
+      </p:sp>
+      <p:sp>
+        <p:nvSpPr>
+          <p:cNvPr id="8" name="Slide Number Placeholder 7">
             <a:extLst>
               <a:ext uri="{FF2B5EF4-FFF2-40B4-BE49-F238E27FC236}">
-                <a16:creationId xmlns:a16="http://schemas.microsoft.com/office/drawing/2014/main" id="{AD302D24-043B-4462-ACA5-6E34264ED94B}"/>
+                <a16:creationId xmlns:a16="http://schemas.microsoft.com/office/drawing/2014/main" id="{2B113EB2-7218-42D0-9DC8-2EFC29F225BB}"/>
               </a:ext>
             </a:extLst>
           </p:cNvPr>
-          <p:cNvSpPr txBox="1"/>
-          <p:nvPr/>
-        </p:nvSpPr>
-        <p:spPr>
-          <a:xfrm>
-            <a:off x="8405143" y="5879593"/>
-            <a:ext cx="2527551" cy="369332"/>
-          </a:xfrm>
-          <a:prstGeom prst="rect">
-            <a:avLst/>
-          </a:prstGeom>
-          <a:noFill/>
-        </p:spPr>
-        <p:txBody>
-          <a:bodyPr wrap="square" rtlCol="0">
-            <a:spAutoFit/>
-          </a:bodyPr>
+          <p:cNvSpPr>
+            <a:spLocks noGrp="1"/>
+          </p:cNvSpPr>
+          <p:nvPr>
+            <p:ph type="sldNum" sz="quarter" idx="12"/>
+          </p:nvPr>
+        </p:nvSpPr>
+        <p:spPr/>
+        <p:txBody>
+          <a:bodyPr/>
           <a:lstStyle/>
           <a:p>
-            <a:r>
-              <a:rPr lang="en-US" dirty="0"/>
-              <a:t>13 hours = 33% points</a:t>
-            </a:r>
-          </a:p>
-        </p:txBody>
-      </p:sp>
-      <p:sp>
-        <p:nvSpPr>
-          <p:cNvPr id="9" name="TextBox 8">
-            <a:extLst>
-              <a:ext uri="{FF2B5EF4-FFF2-40B4-BE49-F238E27FC236}">
-                <a16:creationId xmlns:a16="http://schemas.microsoft.com/office/drawing/2014/main" id="{B81C9AEF-E65C-4F64-B346-DF47F8F3DA24}"/>
-              </a:ext>
-            </a:extLst>
-          </p:cNvPr>
-          <p:cNvSpPr txBox="1"/>
-          <p:nvPr/>
-        </p:nvSpPr>
-        <p:spPr>
-          <a:xfrm>
-            <a:off x="1259305" y="5920557"/>
-            <a:ext cx="2448629" cy="369332"/>
-          </a:xfrm>
-          <a:prstGeom prst="rect">
-            <a:avLst/>
-          </a:prstGeom>
-          <a:noFill/>
-        </p:spPr>
-        <p:txBody>
-          <a:bodyPr wrap="square" rtlCol="0">
-            <a:spAutoFit/>
-          </a:bodyPr>
-          <a:lstStyle/>
-          <a:p>
-            <a:r>
-              <a:rPr lang="en-US" dirty="0"/>
-              <a:t>12 hours = 33% points</a:t>
-            </a:r>
+            <a:fld id="{40FC477F-3197-4E88-B387-83A53B82C48D}" type="slidenum">
+              <a:rPr lang="en-US" smtClean="0"/>
+              <a:t>35</a:t>
+            </a:fld>
+            <a:endParaRPr lang="en-US"/>
           </a:p>
         </p:txBody>
       </p:sp>
@@ -13588,99 +16068,6 @@
     <p:extLst>
       <p:ext uri="{BB962C8B-B14F-4D97-AF65-F5344CB8AC3E}">
         <p14:creationId xmlns:p14="http://schemas.microsoft.com/office/powerpoint/2010/main" val="741140017"/>
-      </p:ext>
-    </p:extLst>
-  </p:cSld>
-  <p:clrMapOvr>
-    <a:masterClrMapping/>
-  </p:clrMapOvr>
-</p:sld>
-</file>
-
-<file path=ppt/slides/slide36.xml><?xml version="1.0" encoding="utf-8"?>
-<p:sld xmlns:a="http://schemas.openxmlformats.org/drawingml/2006/main" xmlns:r="http://schemas.openxmlformats.org/officeDocument/2006/relationships" xmlns:p="http://schemas.openxmlformats.org/presentationml/2006/main">
-  <p:cSld>
-    <p:spTree>
-      <p:nvGrpSpPr>
-        <p:cNvPr id="1" name=""/>
-        <p:cNvGrpSpPr/>
-        <p:nvPr/>
-      </p:nvGrpSpPr>
-      <p:grpSpPr>
-        <a:xfrm>
-          <a:off x="0" y="0"/>
-          <a:ext cx="0" cy="0"/>
-          <a:chOff x="0" y="0"/>
-          <a:chExt cx="0" cy="0"/>
-        </a:xfrm>
-      </p:grpSpPr>
-      <p:sp>
-        <p:nvSpPr>
-          <p:cNvPr id="2" name="Title 1">
-            <a:extLst>
-              <a:ext uri="{FF2B5EF4-FFF2-40B4-BE49-F238E27FC236}">
-                <a16:creationId xmlns:a16="http://schemas.microsoft.com/office/drawing/2014/main" id="{33929634-1BDF-45A8-B2E4-1C1948CC2BA3}"/>
-              </a:ext>
-            </a:extLst>
-          </p:cNvPr>
-          <p:cNvSpPr>
-            <a:spLocks noGrp="1"/>
-          </p:cNvSpPr>
-          <p:nvPr>
-            <p:ph type="title"/>
-          </p:nvPr>
-        </p:nvSpPr>
-        <p:spPr/>
-        <p:txBody>
-          <a:bodyPr/>
-          <a:lstStyle/>
-          <a:p>
-            <a:r>
-              <a:rPr lang="en-US" dirty="0"/>
-              <a:t>Teamwork Plan</a:t>
-            </a:r>
-          </a:p>
-        </p:txBody>
-      </p:sp>
-      <p:pic>
-        <p:nvPicPr>
-          <p:cNvPr id="9" name="Content Placeholder 8">
-            <a:extLst>
-              <a:ext uri="{FF2B5EF4-FFF2-40B4-BE49-F238E27FC236}">
-                <a16:creationId xmlns:a16="http://schemas.microsoft.com/office/drawing/2014/main" id="{34E08CE7-A717-4B45-8101-B3E546858D4E}"/>
-              </a:ext>
-            </a:extLst>
-          </p:cNvPr>
-          <p:cNvPicPr>
-            <a:picLocks noGrp="1" noChangeAspect="1"/>
-          </p:cNvPicPr>
-          <p:nvPr>
-            <p:ph idx="1"/>
-          </p:nvPr>
-        </p:nvPicPr>
-        <p:blipFill>
-          <a:blip r:embed="rId2">
-            <a:extLst>
-              <a:ext uri="{28A0092B-C50C-407E-A947-70E740481C1C}">
-                <a14:useLocalDpi xmlns:a14="http://schemas.microsoft.com/office/drawing/2010/main" val="0"/>
-              </a:ext>
-            </a:extLst>
-          </a:blip>
-          <a:stretch>
-            <a:fillRect/>
-          </a:stretch>
-        </p:blipFill>
-        <p:spPr>
-          <a:xfrm>
-            <a:off x="1411913" y="2209869"/>
-            <a:ext cx="9858455" cy="3343731"/>
-          </a:xfrm>
-        </p:spPr>
-      </p:pic>
-    </p:spTree>
-    <p:extLst>
-      <p:ext uri="{BB962C8B-B14F-4D97-AF65-F5344CB8AC3E}">
-        <p14:creationId xmlns:p14="http://schemas.microsoft.com/office/powerpoint/2010/main" val="481892140"/>
       </p:ext>
     </p:extLst>
   </p:cSld>
@@ -13843,6 +16230,63 @@
           </a:prstGeom>
         </p:spPr>
       </p:pic>
+      <p:sp>
+        <p:nvSpPr>
+          <p:cNvPr id="3" name="Footer Placeholder 2">
+            <a:extLst>
+              <a:ext uri="{FF2B5EF4-FFF2-40B4-BE49-F238E27FC236}">
+                <a16:creationId xmlns:a16="http://schemas.microsoft.com/office/drawing/2014/main" id="{31B2E2F4-3473-4525-A451-51039CC06AE4}"/>
+              </a:ext>
+            </a:extLst>
+          </p:cNvPr>
+          <p:cNvSpPr>
+            <a:spLocks noGrp="1"/>
+          </p:cNvSpPr>
+          <p:nvPr>
+            <p:ph type="ftr" sz="quarter" idx="11"/>
+          </p:nvPr>
+        </p:nvSpPr>
+        <p:spPr/>
+        <p:txBody>
+          <a:bodyPr/>
+          <a:lstStyle/>
+          <a:p>
+            <a:r>
+              <a:rPr lang="en-US"/>
+              <a:t>Mark Fuller, Kevin Kulda, Connor Woodahl --- https://github.com/markfuller/BNU</a:t>
+            </a:r>
+          </a:p>
+        </p:txBody>
+      </p:sp>
+      <p:sp>
+        <p:nvSpPr>
+          <p:cNvPr id="7" name="Slide Number Placeholder 6">
+            <a:extLst>
+              <a:ext uri="{FF2B5EF4-FFF2-40B4-BE49-F238E27FC236}">
+                <a16:creationId xmlns:a16="http://schemas.microsoft.com/office/drawing/2014/main" id="{8F6FD0FD-9E11-4DC2-BFB9-D579810A4222}"/>
+              </a:ext>
+            </a:extLst>
+          </p:cNvPr>
+          <p:cNvSpPr>
+            <a:spLocks noGrp="1"/>
+          </p:cNvSpPr>
+          <p:nvPr>
+            <p:ph type="sldNum" sz="quarter" idx="12"/>
+          </p:nvPr>
+        </p:nvSpPr>
+        <p:spPr/>
+        <p:txBody>
+          <a:bodyPr/>
+          <a:lstStyle/>
+          <a:p>
+            <a:fld id="{40FC477F-3197-4E88-B387-83A53B82C48D}" type="slidenum">
+              <a:rPr lang="en-US" smtClean="0"/>
+              <a:t>4</a:t>
+            </a:fld>
+            <a:endParaRPr lang="en-US"/>
+          </a:p>
+        </p:txBody>
+      </p:sp>
     </p:spTree>
     <p:extLst>
       <p:ext uri="{BB962C8B-B14F-4D97-AF65-F5344CB8AC3E}">
@@ -13936,6 +16380,63 @@
           </a:xfrm>
         </p:spPr>
       </p:pic>
+      <p:sp>
+        <p:nvSpPr>
+          <p:cNvPr id="3" name="Footer Placeholder 2">
+            <a:extLst>
+              <a:ext uri="{FF2B5EF4-FFF2-40B4-BE49-F238E27FC236}">
+                <a16:creationId xmlns:a16="http://schemas.microsoft.com/office/drawing/2014/main" id="{61A165D4-4125-479B-8A32-269F16B9153A}"/>
+              </a:ext>
+            </a:extLst>
+          </p:cNvPr>
+          <p:cNvSpPr>
+            <a:spLocks noGrp="1"/>
+          </p:cNvSpPr>
+          <p:nvPr>
+            <p:ph type="ftr" sz="quarter" idx="11"/>
+          </p:nvPr>
+        </p:nvSpPr>
+        <p:spPr/>
+        <p:txBody>
+          <a:bodyPr/>
+          <a:lstStyle/>
+          <a:p>
+            <a:r>
+              <a:rPr lang="en-US"/>
+              <a:t>Mark Fuller, Kevin Kulda, Connor Woodahl --- https://github.com/markfuller/BNU</a:t>
+            </a:r>
+          </a:p>
+        </p:txBody>
+      </p:sp>
+      <p:sp>
+        <p:nvSpPr>
+          <p:cNvPr id="4" name="Slide Number Placeholder 3">
+            <a:extLst>
+              <a:ext uri="{FF2B5EF4-FFF2-40B4-BE49-F238E27FC236}">
+                <a16:creationId xmlns:a16="http://schemas.microsoft.com/office/drawing/2014/main" id="{E9BC32C2-DBEA-4F82-B378-ED2F4FF72B62}"/>
+              </a:ext>
+            </a:extLst>
+          </p:cNvPr>
+          <p:cNvSpPr>
+            <a:spLocks noGrp="1"/>
+          </p:cNvSpPr>
+          <p:nvPr>
+            <p:ph type="sldNum" sz="quarter" idx="12"/>
+          </p:nvPr>
+        </p:nvSpPr>
+        <p:spPr/>
+        <p:txBody>
+          <a:bodyPr/>
+          <a:lstStyle/>
+          <a:p>
+            <a:fld id="{40FC477F-3197-4E88-B387-83A53B82C48D}" type="slidenum">
+              <a:rPr lang="en-US" smtClean="0"/>
+              <a:t>5</a:t>
+            </a:fld>
+            <a:endParaRPr lang="en-US"/>
+          </a:p>
+        </p:txBody>
+      </p:sp>
     </p:spTree>
     <p:extLst>
       <p:ext uri="{BB962C8B-B14F-4D97-AF65-F5344CB8AC3E}">
@@ -14030,6 +16531,63 @@
           </a:prstGeom>
         </p:spPr>
       </p:pic>
+      <p:sp>
+        <p:nvSpPr>
+          <p:cNvPr id="3" name="Footer Placeholder 2">
+            <a:extLst>
+              <a:ext uri="{FF2B5EF4-FFF2-40B4-BE49-F238E27FC236}">
+                <a16:creationId xmlns:a16="http://schemas.microsoft.com/office/drawing/2014/main" id="{A76912CF-6CA2-4E3C-901A-8DB09514520B}"/>
+              </a:ext>
+            </a:extLst>
+          </p:cNvPr>
+          <p:cNvSpPr>
+            <a:spLocks noGrp="1"/>
+          </p:cNvSpPr>
+          <p:nvPr>
+            <p:ph type="ftr" sz="quarter" idx="11"/>
+          </p:nvPr>
+        </p:nvSpPr>
+        <p:spPr/>
+        <p:txBody>
+          <a:bodyPr/>
+          <a:lstStyle/>
+          <a:p>
+            <a:r>
+              <a:rPr lang="en-US"/>
+              <a:t>Mark Fuller, Kevin Kulda, Connor Woodahl --- https://github.com/markfuller/BNU</a:t>
+            </a:r>
+          </a:p>
+        </p:txBody>
+      </p:sp>
+      <p:sp>
+        <p:nvSpPr>
+          <p:cNvPr id="4" name="Slide Number Placeholder 3">
+            <a:extLst>
+              <a:ext uri="{FF2B5EF4-FFF2-40B4-BE49-F238E27FC236}">
+                <a16:creationId xmlns:a16="http://schemas.microsoft.com/office/drawing/2014/main" id="{1A1B8D58-E850-47A5-8AFA-BA79700C51A4}"/>
+              </a:ext>
+            </a:extLst>
+          </p:cNvPr>
+          <p:cNvSpPr>
+            <a:spLocks noGrp="1"/>
+          </p:cNvSpPr>
+          <p:nvPr>
+            <p:ph type="sldNum" sz="quarter" idx="12"/>
+          </p:nvPr>
+        </p:nvSpPr>
+        <p:spPr/>
+        <p:txBody>
+          <a:bodyPr/>
+          <a:lstStyle/>
+          <a:p>
+            <a:fld id="{40FC477F-3197-4E88-B387-83A53B82C48D}" type="slidenum">
+              <a:rPr lang="en-US" smtClean="0"/>
+              <a:t>6</a:t>
+            </a:fld>
+            <a:endParaRPr lang="en-US"/>
+          </a:p>
+        </p:txBody>
+      </p:sp>
     </p:spTree>
     <p:extLst>
       <p:ext uri="{BB962C8B-B14F-4D97-AF65-F5344CB8AC3E}">
@@ -14123,6 +16681,63 @@
           </a:xfrm>
         </p:spPr>
       </p:pic>
+      <p:sp>
+        <p:nvSpPr>
+          <p:cNvPr id="3" name="Footer Placeholder 2">
+            <a:extLst>
+              <a:ext uri="{FF2B5EF4-FFF2-40B4-BE49-F238E27FC236}">
+                <a16:creationId xmlns:a16="http://schemas.microsoft.com/office/drawing/2014/main" id="{5E283D02-B2A6-4263-A0EB-8D3368175DDC}"/>
+              </a:ext>
+            </a:extLst>
+          </p:cNvPr>
+          <p:cNvSpPr>
+            <a:spLocks noGrp="1"/>
+          </p:cNvSpPr>
+          <p:nvPr>
+            <p:ph type="ftr" sz="quarter" idx="11"/>
+          </p:nvPr>
+        </p:nvSpPr>
+        <p:spPr/>
+        <p:txBody>
+          <a:bodyPr/>
+          <a:lstStyle/>
+          <a:p>
+            <a:r>
+              <a:rPr lang="en-US"/>
+              <a:t>Mark Fuller, Kevin Kulda, Connor Woodahl --- https://github.com/markfuller/BNU</a:t>
+            </a:r>
+          </a:p>
+        </p:txBody>
+      </p:sp>
+      <p:sp>
+        <p:nvSpPr>
+          <p:cNvPr id="4" name="Slide Number Placeholder 3">
+            <a:extLst>
+              <a:ext uri="{FF2B5EF4-FFF2-40B4-BE49-F238E27FC236}">
+                <a16:creationId xmlns:a16="http://schemas.microsoft.com/office/drawing/2014/main" id="{4107955F-A4CD-465E-B1CF-7B2FACA964BD}"/>
+              </a:ext>
+            </a:extLst>
+          </p:cNvPr>
+          <p:cNvSpPr>
+            <a:spLocks noGrp="1"/>
+          </p:cNvSpPr>
+          <p:nvPr>
+            <p:ph type="sldNum" sz="quarter" idx="12"/>
+          </p:nvPr>
+        </p:nvSpPr>
+        <p:spPr/>
+        <p:txBody>
+          <a:bodyPr/>
+          <a:lstStyle/>
+          <a:p>
+            <a:fld id="{40FC477F-3197-4E88-B387-83A53B82C48D}" type="slidenum">
+              <a:rPr lang="en-US" smtClean="0"/>
+              <a:t>7</a:t>
+            </a:fld>
+            <a:endParaRPr lang="en-US"/>
+          </a:p>
+        </p:txBody>
+      </p:sp>
     </p:spTree>
     <p:extLst>
       <p:ext uri="{BB962C8B-B14F-4D97-AF65-F5344CB8AC3E}">
@@ -14216,6 +16831,63 @@
           </a:xfrm>
         </p:spPr>
       </p:pic>
+      <p:sp>
+        <p:nvSpPr>
+          <p:cNvPr id="3" name="Footer Placeholder 2">
+            <a:extLst>
+              <a:ext uri="{FF2B5EF4-FFF2-40B4-BE49-F238E27FC236}">
+                <a16:creationId xmlns:a16="http://schemas.microsoft.com/office/drawing/2014/main" id="{AA98FE51-2EC9-487B-BD84-755B4EF1684E}"/>
+              </a:ext>
+            </a:extLst>
+          </p:cNvPr>
+          <p:cNvSpPr>
+            <a:spLocks noGrp="1"/>
+          </p:cNvSpPr>
+          <p:nvPr>
+            <p:ph type="ftr" sz="quarter" idx="11"/>
+          </p:nvPr>
+        </p:nvSpPr>
+        <p:spPr/>
+        <p:txBody>
+          <a:bodyPr/>
+          <a:lstStyle/>
+          <a:p>
+            <a:r>
+              <a:rPr lang="en-US"/>
+              <a:t>Mark Fuller, Kevin Kulda, Connor Woodahl --- https://github.com/markfuller/BNU</a:t>
+            </a:r>
+          </a:p>
+        </p:txBody>
+      </p:sp>
+      <p:sp>
+        <p:nvSpPr>
+          <p:cNvPr id="4" name="Slide Number Placeholder 3">
+            <a:extLst>
+              <a:ext uri="{FF2B5EF4-FFF2-40B4-BE49-F238E27FC236}">
+                <a16:creationId xmlns:a16="http://schemas.microsoft.com/office/drawing/2014/main" id="{49675FCF-1D28-407A-A6BF-A2181FDF3ACF}"/>
+              </a:ext>
+            </a:extLst>
+          </p:cNvPr>
+          <p:cNvSpPr>
+            <a:spLocks noGrp="1"/>
+          </p:cNvSpPr>
+          <p:nvPr>
+            <p:ph type="sldNum" sz="quarter" idx="12"/>
+          </p:nvPr>
+        </p:nvSpPr>
+        <p:spPr/>
+        <p:txBody>
+          <a:bodyPr/>
+          <a:lstStyle/>
+          <a:p>
+            <a:fld id="{40FC477F-3197-4E88-B387-83A53B82C48D}" type="slidenum">
+              <a:rPr lang="en-US" smtClean="0"/>
+              <a:t>8</a:t>
+            </a:fld>
+            <a:endParaRPr lang="en-US"/>
+          </a:p>
+        </p:txBody>
+      </p:sp>
     </p:spTree>
     <p:extLst>
       <p:ext uri="{BB962C8B-B14F-4D97-AF65-F5344CB8AC3E}">
@@ -14309,6 +16981,63 @@
           </a:xfrm>
         </p:spPr>
       </p:pic>
+      <p:sp>
+        <p:nvSpPr>
+          <p:cNvPr id="3" name="Footer Placeholder 2">
+            <a:extLst>
+              <a:ext uri="{FF2B5EF4-FFF2-40B4-BE49-F238E27FC236}">
+                <a16:creationId xmlns:a16="http://schemas.microsoft.com/office/drawing/2014/main" id="{6B75F048-2993-419E-BCEC-7F97D3686641}"/>
+              </a:ext>
+            </a:extLst>
+          </p:cNvPr>
+          <p:cNvSpPr>
+            <a:spLocks noGrp="1"/>
+          </p:cNvSpPr>
+          <p:nvPr>
+            <p:ph type="ftr" sz="quarter" idx="11"/>
+          </p:nvPr>
+        </p:nvSpPr>
+        <p:spPr/>
+        <p:txBody>
+          <a:bodyPr/>
+          <a:lstStyle/>
+          <a:p>
+            <a:r>
+              <a:rPr lang="en-US"/>
+              <a:t>Mark Fuller, Kevin Kulda, Connor Woodahl --- https://github.com/markfuller/BNU</a:t>
+            </a:r>
+          </a:p>
+        </p:txBody>
+      </p:sp>
+      <p:sp>
+        <p:nvSpPr>
+          <p:cNvPr id="4" name="Slide Number Placeholder 3">
+            <a:extLst>
+              <a:ext uri="{FF2B5EF4-FFF2-40B4-BE49-F238E27FC236}">
+                <a16:creationId xmlns:a16="http://schemas.microsoft.com/office/drawing/2014/main" id="{05C862F4-1D87-4208-B1E7-B4FA97B17BEC}"/>
+              </a:ext>
+            </a:extLst>
+          </p:cNvPr>
+          <p:cNvSpPr>
+            <a:spLocks noGrp="1"/>
+          </p:cNvSpPr>
+          <p:nvPr>
+            <p:ph type="sldNum" sz="quarter" idx="12"/>
+          </p:nvPr>
+        </p:nvSpPr>
+        <p:spPr/>
+        <p:txBody>
+          <a:bodyPr/>
+          <a:lstStyle/>
+          <a:p>
+            <a:fld id="{40FC477F-3197-4E88-B387-83A53B82C48D}" type="slidenum">
+              <a:rPr lang="en-US" smtClean="0"/>
+              <a:t>9</a:t>
+            </a:fld>
+            <a:endParaRPr lang="en-US"/>
+          </a:p>
+        </p:txBody>
+      </p:sp>
     </p:spTree>
     <p:extLst>
       <p:ext uri="{BB962C8B-B14F-4D97-AF65-F5344CB8AC3E}">
@@ -14580,4 +17309,299 @@
     </a:ext>
   </a:extLst>
 </a:theme>
+</file>
+
+<file path=ppt/theme/theme2.xml><?xml version="1.0" encoding="utf-8"?>
+<a:theme xmlns:a="http://schemas.openxmlformats.org/drawingml/2006/main" name="Office Theme">
+  <a:themeElements>
+    <a:clrScheme name="Office">
+      <a:dk1>
+        <a:sysClr val="windowText" lastClr="000000"/>
+      </a:dk1>
+      <a:lt1>
+        <a:sysClr val="window" lastClr="FFFFFF"/>
+      </a:lt1>
+      <a:dk2>
+        <a:srgbClr val="44546A"/>
+      </a:dk2>
+      <a:lt2>
+        <a:srgbClr val="E7E6E6"/>
+      </a:lt2>
+      <a:accent1>
+        <a:srgbClr val="4472C4"/>
+      </a:accent1>
+      <a:accent2>
+        <a:srgbClr val="ED7D31"/>
+      </a:accent2>
+      <a:accent3>
+        <a:srgbClr val="A5A5A5"/>
+      </a:accent3>
+      <a:accent4>
+        <a:srgbClr val="FFC000"/>
+      </a:accent4>
+      <a:accent5>
+        <a:srgbClr val="5B9BD5"/>
+      </a:accent5>
+      <a:accent6>
+        <a:srgbClr val="70AD47"/>
+      </a:accent6>
+      <a:hlink>
+        <a:srgbClr val="0563C1"/>
+      </a:hlink>
+      <a:folHlink>
+        <a:srgbClr val="954F72"/>
+      </a:folHlink>
+    </a:clrScheme>
+    <a:fontScheme name="Office">
+      <a:majorFont>
+        <a:latin typeface="Calibri Light" panose="020F0302020204030204"/>
+        <a:ea typeface=""/>
+        <a:cs typeface=""/>
+        <a:font script="Jpan" typeface="游ゴシック Light"/>
+        <a:font script="Hang" typeface="맑은 고딕"/>
+        <a:font script="Hans" typeface="等线 Light"/>
+        <a:font script="Hant" typeface="新細明體"/>
+        <a:font script="Arab" typeface="Times New Roman"/>
+        <a:font script="Hebr" typeface="Times New Roman"/>
+        <a:font script="Thai" typeface="Angsana New"/>
+        <a:font script="Ethi" typeface="Nyala"/>
+        <a:font script="Beng" typeface="Vrinda"/>
+        <a:font script="Gujr" typeface="Shruti"/>
+        <a:font script="Khmr" typeface="MoolBoran"/>
+        <a:font script="Knda" typeface="Tunga"/>
+        <a:font script="Guru" typeface="Raavi"/>
+        <a:font script="Cans" typeface="Euphemia"/>
+        <a:font script="Cher" typeface="Plantagenet Cherokee"/>
+        <a:font script="Yiii" typeface="Microsoft Yi Baiti"/>
+        <a:font script="Tibt" typeface="Microsoft Himalaya"/>
+        <a:font script="Thaa" typeface="MV Boli"/>
+        <a:font script="Deva" typeface="Mangal"/>
+        <a:font script="Telu" typeface="Gautami"/>
+        <a:font script="Taml" typeface="Latha"/>
+        <a:font script="Syrc" typeface="Estrangelo Edessa"/>
+        <a:font script="Orya" typeface="Kalinga"/>
+        <a:font script="Mlym" typeface="Kartika"/>
+        <a:font script="Laoo" typeface="DokChampa"/>
+        <a:font script="Sinh" typeface="Iskoola Pota"/>
+        <a:font script="Mong" typeface="Mongolian Baiti"/>
+        <a:font script="Viet" typeface="Times New Roman"/>
+        <a:font script="Uigh" typeface="Microsoft Uighur"/>
+        <a:font script="Geor" typeface="Sylfaen"/>
+        <a:font script="Armn" typeface="Arial"/>
+        <a:font script="Bugi" typeface="Leelawadee UI"/>
+        <a:font script="Bopo" typeface="Microsoft JhengHei"/>
+        <a:font script="Java" typeface="Javanese Text"/>
+        <a:font script="Lisu" typeface="Segoe UI"/>
+        <a:font script="Mymr" typeface="Myanmar Text"/>
+        <a:font script="Nkoo" typeface="Ebrima"/>
+        <a:font script="Olck" typeface="Nirmala UI"/>
+        <a:font script="Osma" typeface="Ebrima"/>
+        <a:font script="Phag" typeface="Phagspa"/>
+        <a:font script="Syrn" typeface="Estrangelo Edessa"/>
+        <a:font script="Syrj" typeface="Estrangelo Edessa"/>
+        <a:font script="Syre" typeface="Estrangelo Edessa"/>
+        <a:font script="Sora" typeface="Nirmala UI"/>
+        <a:font script="Tale" typeface="Microsoft Tai Le"/>
+        <a:font script="Talu" typeface="Microsoft New Tai Lue"/>
+        <a:font script="Tfng" typeface="Ebrima"/>
+      </a:majorFont>
+      <a:minorFont>
+        <a:latin typeface="Calibri" panose="020F0502020204030204"/>
+        <a:ea typeface=""/>
+        <a:cs typeface=""/>
+        <a:font script="Jpan" typeface="游ゴシック"/>
+        <a:font script="Hang" typeface="맑은 고딕"/>
+        <a:font script="Hans" typeface="等线"/>
+        <a:font script="Hant" typeface="新細明體"/>
+        <a:font script="Arab" typeface="Arial"/>
+        <a:font script="Hebr" typeface="Arial"/>
+        <a:font script="Thai" typeface="Cordia New"/>
+        <a:font script="Ethi" typeface="Nyala"/>
+        <a:font script="Beng" typeface="Vrinda"/>
+        <a:font script="Gujr" typeface="Shruti"/>
+        <a:font script="Khmr" typeface="DaunPenh"/>
+        <a:font script="Knda" typeface="Tunga"/>
+        <a:font script="Guru" typeface="Raavi"/>
+        <a:font script="Cans" typeface="Euphemia"/>
+        <a:font script="Cher" typeface="Plantagenet Cherokee"/>
+        <a:font script="Yiii" typeface="Microsoft Yi Baiti"/>
+        <a:font script="Tibt" typeface="Microsoft Himalaya"/>
+        <a:font script="Thaa" typeface="MV Boli"/>
+        <a:font script="Deva" typeface="Mangal"/>
+        <a:font script="Telu" typeface="Gautami"/>
+        <a:font script="Taml" typeface="Latha"/>
+        <a:font script="Syrc" typeface="Estrangelo Edessa"/>
+        <a:font script="Orya" typeface="Kalinga"/>
+        <a:font script="Mlym" typeface="Kartika"/>
+        <a:font script="Laoo" typeface="DokChampa"/>
+        <a:font script="Sinh" typeface="Iskoola Pota"/>
+        <a:font script="Mong" typeface="Mongolian Baiti"/>
+        <a:font script="Viet" typeface="Arial"/>
+        <a:font script="Uigh" typeface="Microsoft Uighur"/>
+        <a:font script="Geor" typeface="Sylfaen"/>
+        <a:font script="Armn" typeface="Arial"/>
+        <a:font script="Bugi" typeface="Leelawadee UI"/>
+        <a:font script="Bopo" typeface="Microsoft JhengHei"/>
+        <a:font script="Java" typeface="Javanese Text"/>
+        <a:font script="Lisu" typeface="Segoe UI"/>
+        <a:font script="Mymr" typeface="Myanmar Text"/>
+        <a:font script="Nkoo" typeface="Ebrima"/>
+        <a:font script="Olck" typeface="Nirmala UI"/>
+        <a:font script="Osma" typeface="Ebrima"/>
+        <a:font script="Phag" typeface="Phagspa"/>
+        <a:font script="Syrn" typeface="Estrangelo Edessa"/>
+        <a:font script="Syrj" typeface="Estrangelo Edessa"/>
+        <a:font script="Syre" typeface="Estrangelo Edessa"/>
+        <a:font script="Sora" typeface="Nirmala UI"/>
+        <a:font script="Tale" typeface="Microsoft Tai Le"/>
+        <a:font script="Talu" typeface="Microsoft New Tai Lue"/>
+        <a:font script="Tfng" typeface="Ebrima"/>
+      </a:minorFont>
+    </a:fontScheme>
+    <a:fmtScheme name="Office">
+      <a:fillStyleLst>
+        <a:solidFill>
+          <a:schemeClr val="phClr"/>
+        </a:solidFill>
+        <a:gradFill rotWithShape="1">
+          <a:gsLst>
+            <a:gs pos="0">
+              <a:schemeClr val="phClr">
+                <a:lumMod val="110000"/>
+                <a:satMod val="105000"/>
+                <a:tint val="67000"/>
+              </a:schemeClr>
+            </a:gs>
+            <a:gs pos="50000">
+              <a:schemeClr val="phClr">
+                <a:lumMod val="105000"/>
+                <a:satMod val="103000"/>
+                <a:tint val="73000"/>
+              </a:schemeClr>
+            </a:gs>
+            <a:gs pos="100000">
+              <a:schemeClr val="phClr">
+                <a:lumMod val="105000"/>
+                <a:satMod val="109000"/>
+                <a:tint val="81000"/>
+              </a:schemeClr>
+            </a:gs>
+          </a:gsLst>
+          <a:lin ang="5400000" scaled="0"/>
+        </a:gradFill>
+        <a:gradFill rotWithShape="1">
+          <a:gsLst>
+            <a:gs pos="0">
+              <a:schemeClr val="phClr">
+                <a:satMod val="103000"/>
+                <a:lumMod val="102000"/>
+                <a:tint val="94000"/>
+              </a:schemeClr>
+            </a:gs>
+            <a:gs pos="50000">
+              <a:schemeClr val="phClr">
+                <a:satMod val="110000"/>
+                <a:lumMod val="100000"/>
+                <a:shade val="100000"/>
+              </a:schemeClr>
+            </a:gs>
+            <a:gs pos="100000">
+              <a:schemeClr val="phClr">
+                <a:lumMod val="99000"/>
+                <a:satMod val="120000"/>
+                <a:shade val="78000"/>
+              </a:schemeClr>
+            </a:gs>
+          </a:gsLst>
+          <a:lin ang="5400000" scaled="0"/>
+        </a:gradFill>
+      </a:fillStyleLst>
+      <a:lnStyleLst>
+        <a:ln w="6350" cap="flat" cmpd="sng" algn="ctr">
+          <a:solidFill>
+            <a:schemeClr val="phClr"/>
+          </a:solidFill>
+          <a:prstDash val="solid"/>
+          <a:miter lim="800000"/>
+        </a:ln>
+        <a:ln w="12700" cap="flat" cmpd="sng" algn="ctr">
+          <a:solidFill>
+            <a:schemeClr val="phClr"/>
+          </a:solidFill>
+          <a:prstDash val="solid"/>
+          <a:miter lim="800000"/>
+        </a:ln>
+        <a:ln w="19050" cap="flat" cmpd="sng" algn="ctr">
+          <a:solidFill>
+            <a:schemeClr val="phClr"/>
+          </a:solidFill>
+          <a:prstDash val="solid"/>
+          <a:miter lim="800000"/>
+        </a:ln>
+      </a:lnStyleLst>
+      <a:effectStyleLst>
+        <a:effectStyle>
+          <a:effectLst/>
+        </a:effectStyle>
+        <a:effectStyle>
+          <a:effectLst/>
+        </a:effectStyle>
+        <a:effectStyle>
+          <a:effectLst>
+            <a:outerShdw blurRad="57150" dist="19050" dir="5400000" algn="ctr" rotWithShape="0">
+              <a:srgbClr val="000000">
+                <a:alpha val="63000"/>
+              </a:srgbClr>
+            </a:outerShdw>
+          </a:effectLst>
+        </a:effectStyle>
+      </a:effectStyleLst>
+      <a:bgFillStyleLst>
+        <a:solidFill>
+          <a:schemeClr val="phClr"/>
+        </a:solidFill>
+        <a:solidFill>
+          <a:schemeClr val="phClr">
+            <a:tint val="95000"/>
+            <a:satMod val="170000"/>
+          </a:schemeClr>
+        </a:solidFill>
+        <a:gradFill rotWithShape="1">
+          <a:gsLst>
+            <a:gs pos="0">
+              <a:schemeClr val="phClr">
+                <a:tint val="93000"/>
+                <a:satMod val="150000"/>
+                <a:shade val="98000"/>
+                <a:lumMod val="102000"/>
+              </a:schemeClr>
+            </a:gs>
+            <a:gs pos="50000">
+              <a:schemeClr val="phClr">
+                <a:tint val="98000"/>
+                <a:satMod val="130000"/>
+                <a:shade val="90000"/>
+                <a:lumMod val="103000"/>
+              </a:schemeClr>
+            </a:gs>
+            <a:gs pos="100000">
+              <a:schemeClr val="phClr">
+                <a:shade val="63000"/>
+                <a:satMod val="120000"/>
+              </a:schemeClr>
+            </a:gs>
+          </a:gsLst>
+          <a:lin ang="5400000" scaled="0"/>
+        </a:gradFill>
+      </a:bgFillStyleLst>
+    </a:fmtScheme>
+  </a:themeElements>
+  <a:objectDefaults/>
+  <a:extraClrSchemeLst/>
+  <a:extLst>
+    <a:ext uri="{05A4C25C-085E-4340-85A3-A5531E510DB2}">
+      <thm15:themeFamily xmlns:thm15="http://schemas.microsoft.com/office/thememl/2012/main" name="Office Theme" id="{62F939B6-93AF-4DB8-9C6B-D6C7DFDC589F}" vid="{4A3C46E8-61CC-4603-A589-7422A47A8E4A}"/>
+    </a:ext>
+  </a:extLst>
+</a:theme>
 </file>